--- a/Конференция.pptx
+++ b/Конференция.pptx
@@ -5,16 +5,17 @@
     <p:sldMasterId id="2147483648" r:id="rId1"/>
   </p:sldMasterIdLst>
   <p:notesMasterIdLst>
-    <p:notesMasterId r:id="rId9"/>
+    <p:notesMasterId r:id="rId10"/>
   </p:notesMasterIdLst>
   <p:sldIdLst>
     <p:sldId id="256" r:id="rId2"/>
     <p:sldId id="257" r:id="rId3"/>
-    <p:sldId id="263" r:id="rId4"/>
-    <p:sldId id="260" r:id="rId5"/>
-    <p:sldId id="261" r:id="rId6"/>
-    <p:sldId id="262" r:id="rId7"/>
-    <p:sldId id="258" r:id="rId8"/>
+    <p:sldId id="264" r:id="rId4"/>
+    <p:sldId id="263" r:id="rId5"/>
+    <p:sldId id="260" r:id="rId6"/>
+    <p:sldId id="261" r:id="rId7"/>
+    <p:sldId id="262" r:id="rId8"/>
+    <p:sldId id="265" r:id="rId9"/>
   </p:sldIdLst>
   <p:sldSz cx="12192000" cy="6858000"/>
   <p:notesSz cx="6858000" cy="9144000"/>
@@ -203,7 +204,7 @@
           <a:p>
             <a:fld id="{7C8E962F-4200-4BF3-929F-88E31BC39BA0}" type="datetimeFigureOut">
               <a:rPr lang="ru-RU" smtClean="0"/>
-              <a:t>28.04.2021</a:t>
+              <a:t>29.04.2021</a:t>
             </a:fld>
             <a:endParaRPr lang="ru-RU"/>
           </a:p>
@@ -602,7 +603,7 @@
           <a:p>
             <a:fld id="{25A4EB75-07EE-440B-8107-3426A778CD39}" type="datetime1">
               <a:rPr lang="ru-RU" smtClean="0"/>
-              <a:t>28.04.2021</a:t>
+              <a:t>29.04.2021</a:t>
             </a:fld>
             <a:endParaRPr lang="ru-RU"/>
           </a:p>
@@ -772,7 +773,7 @@
           <a:p>
             <a:fld id="{ED7509D5-4514-4859-8772-5128799E36C2}" type="datetime1">
               <a:rPr lang="ru-RU" smtClean="0"/>
-              <a:t>28.04.2021</a:t>
+              <a:t>29.04.2021</a:t>
             </a:fld>
             <a:endParaRPr lang="ru-RU"/>
           </a:p>
@@ -952,7 +953,7 @@
           <a:p>
             <a:fld id="{1E6F6518-E551-4246-BCD4-2F4089692512}" type="datetime1">
               <a:rPr lang="ru-RU" smtClean="0"/>
-              <a:t>28.04.2021</a:t>
+              <a:t>29.04.2021</a:t>
             </a:fld>
             <a:endParaRPr lang="ru-RU"/>
           </a:p>
@@ -1122,7 +1123,7 @@
           <a:p>
             <a:fld id="{7A49AC7B-A10B-42C8-B91D-41719A7321A3}" type="datetime1">
               <a:rPr lang="ru-RU" smtClean="0"/>
-              <a:t>28.04.2021</a:t>
+              <a:t>29.04.2021</a:t>
             </a:fld>
             <a:endParaRPr lang="ru-RU"/>
           </a:p>
@@ -1368,7 +1369,7 @@
           <a:p>
             <a:fld id="{FD1EA13B-185C-4DD8-9D4C-B27288015DCD}" type="datetime1">
               <a:rPr lang="ru-RU" smtClean="0"/>
-              <a:t>28.04.2021</a:t>
+              <a:t>29.04.2021</a:t>
             </a:fld>
             <a:endParaRPr lang="ru-RU"/>
           </a:p>
@@ -1600,7 +1601,7 @@
           <a:p>
             <a:fld id="{85EC74BD-A468-47DF-848F-CEF6CFC72F52}" type="datetime1">
               <a:rPr lang="ru-RU" smtClean="0"/>
-              <a:t>28.04.2021</a:t>
+              <a:t>29.04.2021</a:t>
             </a:fld>
             <a:endParaRPr lang="ru-RU"/>
           </a:p>
@@ -1967,7 +1968,7 @@
           <a:p>
             <a:fld id="{32573974-70B4-45E3-89A1-A61B41FFB514}" type="datetime1">
               <a:rPr lang="ru-RU" smtClean="0"/>
-              <a:t>28.04.2021</a:t>
+              <a:t>29.04.2021</a:t>
             </a:fld>
             <a:endParaRPr lang="ru-RU"/>
           </a:p>
@@ -2085,7 +2086,7 @@
           <a:p>
             <a:fld id="{76FD0506-A71C-462F-AB47-21747C1B499A}" type="datetime1">
               <a:rPr lang="ru-RU" smtClean="0"/>
-              <a:t>28.04.2021</a:t>
+              <a:t>29.04.2021</a:t>
             </a:fld>
             <a:endParaRPr lang="ru-RU"/>
           </a:p>
@@ -2180,7 +2181,7 @@
           <a:p>
             <a:fld id="{EFA861A8-C2FA-4ACE-BD9C-8847A3E07ECB}" type="datetime1">
               <a:rPr lang="ru-RU" smtClean="0"/>
-              <a:t>28.04.2021</a:t>
+              <a:t>29.04.2021</a:t>
             </a:fld>
             <a:endParaRPr lang="ru-RU"/>
           </a:p>
@@ -2457,7 +2458,7 @@
           <a:p>
             <a:fld id="{9AC68C1E-3076-4F42-9028-F2B5C77BC384}" type="datetime1">
               <a:rPr lang="ru-RU" smtClean="0"/>
-              <a:t>28.04.2021</a:t>
+              <a:t>29.04.2021</a:t>
             </a:fld>
             <a:endParaRPr lang="ru-RU"/>
           </a:p>
@@ -2710,7 +2711,7 @@
           <a:p>
             <a:fld id="{327E987C-630C-4D74-92CD-EEAEB992FCC3}" type="datetime1">
               <a:rPr lang="ru-RU" smtClean="0"/>
-              <a:t>28.04.2021</a:t>
+              <a:t>29.04.2021</a:t>
             </a:fld>
             <a:endParaRPr lang="ru-RU"/>
           </a:p>
@@ -2923,7 +2924,7 @@
           <a:p>
             <a:fld id="{B321B61F-AC2F-4B1B-B511-19F2B4EB26E6}" type="datetime1">
               <a:rPr lang="ru-RU" smtClean="0"/>
-              <a:t>28.04.2021</a:t>
+              <a:t>29.04.2021</a:t>
             </a:fld>
             <a:endParaRPr lang="ru-RU"/>
           </a:p>
@@ -3352,6 +3353,326 @@
           </a:p>
         </p:txBody>
       </p:sp>
+      <p:sp>
+        <p:nvSpPr>
+          <p:cNvPr id="3" name="TextBox 2"/>
+          <p:cNvSpPr txBox="1"/>
+          <p:nvPr/>
+        </p:nvSpPr>
+        <p:spPr>
+          <a:xfrm>
+            <a:off x="0" y="2362137"/>
+            <a:ext cx="12192000" cy="954107"/>
+          </a:xfrm>
+          <a:prstGeom prst="rect">
+            <a:avLst/>
+          </a:prstGeom>
+          <a:solidFill>
+            <a:schemeClr val="accent4">
+              <a:alpha val="50000"/>
+            </a:schemeClr>
+          </a:solidFill>
+          <a:ln>
+            <a:noFill/>
+          </a:ln>
+        </p:spPr>
+        <p:style>
+          <a:lnRef idx="0">
+            <a:scrgbClr r="0" g="0" b="0"/>
+          </a:lnRef>
+          <a:fillRef idx="0">
+            <a:scrgbClr r="0" g="0" b="0"/>
+          </a:fillRef>
+          <a:effectRef idx="0">
+            <a:scrgbClr r="0" g="0" b="0"/>
+          </a:effectRef>
+          <a:fontRef idx="minor">
+            <a:schemeClr val="lt1"/>
+          </a:fontRef>
+        </p:style>
+        <p:txBody>
+          <a:bodyPr wrap="square" rtlCol="0">
+            <a:spAutoFit/>
+          </a:bodyPr>
+          <a:lstStyle/>
+          <a:p>
+            <a:pPr algn="ctr">
+              <a:lnSpc>
+                <a:spcPct val="50000"/>
+              </a:lnSpc>
+            </a:pPr>
+            <a:endParaRPr lang="ru-RU" sz="2800" dirty="0" smtClean="0">
+              <a:solidFill>
+                <a:schemeClr val="tx1"/>
+              </a:solidFill>
+              <a:cs typeface="Arial" panose="020B0604020202020204" pitchFamily="34" charset="0"/>
+            </a:endParaRPr>
+          </a:p>
+          <a:p>
+            <a:pPr algn="ctr"/>
+            <a:r>
+              <a:rPr lang="ru-RU" sz="2800" b="1" dirty="0" smtClean="0">
+                <a:solidFill>
+                  <a:schemeClr val="tx1"/>
+                </a:solidFill>
+                <a:cs typeface="Arial" panose="020B0604020202020204" pitchFamily="34" charset="0"/>
+              </a:rPr>
+              <a:t>НЕУСТОЙЧИВОСТЬ СТРУИ МАГНИТНОЙ ЖИДКОСТИ В МАГНИТНОМ ПОЛЕ</a:t>
+            </a:r>
+          </a:p>
+          <a:p>
+            <a:pPr algn="ctr">
+              <a:lnSpc>
+                <a:spcPct val="50000"/>
+              </a:lnSpc>
+            </a:pPr>
+            <a:endParaRPr lang="ru-RU" sz="2800" dirty="0">
+              <a:solidFill>
+                <a:schemeClr val="tx1"/>
+              </a:solidFill>
+              <a:cs typeface="Arial" panose="020B0604020202020204" pitchFamily="34" charset="0"/>
+            </a:endParaRPr>
+          </a:p>
+        </p:txBody>
+      </p:sp>
+      <p:sp>
+        <p:nvSpPr>
+          <p:cNvPr id="2" name="Прямоугольник 1"/>
+          <p:cNvSpPr/>
+          <p:nvPr/>
+        </p:nvSpPr>
+        <p:spPr>
+          <a:xfrm>
+            <a:off x="0" y="194465"/>
+            <a:ext cx="12192000" cy="1477328"/>
+          </a:xfrm>
+          <a:prstGeom prst="rect">
+            <a:avLst/>
+          </a:prstGeom>
+        </p:spPr>
+        <p:txBody>
+          <a:bodyPr wrap="square">
+            <a:spAutoFit/>
+          </a:bodyPr>
+          <a:lstStyle/>
+          <a:p>
+            <a:pPr algn="ctr"/>
+            <a:r>
+              <a:rPr lang="ru-RU" dirty="0">
+                <a:solidFill>
+                  <a:srgbClr val="000000"/>
+                </a:solidFill>
+              </a:rPr>
+              <a:t>МИНОБРНАУКИ РОССИИ</a:t>
+            </a:r>
+            <a:endParaRPr lang="ru-RU" dirty="0"/>
+          </a:p>
+          <a:p>
+            <a:pPr algn="ctr"/>
+            <a:r>
+              <a:rPr lang="ru-RU" dirty="0">
+                <a:solidFill>
+                  <a:srgbClr val="000000"/>
+                </a:solidFill>
+              </a:rPr>
+              <a:t>Федеральное государственное бюджетное образовательное учреждение высшего образования</a:t>
+            </a:r>
+            <a:endParaRPr lang="ru-RU" dirty="0"/>
+          </a:p>
+          <a:p>
+            <a:pPr algn="ctr"/>
+            <a:r>
+              <a:rPr lang="ru-RU" dirty="0">
+                <a:solidFill>
+                  <a:srgbClr val="000000"/>
+                </a:solidFill>
+              </a:rPr>
+              <a:t>“Ярославский государственный университет им. П.Г. Демидова”</a:t>
+            </a:r>
+            <a:endParaRPr lang="ru-RU" dirty="0"/>
+          </a:p>
+          <a:p>
+            <a:pPr algn="ctr"/>
+            <a:r>
+              <a:rPr lang="ru-RU" dirty="0"/>
+              <a:t/>
+            </a:r>
+            <a:br>
+              <a:rPr lang="ru-RU" dirty="0"/>
+            </a:br>
+            <a:r>
+              <a:rPr lang="ru-RU" dirty="0">
+                <a:solidFill>
+                  <a:srgbClr val="000000"/>
+                </a:solidFill>
+              </a:rPr>
+              <a:t>КАФЕДРА МИКРОЭЛЕКТРОНИКИ И ОБЩЕЙ </a:t>
+            </a:r>
+            <a:r>
+              <a:rPr lang="ru-RU" dirty="0" smtClean="0">
+                <a:solidFill>
+                  <a:srgbClr val="000000"/>
+                </a:solidFill>
+              </a:rPr>
+              <a:t>ФИЗИКИ</a:t>
+            </a:r>
+            <a:endParaRPr lang="ru-RU" dirty="0"/>
+          </a:p>
+        </p:txBody>
+      </p:sp>
+      <p:sp>
+        <p:nvSpPr>
+          <p:cNvPr id="5" name="Прямоугольник 4"/>
+          <p:cNvSpPr/>
+          <p:nvPr/>
+        </p:nvSpPr>
+        <p:spPr>
+          <a:xfrm>
+            <a:off x="8877300" y="3710809"/>
+            <a:ext cx="2832100" cy="2246769"/>
+          </a:xfrm>
+          <a:prstGeom prst="rect">
+            <a:avLst/>
+          </a:prstGeom>
+        </p:spPr>
+        <p:txBody>
+          <a:bodyPr wrap="square">
+            <a:spAutoFit/>
+          </a:bodyPr>
+          <a:lstStyle/>
+          <a:p>
+            <a:r>
+              <a:rPr lang="ru-RU" sz="2000" dirty="0">
+                <a:solidFill>
+                  <a:srgbClr val="000000"/>
+                </a:solidFill>
+              </a:rPr>
+              <a:t>Научный руководитель:</a:t>
+            </a:r>
+            <a:endParaRPr lang="ru-RU" sz="2000" dirty="0"/>
+          </a:p>
+          <a:p>
+            <a:r>
+              <a:rPr lang="ru-RU" sz="2000" dirty="0">
+                <a:solidFill>
+                  <a:srgbClr val="000000"/>
+                </a:solidFill>
+              </a:rPr>
+              <a:t>д.ф.-м.н., профессор</a:t>
+            </a:r>
+            <a:endParaRPr lang="ru-RU" sz="2000" dirty="0"/>
+          </a:p>
+          <a:p>
+            <a:r>
+              <a:rPr lang="ru-RU" sz="2000" dirty="0">
+                <a:solidFill>
+                  <a:srgbClr val="000000"/>
+                </a:solidFill>
+              </a:rPr>
+              <a:t>Белоножко Д. Ф.</a:t>
+            </a:r>
+            <a:endParaRPr lang="ru-RU" sz="2000" dirty="0"/>
+          </a:p>
+          <a:p>
+            <a:r>
+              <a:rPr lang="ru-RU" sz="2000" dirty="0"/>
+              <a:t/>
+            </a:r>
+            <a:br>
+              <a:rPr lang="ru-RU" sz="2000" dirty="0"/>
+            </a:br>
+            <a:r>
+              <a:rPr lang="ru-RU" sz="2000" dirty="0">
+                <a:solidFill>
+                  <a:srgbClr val="000000"/>
+                </a:solidFill>
+              </a:rPr>
+              <a:t>Выполнила:</a:t>
+            </a:r>
+            <a:endParaRPr lang="ru-RU" sz="2000" dirty="0"/>
+          </a:p>
+          <a:p>
+            <a:r>
+              <a:rPr lang="ru-RU" sz="2000" dirty="0">
+                <a:solidFill>
+                  <a:srgbClr val="000000"/>
+                </a:solidFill>
+              </a:rPr>
+              <a:t>студент гр. </a:t>
+            </a:r>
+            <a:r>
+              <a:rPr lang="ru-RU" sz="2000" dirty="0" smtClean="0">
+                <a:solidFill>
+                  <a:srgbClr val="000000"/>
+                </a:solidFill>
+              </a:rPr>
+              <a:t>ЭН-21МО</a:t>
+            </a:r>
+            <a:endParaRPr lang="ru-RU" sz="2000" dirty="0"/>
+          </a:p>
+          <a:p>
+            <a:r>
+              <a:rPr lang="ru-RU" sz="2000" dirty="0">
+                <a:solidFill>
+                  <a:srgbClr val="000000"/>
+                </a:solidFill>
+              </a:rPr>
+              <a:t>Кондакова Д. Д</a:t>
+            </a:r>
+            <a:r>
+              <a:rPr lang="ru-RU" sz="2000" dirty="0" smtClean="0">
+                <a:solidFill>
+                  <a:srgbClr val="000000"/>
+                </a:solidFill>
+              </a:rPr>
+              <a:t>.</a:t>
+            </a:r>
+            <a:endParaRPr lang="ru-RU" sz="2000" dirty="0"/>
+          </a:p>
+        </p:txBody>
+      </p:sp>
+      <p:sp>
+        <p:nvSpPr>
+          <p:cNvPr id="6" name="Прямоугольник 5"/>
+          <p:cNvSpPr/>
+          <p:nvPr/>
+        </p:nvSpPr>
+        <p:spPr>
+          <a:xfrm>
+            <a:off x="0" y="6352143"/>
+            <a:ext cx="12192000" cy="400110"/>
+          </a:xfrm>
+          <a:prstGeom prst="rect">
+            <a:avLst/>
+          </a:prstGeom>
+        </p:spPr>
+        <p:txBody>
+          <a:bodyPr wrap="square">
+            <a:spAutoFit/>
+          </a:bodyPr>
+          <a:lstStyle/>
+          <a:p>
+            <a:pPr algn="ctr"/>
+            <a:r>
+              <a:rPr lang="ru-RU" sz="2000" dirty="0">
+                <a:solidFill>
+                  <a:srgbClr val="000000"/>
+                </a:solidFill>
+              </a:rPr>
+              <a:t>Ярославль, </a:t>
+            </a:r>
+            <a:r>
+              <a:rPr lang="ru-RU" sz="2000" dirty="0" smtClean="0">
+                <a:solidFill>
+                  <a:srgbClr val="000000"/>
+                </a:solidFill>
+              </a:rPr>
+              <a:t>2021</a:t>
+            </a:r>
+            <a:endParaRPr lang="ru-RU" sz="2000" dirty="0"/>
+          </a:p>
+        </p:txBody>
+      </p:sp>
     </p:spTree>
     <p:extLst>
       <p:ext uri="{BB962C8B-B14F-4D97-AF65-F5344CB8AC3E}">
@@ -3500,7 +3821,7 @@
         </p:blipFill>
         <p:spPr>
           <a:xfrm>
-            <a:off x="9307581" y="2100453"/>
+            <a:off x="9165968" y="3347610"/>
             <a:ext cx="2020819" cy="2073537"/>
           </a:xfrm>
           <a:prstGeom prst="rect">
@@ -3508,8 +3829,8 @@
           </a:prstGeom>
         </p:spPr>
       </p:pic>
-      <mc:AlternateContent xmlns:mc="http://schemas.openxmlformats.org/markup-compatibility/2006">
-        <mc:Choice xmlns:a14="http://schemas.microsoft.com/office/drawing/2010/main" Requires="a14">
+      <mc:AlternateContent xmlns:mc="http://schemas.openxmlformats.org/markup-compatibility/2006" xmlns:a14="http://schemas.microsoft.com/office/drawing/2010/main">
+        <mc:Choice Requires="a14">
           <p:sp>
             <p:nvSpPr>
               <p:cNvPr id="9" name="TextBox 8"/>
@@ -3534,38 +3855,20 @@
               <a:p>
                 <a:pPr algn="ctr"/>
                 <a:r>
-                  <a:rPr lang="ru-RU" sz="2200" dirty="0" smtClean="0">
+                  <a:rPr lang="ru-RU" sz="2200" i="1" dirty="0" smtClean="0">
                     <a:solidFill>
-                      <a:schemeClr val="accent5"/>
+                      <a:schemeClr val="tx1"/>
                     </a:solidFill>
                     <a:cs typeface="Arial" panose="020B0604020202020204" pitchFamily="34" charset="0"/>
                   </a:rPr>
-                  <a:t>Рис. 1. Условное изображение </a:t>
-                </a:r>
-                <a:r>
-                  <a:rPr lang="ru-RU" sz="2200" dirty="0" smtClean="0">
-                    <a:solidFill>
-                      <a:schemeClr val="accent5"/>
-                    </a:solidFill>
-                    <a:cs typeface="Arial" panose="020B0604020202020204" pitchFamily="34" charset="0"/>
-                  </a:rPr>
-                  <a:t>фрагмента цилиндрического столба магнитной жидкости, по поверхности которого бежит капиллярная </a:t>
-                </a:r>
-                <a:r>
-                  <a:rPr lang="ru-RU" sz="2200" dirty="0" smtClean="0">
-                    <a:solidFill>
-                      <a:schemeClr val="accent5"/>
-                    </a:solidFill>
-                    <a:cs typeface="Arial" panose="020B0604020202020204" pitchFamily="34" charset="0"/>
-                  </a:rPr>
-                  <a:t>волна с амплитудой </a:t>
+                  <a:t>Рис. 1. Условное изображение фрагмента цилиндрического столба магнитной жидкости, по поверхности которого бежит капиллярная волна с амплитудой </a:t>
                 </a:r>
                 <a14:m>
                   <m:oMath xmlns:m="http://schemas.openxmlformats.org/officeDocument/2006/math">
                     <m:r>
                       <a:rPr lang="en-US" sz="2200" b="0" i="1" smtClean="0">
                         <a:solidFill>
-                          <a:schemeClr val="accent5"/>
+                          <a:schemeClr val="tx1"/>
                         </a:solidFill>
                         <a:latin typeface="Cambria Math" panose="02040503050406030204" pitchFamily="18" charset="0"/>
                         <a:cs typeface="Arial" panose="020B0604020202020204" pitchFamily="34" charset="0"/>
@@ -3575,9 +3878,9 @@
                   </m:oMath>
                 </a14:m>
                 <a:r>
-                  <a:rPr lang="ru-RU" sz="2200" dirty="0" smtClean="0">
+                  <a:rPr lang="ru-RU" sz="2200" i="1" dirty="0" smtClean="0">
                     <a:solidFill>
-                      <a:schemeClr val="accent5"/>
+                      <a:schemeClr val="tx1"/>
                     </a:solidFill>
                     <a:cs typeface="Arial" panose="020B0604020202020204" pitchFamily="34" charset="0"/>
                   </a:rPr>
@@ -3588,7 +3891,7 @@
                     <m:r>
                       <a:rPr lang="ru-RU" sz="2200" i="1" smtClean="0">
                         <a:solidFill>
-                          <a:schemeClr val="accent5"/>
+                          <a:schemeClr val="tx1"/>
                         </a:solidFill>
                         <a:latin typeface="Cambria Math" panose="02040503050406030204" pitchFamily="18" charset="0"/>
                         <a:ea typeface="Cambria Math" panose="02040503050406030204" pitchFamily="18" charset="0"/>
@@ -3598,9 +3901,9 @@
                     </m:r>
                   </m:oMath>
                 </a14:m>
-                <a:endParaRPr lang="ru-RU" sz="2200" dirty="0">
+                <a:endParaRPr lang="ru-RU" sz="2200" i="1" dirty="0">
                   <a:solidFill>
-                    <a:schemeClr val="accent5"/>
+                    <a:schemeClr val="tx1"/>
                   </a:solidFill>
                   <a:cs typeface="Arial" panose="020B0604020202020204" pitchFamily="34" charset="0"/>
                 </a:endParaRPr>
@@ -3608,7 +3911,7 @@
             </p:txBody>
           </p:sp>
         </mc:Choice>
-        <mc:Fallback>
+        <mc:Fallback xmlns="">
           <p:sp>
             <p:nvSpPr>
               <p:cNvPr id="9" name="TextBox 8"/>
@@ -3670,8 +3973,8 @@
           </a:p>
         </p:txBody>
       </p:sp>
-      <mc:AlternateContent xmlns:mc="http://schemas.openxmlformats.org/markup-compatibility/2006">
-        <mc:Choice xmlns:a14="http://schemas.microsoft.com/office/drawing/2010/main" Requires="a14">
+      <mc:AlternateContent xmlns:mc="http://schemas.openxmlformats.org/markup-compatibility/2006" xmlns:a14="http://schemas.microsoft.com/office/drawing/2010/main">
+        <mc:Choice Requires="a14">
           <p:sp>
             <p:nvSpPr>
               <p:cNvPr id="11" name="Прямоугольник 10"/>
@@ -3696,7 +3999,6 @@
               </a:bodyPr>
               <a:lstStyle/>
               <a:p>
-                <a:pPr/>
                 <a14:m>
                   <m:oMath xmlns:m="http://schemas.openxmlformats.org/officeDocument/2006/math">
                     <m:eqArr>
@@ -3783,8 +4085,8 @@
                   </m:oMath>
                 </a14:m>
                 <a:r>
-                  <a:rPr lang="en-US" sz="2200" dirty="0" smtClean="0"/>
-                  <a:t> - </a:t>
+                  <a:rPr lang="en-US" sz="2200" dirty="0"/>
+                  <a:t> – </a:t>
                 </a:r>
                 <a:r>
                   <a:rPr lang="ru-RU" sz="2200" dirty="0" smtClean="0"/>
@@ -3795,7 +4097,7 @@
             </p:txBody>
           </p:sp>
         </mc:Choice>
-        <mc:Fallback>
+        <mc:Fallback xmlns="">
           <p:sp>
             <p:nvSpPr>
               <p:cNvPr id="11" name="Прямоугольник 10"/>
@@ -3837,8 +4139,8 @@
           </p:sp>
         </mc:Fallback>
       </mc:AlternateContent>
-      <mc:AlternateContent xmlns:mc="http://schemas.openxmlformats.org/markup-compatibility/2006">
-        <mc:Choice xmlns:a14="http://schemas.microsoft.com/office/drawing/2010/main" Requires="a14">
+      <mc:AlternateContent xmlns:mc="http://schemas.openxmlformats.org/markup-compatibility/2006" xmlns:a14="http://schemas.microsoft.com/office/drawing/2010/main">
+        <mc:Choice Requires="a14">
           <p:sp>
             <p:nvSpPr>
               <p:cNvPr id="14" name="Прямоугольник 13"/>
@@ -3863,7 +4165,6 @@
               </a:bodyPr>
               <a:lstStyle/>
               <a:p>
-                <a:pPr/>
                 <a14:m>
                   <m:oMath xmlns:m="http://schemas.openxmlformats.org/officeDocument/2006/math">
                     <m:eqArr>
@@ -4007,8 +4308,8 @@
                   </m:oMath>
                 </a14:m>
                 <a:r>
-                  <a:rPr lang="en-US" sz="2200" dirty="0" smtClean="0"/>
-                  <a:t> -</a:t>
+                  <a:rPr lang="en-US" sz="2200" dirty="0"/>
+                  <a:t> – </a:t>
                 </a:r>
                 <a:r>
                   <a:rPr lang="ru-RU" sz="2200" dirty="0" smtClean="0"/>
@@ -4019,7 +4320,7 @@
             </p:txBody>
           </p:sp>
         </mc:Choice>
-        <mc:Fallback>
+        <mc:Fallback xmlns="">
           <p:sp>
             <p:nvSpPr>
               <p:cNvPr id="14" name="Прямоугольник 13"/>
@@ -4039,12 +4340,176 @@
               <a:blipFill>
                 <a:blip r:embed="rId6"/>
                 <a:stretch>
-                  <a:fillRect l="-1412" t="-3876" r="-217" b="-13953"/>
+                  <a:fillRect l="-1412" t="-3876" r="-2280" b="-13953"/>
                 </a:stretch>
               </a:blipFill>
               <a:ln>
                 <a:noFill/>
               </a:ln>
+            </p:spPr>
+            <p:txBody>
+              <a:bodyPr/>
+              <a:lstStyle/>
+              <a:p>
+                <a:r>
+                  <a:rPr lang="ru-RU">
+                    <a:noFill/>
+                  </a:rPr>
+                  <a:t> </a:t>
+                </a:r>
+              </a:p>
+            </p:txBody>
+          </p:sp>
+        </mc:Fallback>
+      </mc:AlternateContent>
+      <mc:AlternateContent xmlns:mc="http://schemas.openxmlformats.org/markup-compatibility/2006">
+        <mc:Choice xmlns:a14="http://schemas.microsoft.com/office/drawing/2010/main" Requires="a14">
+          <p:sp>
+            <p:nvSpPr>
+              <p:cNvPr id="12" name="Прямоугольник 11"/>
+              <p:cNvSpPr/>
+              <p:nvPr/>
+            </p:nvSpPr>
+            <p:spPr>
+              <a:xfrm>
+                <a:off x="9165968" y="2071213"/>
+                <a:ext cx="1870723" cy="769441"/>
+              </a:xfrm>
+              <a:prstGeom prst="rect">
+                <a:avLst/>
+              </a:prstGeom>
+              <a:ln/>
+            </p:spPr>
+            <p:style>
+              <a:lnRef idx="2">
+                <a:schemeClr val="accent5"/>
+              </a:lnRef>
+              <a:fillRef idx="1">
+                <a:schemeClr val="lt1"/>
+              </a:fillRef>
+              <a:effectRef idx="0">
+                <a:schemeClr val="accent5"/>
+              </a:effectRef>
+              <a:fontRef idx="minor">
+                <a:schemeClr val="dk1"/>
+              </a:fontRef>
+            </p:style>
+            <p:txBody>
+              <a:bodyPr wrap="square">
+                <a:spAutoFit/>
+              </a:bodyPr>
+              <a:lstStyle/>
+              <a:p>
+                <a:pPr>
+                  <a:lnSpc>
+                    <a:spcPct val="50000"/>
+                  </a:lnSpc>
+                </a:pPr>
+                <a:endParaRPr lang="en-US" sz="2200" i="1" dirty="0" smtClean="0">
+                  <a:solidFill>
+                    <a:schemeClr val="tx1"/>
+                  </a:solidFill>
+                  <a:latin typeface="Cambria Math" panose="02040503050406030204" pitchFamily="18" charset="0"/>
+                </a:endParaRPr>
+              </a:p>
+              <a:p>
+                <a14:m>
+                  <m:oMathPara xmlns:m="http://schemas.openxmlformats.org/officeDocument/2006/math">
+                    <m:oMathParaPr>
+                      <m:jc m:val="centerGroup"/>
+                    </m:oMathParaPr>
+                    <m:oMath xmlns:m="http://schemas.openxmlformats.org/officeDocument/2006/math">
+                      <m:eqArr>
+                        <m:eqArrPr>
+                          <m:ctrlPr>
+                            <a:rPr lang="ru-RU" sz="2200" i="1" smtClean="0">
+                              <a:solidFill>
+                                <a:schemeClr val="tx1"/>
+                              </a:solidFill>
+                              <a:latin typeface="Cambria Math" panose="02040503050406030204" pitchFamily="18" charset="0"/>
+                            </a:rPr>
+                          </m:ctrlPr>
+                        </m:eqArrPr>
+                        <m:e>
+                          <m:r>
+                            <a:rPr lang="ru-RU" sz="2200">
+                              <a:solidFill>
+                                <a:schemeClr val="tx1"/>
+                              </a:solidFill>
+                              <a:latin typeface="Cambria Math" panose="02040503050406030204" pitchFamily="18" charset="0"/>
+                            </a:rPr>
+                            <m:t>&amp;</m:t>
+                          </m:r>
+                          <m:r>
+                            <a:rPr lang="en-US" sz="2200" b="0" i="1" smtClean="0">
+                              <a:solidFill>
+                                <a:schemeClr val="tx1"/>
+                              </a:solidFill>
+                              <a:latin typeface="Cambria Math" panose="02040503050406030204" pitchFamily="18" charset="0"/>
+                            </a:rPr>
+                            <m:t>𝑎</m:t>
+                          </m:r>
+                          <m:r>
+                            <a:rPr lang="en-US" sz="2200" b="0" i="1" smtClean="0">
+                              <a:solidFill>
+                                <a:schemeClr val="tx1"/>
+                              </a:solidFill>
+                              <a:latin typeface="Cambria Math" panose="02040503050406030204" pitchFamily="18" charset="0"/>
+                            </a:rPr>
+                            <m:t>≪</m:t>
+                          </m:r>
+                          <m:r>
+                            <a:rPr lang="en-US" sz="2200" b="0" i="1" smtClean="0">
+                              <a:solidFill>
+                                <a:schemeClr val="tx1"/>
+                              </a:solidFill>
+                              <a:latin typeface="Cambria Math" panose="02040503050406030204" pitchFamily="18" charset="0"/>
+                              <a:ea typeface="Cambria Math" panose="02040503050406030204" pitchFamily="18" charset="0"/>
+                            </a:rPr>
+                            <m:t>𝜆</m:t>
+                          </m:r>
+                        </m:e>
+                      </m:eqArr>
+                    </m:oMath>
+                  </m:oMathPara>
+                </a14:m>
+                <a:endParaRPr lang="en-US" sz="2200" dirty="0" smtClean="0"/>
+              </a:p>
+              <a:p>
+                <a:pPr>
+                  <a:lnSpc>
+                    <a:spcPct val="50000"/>
+                  </a:lnSpc>
+                </a:pPr>
+                <a:endParaRPr lang="ru-RU" sz="2200" dirty="0"/>
+              </a:p>
+            </p:txBody>
+          </p:sp>
+        </mc:Choice>
+        <mc:Fallback>
+          <p:sp>
+            <p:nvSpPr>
+              <p:cNvPr id="12" name="Прямоугольник 11"/>
+              <p:cNvSpPr>
+                <a:spLocks noRot="1" noChangeAspect="1" noMove="1" noResize="1" noEditPoints="1" noAdjustHandles="1" noChangeArrowheads="1" noChangeShapeType="1" noTextEdit="1"/>
+              </p:cNvSpPr>
+              <p:nvPr/>
+            </p:nvSpPr>
+            <p:spPr>
+              <a:xfrm>
+                <a:off x="9165968" y="2071213"/>
+                <a:ext cx="1870723" cy="769441"/>
+              </a:xfrm>
+              <a:prstGeom prst="rect">
+                <a:avLst/>
+              </a:prstGeom>
+              <a:blipFill>
+                <a:blip r:embed="rId7"/>
+                <a:stretch>
+                  <a:fillRect/>
+                </a:stretch>
+              </a:blipFill>
+              <a:ln/>
             </p:spPr>
             <p:txBody>
               <a:bodyPr/>
@@ -4098,8 +4563,1659 @@
           <a:chExt cx="0" cy="0"/>
         </a:xfrm>
       </p:grpSpPr>
+      <p:sp>
+        <p:nvSpPr>
+          <p:cNvPr id="4" name="Номер слайда 3"/>
+          <p:cNvSpPr>
+            <a:spLocks noGrp="1"/>
+          </p:cNvSpPr>
+          <p:nvPr>
+            <p:ph type="sldNum" sz="quarter" idx="12"/>
+          </p:nvPr>
+        </p:nvSpPr>
+        <p:spPr/>
+        <p:txBody>
+          <a:bodyPr/>
+          <a:lstStyle/>
+          <a:p>
+            <a:fld id="{EAC0DF89-5B13-44F7-A1DF-4EC2E0A738B9}" type="slidenum">
+              <a:rPr lang="ru-RU" smtClean="0"/>
+              <a:t>3</a:t>
+            </a:fld>
+            <a:endParaRPr lang="ru-RU"/>
+          </a:p>
+        </p:txBody>
+      </p:sp>
+      <p:sp>
+        <p:nvSpPr>
+          <p:cNvPr id="5" name="TextBox 4"/>
+          <p:cNvSpPr txBox="1"/>
+          <p:nvPr/>
+        </p:nvSpPr>
+        <p:spPr>
+          <a:xfrm>
+            <a:off x="0" y="3729"/>
+            <a:ext cx="12192000" cy="523220"/>
+          </a:xfrm>
+          <a:prstGeom prst="rect">
+            <a:avLst/>
+          </a:prstGeom>
+          <a:solidFill>
+            <a:schemeClr val="accent4">
+              <a:alpha val="50000"/>
+            </a:schemeClr>
+          </a:solidFill>
+          <a:ln>
+            <a:noFill/>
+          </a:ln>
+        </p:spPr>
+        <p:style>
+          <a:lnRef idx="0">
+            <a:scrgbClr r="0" g="0" b="0"/>
+          </a:lnRef>
+          <a:fillRef idx="0">
+            <a:scrgbClr r="0" g="0" b="0"/>
+          </a:fillRef>
+          <a:effectRef idx="0">
+            <a:scrgbClr r="0" g="0" b="0"/>
+          </a:effectRef>
+          <a:fontRef idx="minor">
+            <a:schemeClr val="lt1"/>
+          </a:fontRef>
+        </p:style>
+        <p:txBody>
+          <a:bodyPr wrap="square" rtlCol="0">
+            <a:spAutoFit/>
+          </a:bodyPr>
+          <a:lstStyle/>
+          <a:p>
+            <a:pPr algn="ctr"/>
+            <a:r>
+              <a:rPr lang="ru-RU" sz="2800" dirty="0" smtClean="0">
+                <a:solidFill>
+                  <a:schemeClr val="tx1"/>
+                </a:solidFill>
+                <a:cs typeface="Arial" panose="020B0604020202020204" pitchFamily="34" charset="0"/>
+              </a:rPr>
+              <a:t>Основные величины</a:t>
+            </a:r>
+            <a:endParaRPr lang="ru-RU" sz="2800" dirty="0">
+              <a:solidFill>
+                <a:schemeClr val="tx1"/>
+              </a:solidFill>
+              <a:cs typeface="Arial" panose="020B0604020202020204" pitchFamily="34" charset="0"/>
+            </a:endParaRPr>
+          </a:p>
+        </p:txBody>
+      </p:sp>
       <mc:AlternateContent xmlns:mc="http://schemas.openxmlformats.org/markup-compatibility/2006">
         <mc:Choice xmlns:a14="http://schemas.microsoft.com/office/drawing/2010/main" Requires="a14">
+          <p:sp>
+            <p:nvSpPr>
+              <p:cNvPr id="6" name="Прямоугольник 5"/>
+              <p:cNvSpPr/>
+              <p:nvPr/>
+            </p:nvSpPr>
+            <p:spPr>
+              <a:xfrm>
+                <a:off x="344464" y="2753803"/>
+                <a:ext cx="6678636" cy="430887"/>
+              </a:xfrm>
+              <a:prstGeom prst="rect">
+                <a:avLst/>
+              </a:prstGeom>
+            </p:spPr>
+            <p:txBody>
+              <a:bodyPr wrap="square">
+                <a:spAutoFit/>
+              </a:bodyPr>
+              <a:lstStyle/>
+              <a:p>
+                <a14:m>
+                  <m:oMath xmlns:m="http://schemas.openxmlformats.org/officeDocument/2006/math">
+                    <m:r>
+                      <m:rPr>
+                        <m:sty m:val="p"/>
+                      </m:rPr>
+                      <a:rPr lang="ru-RU" sz="2200" i="0" smtClean="0">
+                        <a:latin typeface="Cambria Math" panose="02040503050406030204" pitchFamily="18" charset="0"/>
+                      </a:rPr>
+                      <m:t>Φ</m:t>
+                    </m:r>
+                    <m:d>
+                      <m:dPr>
+                        <m:ctrlPr>
+                          <a:rPr lang="ru-RU" sz="2200" i="1">
+                            <a:latin typeface="Cambria Math" panose="02040503050406030204" pitchFamily="18" charset="0"/>
+                          </a:rPr>
+                        </m:ctrlPr>
+                      </m:dPr>
+                      <m:e>
+                        <m:r>
+                          <a:rPr lang="ru-RU" sz="2200" i="1">
+                            <a:latin typeface="Cambria Math" panose="02040503050406030204" pitchFamily="18" charset="0"/>
+                          </a:rPr>
+                          <m:t>𝑡</m:t>
+                        </m:r>
+                        <m:r>
+                          <a:rPr lang="ru-RU" sz="2200" i="0">
+                            <a:latin typeface="Cambria Math" panose="02040503050406030204" pitchFamily="18" charset="0"/>
+                          </a:rPr>
+                          <m:t>,</m:t>
+                        </m:r>
+                        <m:r>
+                          <a:rPr lang="ru-RU" sz="2200" i="1">
+                            <a:latin typeface="Cambria Math" panose="02040503050406030204" pitchFamily="18" charset="0"/>
+                          </a:rPr>
+                          <m:t>𝑟</m:t>
+                        </m:r>
+                        <m:r>
+                          <a:rPr lang="ru-RU" sz="2200" i="0">
+                            <a:latin typeface="Cambria Math" panose="02040503050406030204" pitchFamily="18" charset="0"/>
+                          </a:rPr>
+                          <m:t>,</m:t>
+                        </m:r>
+                        <m:r>
+                          <a:rPr lang="ru-RU" sz="2200" i="1">
+                            <a:latin typeface="Cambria Math" panose="02040503050406030204" pitchFamily="18" charset="0"/>
+                          </a:rPr>
+                          <m:t>𝜃</m:t>
+                        </m:r>
+                        <m:r>
+                          <a:rPr lang="ru-RU" sz="2200" i="0">
+                            <a:latin typeface="Cambria Math" panose="02040503050406030204" pitchFamily="18" charset="0"/>
+                          </a:rPr>
+                          <m:t>,</m:t>
+                        </m:r>
+                        <m:r>
+                          <a:rPr lang="ru-RU" sz="2200" i="1">
+                            <a:latin typeface="Cambria Math" panose="02040503050406030204" pitchFamily="18" charset="0"/>
+                          </a:rPr>
+                          <m:t>𝑥</m:t>
+                        </m:r>
+                      </m:e>
+                    </m:d>
+                  </m:oMath>
+                </a14:m>
+                <a:r>
+                  <a:rPr lang="en-US" sz="2200" dirty="0" smtClean="0"/>
+                  <a:t> </a:t>
+                </a:r>
+                <a:r>
+                  <a:rPr lang="en-US" sz="2200" dirty="0"/>
+                  <a:t>–</a:t>
+                </a:r>
+                <a:r>
+                  <a:rPr lang="en-US" sz="2200" dirty="0" smtClean="0"/>
+                  <a:t> </a:t>
+                </a:r>
+                <a:r>
+                  <a:rPr lang="ru-RU" sz="2200" dirty="0" smtClean="0"/>
+                  <a:t>гидродинамический потенциал</a:t>
+                </a:r>
+                <a:endParaRPr lang="ru-RU" sz="2200" dirty="0"/>
+              </a:p>
+            </p:txBody>
+          </p:sp>
+        </mc:Choice>
+        <mc:Fallback>
+          <p:sp>
+            <p:nvSpPr>
+              <p:cNvPr id="6" name="Прямоугольник 5"/>
+              <p:cNvSpPr>
+                <a:spLocks noRot="1" noChangeAspect="1" noMove="1" noResize="1" noEditPoints="1" noAdjustHandles="1" noChangeArrowheads="1" noChangeShapeType="1" noTextEdit="1"/>
+              </p:cNvSpPr>
+              <p:nvPr/>
+            </p:nvSpPr>
+            <p:spPr>
+              <a:xfrm>
+                <a:off x="344464" y="2753803"/>
+                <a:ext cx="6678636" cy="430887"/>
+              </a:xfrm>
+              <a:prstGeom prst="rect">
+                <a:avLst/>
+              </a:prstGeom>
+              <a:blipFill>
+                <a:blip r:embed="rId2"/>
+                <a:stretch>
+                  <a:fillRect l="-91" t="-10000" b="-28571"/>
+                </a:stretch>
+              </a:blipFill>
+            </p:spPr>
+            <p:txBody>
+              <a:bodyPr/>
+              <a:lstStyle/>
+              <a:p>
+                <a:r>
+                  <a:rPr lang="ru-RU">
+                    <a:noFill/>
+                  </a:rPr>
+                  <a:t> </a:t>
+                </a:r>
+              </a:p>
+            </p:txBody>
+          </p:sp>
+        </mc:Fallback>
+      </mc:AlternateContent>
+      <mc:AlternateContent xmlns:mc="http://schemas.openxmlformats.org/markup-compatibility/2006">
+        <mc:Choice xmlns:a14="http://schemas.microsoft.com/office/drawing/2010/main" Requires="a14">
+          <p:sp>
+            <p:nvSpPr>
+              <p:cNvPr id="7" name="Прямоугольник 6"/>
+              <p:cNvSpPr/>
+              <p:nvPr/>
+            </p:nvSpPr>
+            <p:spPr>
+              <a:xfrm>
+                <a:off x="7753907" y="2566685"/>
+                <a:ext cx="3701490" cy="797975"/>
+              </a:xfrm>
+              <a:prstGeom prst="rect">
+                <a:avLst/>
+              </a:prstGeom>
+            </p:spPr>
+            <p:style>
+              <a:lnRef idx="2">
+                <a:schemeClr val="accent5"/>
+              </a:lnRef>
+              <a:fillRef idx="1">
+                <a:schemeClr val="lt1"/>
+              </a:fillRef>
+              <a:effectRef idx="0">
+                <a:schemeClr val="accent5"/>
+              </a:effectRef>
+              <a:fontRef idx="minor">
+                <a:schemeClr val="dk1"/>
+              </a:fontRef>
+            </p:style>
+            <p:txBody>
+              <a:bodyPr wrap="square">
+                <a:spAutoFit/>
+              </a:bodyPr>
+              <a:lstStyle/>
+              <a:p>
+                <a:pPr>
+                  <a:lnSpc>
+                    <a:spcPct val="50000"/>
+                  </a:lnSpc>
+                </a:pPr>
+                <a:endParaRPr lang="en-US" sz="2200" dirty="0" smtClean="0">
+                  <a:latin typeface="Cambria Math" panose="02040503050406030204" pitchFamily="18" charset="0"/>
+                </a:endParaRPr>
+              </a:p>
+              <a:p>
+                <a:pPr/>
+                <a14:m>
+                  <m:oMathPara xmlns:m="http://schemas.openxmlformats.org/officeDocument/2006/math">
+                    <m:oMathParaPr>
+                      <m:jc m:val="centerGroup"/>
+                    </m:oMathParaPr>
+                    <m:oMath xmlns:m="http://schemas.openxmlformats.org/officeDocument/2006/math">
+                      <m:eqArr>
+                        <m:eqArrPr>
+                          <m:ctrlPr>
+                            <a:rPr lang="ru-RU" sz="2200" i="1" smtClean="0">
+                              <a:latin typeface="Cambria Math" panose="02040503050406030204" pitchFamily="18" charset="0"/>
+                            </a:rPr>
+                          </m:ctrlPr>
+                        </m:eqArrPr>
+                        <m:e>
+                          <m:r>
+                            <a:rPr lang="ru-RU" sz="2200">
+                              <a:latin typeface="Cambria Math" panose="02040503050406030204" pitchFamily="18" charset="0"/>
+                            </a:rPr>
+                            <m:t>&amp;</m:t>
+                          </m:r>
+                          <m:acc>
+                            <m:accPr>
+                              <m:chr m:val="⃗"/>
+                              <m:ctrlPr>
+                                <a:rPr lang="ru-RU" sz="2200" i="1">
+                                  <a:latin typeface="Cambria Math" panose="02040503050406030204" pitchFamily="18" charset="0"/>
+                                </a:rPr>
+                              </m:ctrlPr>
+                            </m:accPr>
+                            <m:e>
+                              <m:r>
+                                <a:rPr lang="ru-RU" sz="2200" i="1">
+                                  <a:latin typeface="Cambria Math" panose="02040503050406030204" pitchFamily="18" charset="0"/>
+                                </a:rPr>
+                                <m:t>𝑈</m:t>
+                              </m:r>
+                            </m:e>
+                          </m:acc>
+                          <m:r>
+                            <a:rPr lang="ru-RU" sz="2200" i="0">
+                              <a:latin typeface="Cambria Math" panose="02040503050406030204" pitchFamily="18" charset="0"/>
+                            </a:rPr>
+                            <m:t>=</m:t>
+                          </m:r>
+                          <m:acc>
+                            <m:accPr>
+                              <m:chr m:val="⃗"/>
+                              <m:ctrlPr>
+                                <a:rPr lang="ru-RU" sz="2200" i="1">
+                                  <a:latin typeface="Cambria Math" panose="02040503050406030204" pitchFamily="18" charset="0"/>
+                                </a:rPr>
+                              </m:ctrlPr>
+                            </m:accPr>
+                            <m:e>
+                              <m:r>
+                                <a:rPr lang="ru-RU" sz="2200" i="0">
+                                  <a:latin typeface="Cambria Math" panose="02040503050406030204" pitchFamily="18" charset="0"/>
+                                </a:rPr>
+                                <m:t>𝛻</m:t>
+                              </m:r>
+                            </m:e>
+                          </m:acc>
+                          <m:r>
+                            <m:rPr>
+                              <m:sty m:val="p"/>
+                            </m:rPr>
+                            <a:rPr lang="ru-RU" sz="2200" i="0">
+                              <a:latin typeface="Cambria Math" panose="02040503050406030204" pitchFamily="18" charset="0"/>
+                            </a:rPr>
+                            <m:t>Φ</m:t>
+                          </m:r>
+                          <m:d>
+                            <m:dPr>
+                              <m:ctrlPr>
+                                <a:rPr lang="ru-RU" sz="2200" i="1">
+                                  <a:latin typeface="Cambria Math" panose="02040503050406030204" pitchFamily="18" charset="0"/>
+                                </a:rPr>
+                              </m:ctrlPr>
+                            </m:dPr>
+                            <m:e>
+                              <m:r>
+                                <a:rPr lang="ru-RU" sz="2200" i="1">
+                                  <a:latin typeface="Cambria Math" panose="02040503050406030204" pitchFamily="18" charset="0"/>
+                                </a:rPr>
+                                <m:t>𝑡</m:t>
+                              </m:r>
+                              <m:r>
+                                <a:rPr lang="ru-RU" sz="2200" i="0">
+                                  <a:latin typeface="Cambria Math" panose="02040503050406030204" pitchFamily="18" charset="0"/>
+                                </a:rPr>
+                                <m:t>,</m:t>
+                              </m:r>
+                              <m:r>
+                                <a:rPr lang="ru-RU" sz="2200" i="1">
+                                  <a:latin typeface="Cambria Math" panose="02040503050406030204" pitchFamily="18" charset="0"/>
+                                </a:rPr>
+                                <m:t>𝑟</m:t>
+                              </m:r>
+                              <m:r>
+                                <a:rPr lang="ru-RU" sz="2200" i="0">
+                                  <a:latin typeface="Cambria Math" panose="02040503050406030204" pitchFamily="18" charset="0"/>
+                                </a:rPr>
+                                <m:t>,</m:t>
+                              </m:r>
+                              <m:r>
+                                <a:rPr lang="ru-RU" sz="2200" i="1">
+                                  <a:latin typeface="Cambria Math" panose="02040503050406030204" pitchFamily="18" charset="0"/>
+                                </a:rPr>
+                                <m:t>𝜃</m:t>
+                              </m:r>
+                              <m:r>
+                                <a:rPr lang="ru-RU" sz="2200" i="0">
+                                  <a:latin typeface="Cambria Math" panose="02040503050406030204" pitchFamily="18" charset="0"/>
+                                </a:rPr>
+                                <m:t>,</m:t>
+                              </m:r>
+                              <m:r>
+                                <a:rPr lang="ru-RU" sz="2200" i="1">
+                                  <a:latin typeface="Cambria Math" panose="02040503050406030204" pitchFamily="18" charset="0"/>
+                                </a:rPr>
+                                <m:t>𝑥</m:t>
+                              </m:r>
+                            </m:e>
+                          </m:d>
+                        </m:e>
+                      </m:eqArr>
+                    </m:oMath>
+                  </m:oMathPara>
+                </a14:m>
+                <a:endParaRPr lang="en-US" sz="2200" dirty="0" smtClean="0"/>
+              </a:p>
+              <a:p>
+                <a:pPr>
+                  <a:lnSpc>
+                    <a:spcPct val="50000"/>
+                  </a:lnSpc>
+                </a:pPr>
+                <a:endParaRPr lang="ru-RU" sz="2200" dirty="0"/>
+              </a:p>
+            </p:txBody>
+          </p:sp>
+        </mc:Choice>
+        <mc:Fallback>
+          <p:sp>
+            <p:nvSpPr>
+              <p:cNvPr id="7" name="Прямоугольник 6"/>
+              <p:cNvSpPr>
+                <a:spLocks noRot="1" noChangeAspect="1" noMove="1" noResize="1" noEditPoints="1" noAdjustHandles="1" noChangeArrowheads="1" noChangeShapeType="1" noTextEdit="1"/>
+              </p:cNvSpPr>
+              <p:nvPr/>
+            </p:nvSpPr>
+            <p:spPr>
+              <a:xfrm>
+                <a:off x="7753907" y="2566685"/>
+                <a:ext cx="3701490" cy="797975"/>
+              </a:xfrm>
+              <a:prstGeom prst="rect">
+                <a:avLst/>
+              </a:prstGeom>
+              <a:blipFill>
+                <a:blip r:embed="rId3"/>
+                <a:stretch>
+                  <a:fillRect/>
+                </a:stretch>
+              </a:blipFill>
+            </p:spPr>
+            <p:txBody>
+              <a:bodyPr/>
+              <a:lstStyle/>
+              <a:p>
+                <a:r>
+                  <a:rPr lang="ru-RU">
+                    <a:noFill/>
+                  </a:rPr>
+                  <a:t> </a:t>
+                </a:r>
+              </a:p>
+            </p:txBody>
+          </p:sp>
+        </mc:Fallback>
+      </mc:AlternateContent>
+      <mc:AlternateContent xmlns:mc="http://schemas.openxmlformats.org/markup-compatibility/2006">
+        <mc:Choice xmlns:a14="http://schemas.microsoft.com/office/drawing/2010/main" Requires="a14">
+          <p:sp>
+            <p:nvSpPr>
+              <p:cNvPr id="8" name="Прямоугольник 7"/>
+              <p:cNvSpPr/>
+              <p:nvPr/>
+            </p:nvSpPr>
+            <p:spPr>
+              <a:xfrm>
+                <a:off x="344464" y="1165681"/>
+                <a:ext cx="6678634" cy="1107996"/>
+              </a:xfrm>
+              <a:prstGeom prst="rect">
+                <a:avLst/>
+              </a:prstGeom>
+            </p:spPr>
+            <p:txBody>
+              <a:bodyPr wrap="square">
+                <a:spAutoFit/>
+              </a:bodyPr>
+              <a:lstStyle/>
+              <a:p>
+                <a14:m>
+                  <m:oMath xmlns:m="http://schemas.openxmlformats.org/officeDocument/2006/math">
+                    <m:r>
+                      <a:rPr lang="ru-RU" sz="2200" i="1">
+                        <a:latin typeface="Cambria Math" panose="02040503050406030204" pitchFamily="18" charset="0"/>
+                      </a:rPr>
+                      <m:t>𝜉</m:t>
+                    </m:r>
+                    <m:d>
+                      <m:dPr>
+                        <m:ctrlPr>
+                          <a:rPr lang="ru-RU" sz="2200" i="1">
+                            <a:latin typeface="Cambria Math" panose="02040503050406030204" pitchFamily="18" charset="0"/>
+                          </a:rPr>
+                        </m:ctrlPr>
+                      </m:dPr>
+                      <m:e>
+                        <m:r>
+                          <a:rPr lang="ru-RU" sz="2200" i="1">
+                            <a:latin typeface="Cambria Math" panose="02040503050406030204" pitchFamily="18" charset="0"/>
+                          </a:rPr>
+                          <m:t>𝑡</m:t>
+                        </m:r>
+                        <m:r>
+                          <a:rPr lang="ru-RU" sz="2200" i="0">
+                            <a:latin typeface="Cambria Math" panose="02040503050406030204" pitchFamily="18" charset="0"/>
+                          </a:rPr>
+                          <m:t>,</m:t>
+                        </m:r>
+                        <m:r>
+                          <a:rPr lang="ru-RU" sz="2200" i="1">
+                            <a:latin typeface="Cambria Math" panose="02040503050406030204" pitchFamily="18" charset="0"/>
+                          </a:rPr>
+                          <m:t>𝜃</m:t>
+                        </m:r>
+                        <m:r>
+                          <a:rPr lang="ru-RU" sz="2200" i="0">
+                            <a:latin typeface="Cambria Math" panose="02040503050406030204" pitchFamily="18" charset="0"/>
+                          </a:rPr>
+                          <m:t>,</m:t>
+                        </m:r>
+                        <m:r>
+                          <a:rPr lang="ru-RU" sz="2200" i="1">
+                            <a:latin typeface="Cambria Math" panose="02040503050406030204" pitchFamily="18" charset="0"/>
+                          </a:rPr>
+                          <m:t>𝑥</m:t>
+                        </m:r>
+                      </m:e>
+                    </m:d>
+                  </m:oMath>
+                </a14:m>
+                <a:r>
+                  <a:rPr lang="ru-RU" sz="2200" dirty="0" smtClean="0"/>
+                  <a:t> </a:t>
+                </a:r>
+                <a:r>
+                  <a:rPr lang="en-US" sz="2200" dirty="0"/>
+                  <a:t>–</a:t>
+                </a:r>
+                <a:r>
+                  <a:rPr lang="ru-RU" sz="2200" dirty="0" smtClean="0"/>
+                  <a:t> </a:t>
+                </a:r>
+                <a:r>
+                  <a:rPr lang="ru-RU" sz="2200" dirty="0"/>
+                  <a:t>отклонение частиц жидкости </a:t>
+                </a:r>
+                <a:r>
+                  <a:rPr lang="ru-RU" sz="2200" dirty="0" smtClean="0"/>
+                  <a:t>от </a:t>
+                </a:r>
+                <a:r>
+                  <a:rPr lang="ru-RU" sz="2200" dirty="0"/>
+                  <a:t>идеальной цилиндрической поверхности </a:t>
+                </a:r>
+                <a:r>
+                  <a:rPr lang="ru-RU" sz="2200" dirty="0" smtClean="0"/>
+                  <a:t>струи в радиальном направлении</a:t>
+                </a:r>
+              </a:p>
+            </p:txBody>
+          </p:sp>
+        </mc:Choice>
+        <mc:Fallback>
+          <p:sp>
+            <p:nvSpPr>
+              <p:cNvPr id="8" name="Прямоугольник 7"/>
+              <p:cNvSpPr>
+                <a:spLocks noRot="1" noChangeAspect="1" noMove="1" noResize="1" noEditPoints="1" noAdjustHandles="1" noChangeArrowheads="1" noChangeShapeType="1" noTextEdit="1"/>
+              </p:cNvSpPr>
+              <p:nvPr/>
+            </p:nvSpPr>
+            <p:spPr>
+              <a:xfrm>
+                <a:off x="344464" y="1165681"/>
+                <a:ext cx="6678634" cy="1107996"/>
+              </a:xfrm>
+              <a:prstGeom prst="rect">
+                <a:avLst/>
+              </a:prstGeom>
+              <a:blipFill>
+                <a:blip r:embed="rId4"/>
+                <a:stretch>
+                  <a:fillRect l="-1187" t="-3846" r="-1370" b="-10440"/>
+                </a:stretch>
+              </a:blipFill>
+            </p:spPr>
+            <p:txBody>
+              <a:bodyPr/>
+              <a:lstStyle/>
+              <a:p>
+                <a:r>
+                  <a:rPr lang="ru-RU">
+                    <a:noFill/>
+                  </a:rPr>
+                  <a:t> </a:t>
+                </a:r>
+              </a:p>
+            </p:txBody>
+          </p:sp>
+        </mc:Fallback>
+      </mc:AlternateContent>
+      <mc:AlternateContent xmlns:mc="http://schemas.openxmlformats.org/markup-compatibility/2006">
+        <mc:Choice xmlns:a14="http://schemas.microsoft.com/office/drawing/2010/main" Requires="a14">
+          <p:sp>
+            <p:nvSpPr>
+              <p:cNvPr id="9" name="Прямоугольник 8"/>
+              <p:cNvSpPr/>
+              <p:nvPr/>
+            </p:nvSpPr>
+            <p:spPr>
+              <a:xfrm>
+                <a:off x="7753907" y="3796242"/>
+                <a:ext cx="3701491" cy="810607"/>
+              </a:xfrm>
+              <a:prstGeom prst="rect">
+                <a:avLst/>
+              </a:prstGeom>
+            </p:spPr>
+            <p:style>
+              <a:lnRef idx="2">
+                <a:schemeClr val="accent5"/>
+              </a:lnRef>
+              <a:fillRef idx="1">
+                <a:schemeClr val="lt1"/>
+              </a:fillRef>
+              <a:effectRef idx="0">
+                <a:schemeClr val="accent5"/>
+              </a:effectRef>
+              <a:fontRef idx="minor">
+                <a:schemeClr val="dk1"/>
+              </a:fontRef>
+            </p:style>
+            <p:txBody>
+              <a:bodyPr wrap="square">
+                <a:spAutoFit/>
+              </a:bodyPr>
+              <a:lstStyle/>
+              <a:p>
+                <a:pPr>
+                  <a:lnSpc>
+                    <a:spcPct val="50000"/>
+                  </a:lnSpc>
+                </a:pPr>
+                <a:endParaRPr lang="en-US" sz="2200" dirty="0" smtClean="0">
+                  <a:latin typeface="Cambria Math" panose="02040503050406030204" pitchFamily="18" charset="0"/>
+                </a:endParaRPr>
+              </a:p>
+              <a:p>
+                <a:pPr/>
+                <a14:m>
+                  <m:oMathPara xmlns:m="http://schemas.openxmlformats.org/officeDocument/2006/math">
+                    <m:oMathParaPr>
+                      <m:jc m:val="centerGroup"/>
+                    </m:oMathParaPr>
+                    <m:oMath xmlns:m="http://schemas.openxmlformats.org/officeDocument/2006/math">
+                      <m:acc>
+                        <m:accPr>
+                          <m:chr m:val="⃗"/>
+                          <m:ctrlPr>
+                            <a:rPr lang="ru-RU" sz="2200" i="1">
+                              <a:latin typeface="Cambria Math" panose="02040503050406030204" pitchFamily="18" charset="0"/>
+                            </a:rPr>
+                          </m:ctrlPr>
+                        </m:accPr>
+                        <m:e>
+                          <m:r>
+                            <a:rPr lang="ru-RU" sz="2200" i="1">
+                              <a:latin typeface="Cambria Math" panose="02040503050406030204" pitchFamily="18" charset="0"/>
+                            </a:rPr>
+                            <m:t>𝐻</m:t>
+                          </m:r>
+                        </m:e>
+                      </m:acc>
+                      <m:r>
+                        <a:rPr lang="ru-RU" sz="2200" i="0">
+                          <a:latin typeface="Cambria Math" panose="02040503050406030204" pitchFamily="18" charset="0"/>
+                        </a:rPr>
+                        <m:t>=−</m:t>
+                      </m:r>
+                      <m:acc>
+                        <m:accPr>
+                          <m:chr m:val="⃗"/>
+                          <m:ctrlPr>
+                            <a:rPr lang="ru-RU" sz="2200" i="1">
+                              <a:latin typeface="Cambria Math" panose="02040503050406030204" pitchFamily="18" charset="0"/>
+                            </a:rPr>
+                          </m:ctrlPr>
+                        </m:accPr>
+                        <m:e>
+                          <m:r>
+                            <a:rPr lang="ru-RU" sz="2200" i="0">
+                              <a:latin typeface="Cambria Math" panose="02040503050406030204" pitchFamily="18" charset="0"/>
+                            </a:rPr>
+                            <m:t>𝛻</m:t>
+                          </m:r>
+                        </m:e>
+                      </m:acc>
+                      <m:r>
+                        <a:rPr lang="ru-RU" sz="2200" i="1">
+                          <a:latin typeface="Cambria Math" panose="02040503050406030204" pitchFamily="18" charset="0"/>
+                        </a:rPr>
+                        <m:t>𝜓</m:t>
+                      </m:r>
+                      <m:d>
+                        <m:dPr>
+                          <m:ctrlPr>
+                            <a:rPr lang="ru-RU" sz="2200" i="1">
+                              <a:latin typeface="Cambria Math" panose="02040503050406030204" pitchFamily="18" charset="0"/>
+                            </a:rPr>
+                          </m:ctrlPr>
+                        </m:dPr>
+                        <m:e>
+                          <m:r>
+                            <a:rPr lang="ru-RU" sz="2200" i="1">
+                              <a:latin typeface="Cambria Math" panose="02040503050406030204" pitchFamily="18" charset="0"/>
+                            </a:rPr>
+                            <m:t>𝑡</m:t>
+                          </m:r>
+                          <m:r>
+                            <a:rPr lang="ru-RU" sz="2200" i="0">
+                              <a:latin typeface="Cambria Math" panose="02040503050406030204" pitchFamily="18" charset="0"/>
+                            </a:rPr>
+                            <m:t>,</m:t>
+                          </m:r>
+                          <m:r>
+                            <a:rPr lang="ru-RU" sz="2200" i="1">
+                              <a:latin typeface="Cambria Math" panose="02040503050406030204" pitchFamily="18" charset="0"/>
+                            </a:rPr>
+                            <m:t>𝑟</m:t>
+                          </m:r>
+                          <m:r>
+                            <a:rPr lang="ru-RU" sz="2200" i="0">
+                              <a:latin typeface="Cambria Math" panose="02040503050406030204" pitchFamily="18" charset="0"/>
+                            </a:rPr>
+                            <m:t>,</m:t>
+                          </m:r>
+                          <m:r>
+                            <a:rPr lang="ru-RU" sz="2200" i="1">
+                              <a:latin typeface="Cambria Math" panose="02040503050406030204" pitchFamily="18" charset="0"/>
+                            </a:rPr>
+                            <m:t>𝜃</m:t>
+                          </m:r>
+                          <m:r>
+                            <a:rPr lang="ru-RU" sz="2200" i="0">
+                              <a:latin typeface="Cambria Math" panose="02040503050406030204" pitchFamily="18" charset="0"/>
+                            </a:rPr>
+                            <m:t>,</m:t>
+                          </m:r>
+                          <m:r>
+                            <a:rPr lang="ru-RU" sz="2200" i="1">
+                              <a:latin typeface="Cambria Math" panose="02040503050406030204" pitchFamily="18" charset="0"/>
+                            </a:rPr>
+                            <m:t>𝑥</m:t>
+                          </m:r>
+                        </m:e>
+                      </m:d>
+                    </m:oMath>
+                  </m:oMathPara>
+                </a14:m>
+                <a:endParaRPr lang="en-US" sz="2200" dirty="0" smtClean="0"/>
+              </a:p>
+              <a:p>
+                <a:pPr>
+                  <a:lnSpc>
+                    <a:spcPct val="50000"/>
+                  </a:lnSpc>
+                </a:pPr>
+                <a:endParaRPr lang="ru-RU" sz="2200" dirty="0"/>
+              </a:p>
+            </p:txBody>
+          </p:sp>
+        </mc:Choice>
+        <mc:Fallback>
+          <p:sp>
+            <p:nvSpPr>
+              <p:cNvPr id="9" name="Прямоугольник 8"/>
+              <p:cNvSpPr>
+                <a:spLocks noRot="1" noChangeAspect="1" noMove="1" noResize="1" noEditPoints="1" noAdjustHandles="1" noChangeArrowheads="1" noChangeShapeType="1" noTextEdit="1"/>
+              </p:cNvSpPr>
+              <p:nvPr/>
+            </p:nvSpPr>
+            <p:spPr>
+              <a:xfrm>
+                <a:off x="7753907" y="3796242"/>
+                <a:ext cx="3701491" cy="810607"/>
+              </a:xfrm>
+              <a:prstGeom prst="rect">
+                <a:avLst/>
+              </a:prstGeom>
+              <a:blipFill>
+                <a:blip r:embed="rId5"/>
+                <a:stretch>
+                  <a:fillRect/>
+                </a:stretch>
+              </a:blipFill>
+            </p:spPr>
+            <p:txBody>
+              <a:bodyPr/>
+              <a:lstStyle/>
+              <a:p>
+                <a:r>
+                  <a:rPr lang="ru-RU">
+                    <a:noFill/>
+                  </a:rPr>
+                  <a:t> </a:t>
+                </a:r>
+              </a:p>
+            </p:txBody>
+          </p:sp>
+        </mc:Fallback>
+      </mc:AlternateContent>
+      <mc:AlternateContent xmlns:mc="http://schemas.openxmlformats.org/markup-compatibility/2006">
+        <mc:Choice xmlns:a14="http://schemas.microsoft.com/office/drawing/2010/main" Requires="a14">
+          <p:sp>
+            <p:nvSpPr>
+              <p:cNvPr id="10" name="Прямоугольник 9"/>
+              <p:cNvSpPr/>
+              <p:nvPr/>
+            </p:nvSpPr>
+            <p:spPr>
+              <a:xfrm>
+                <a:off x="344464" y="3805347"/>
+                <a:ext cx="6678636" cy="792396"/>
+              </a:xfrm>
+              <a:prstGeom prst="rect">
+                <a:avLst/>
+              </a:prstGeom>
+            </p:spPr>
+            <p:txBody>
+              <a:bodyPr wrap="square">
+                <a:spAutoFit/>
+              </a:bodyPr>
+              <a:lstStyle/>
+              <a:p>
+                <a14:m>
+                  <m:oMath xmlns:m="http://schemas.openxmlformats.org/officeDocument/2006/math">
+                    <m:sSup>
+                      <m:sSupPr>
+                        <m:ctrlPr>
+                          <a:rPr lang="en-US" sz="2200" b="0" i="1" smtClean="0">
+                            <a:latin typeface="Cambria Math" panose="02040503050406030204" pitchFamily="18" charset="0"/>
+                          </a:rPr>
+                        </m:ctrlPr>
+                      </m:sSupPr>
+                      <m:e>
+                        <m:r>
+                          <a:rPr lang="ru-RU" sz="2200" i="1" smtClean="0">
+                            <a:latin typeface="Cambria Math" panose="02040503050406030204" pitchFamily="18" charset="0"/>
+                          </a:rPr>
+                          <m:t>𝜓</m:t>
+                        </m:r>
+                      </m:e>
+                      <m:sup>
+                        <m:d>
+                          <m:dPr>
+                            <m:ctrlPr>
+                              <a:rPr lang="en-US" sz="2200" b="0" i="1" smtClean="0">
+                                <a:latin typeface="Cambria Math" panose="02040503050406030204" pitchFamily="18" charset="0"/>
+                              </a:rPr>
+                            </m:ctrlPr>
+                          </m:dPr>
+                          <m:e>
+                            <m:r>
+                              <a:rPr lang="en-US" sz="2200" b="0" i="1" smtClean="0">
+                                <a:latin typeface="Cambria Math" panose="02040503050406030204" pitchFamily="18" charset="0"/>
+                              </a:rPr>
+                              <m:t>1</m:t>
+                            </m:r>
+                          </m:e>
+                        </m:d>
+                      </m:sup>
+                    </m:sSup>
+                    <m:d>
+                      <m:dPr>
+                        <m:ctrlPr>
+                          <a:rPr lang="ru-RU" sz="2200" i="1">
+                            <a:latin typeface="Cambria Math" panose="02040503050406030204" pitchFamily="18" charset="0"/>
+                          </a:rPr>
+                        </m:ctrlPr>
+                      </m:dPr>
+                      <m:e>
+                        <m:r>
+                          <a:rPr lang="ru-RU" sz="2200" i="1">
+                            <a:latin typeface="Cambria Math" panose="02040503050406030204" pitchFamily="18" charset="0"/>
+                          </a:rPr>
+                          <m:t>𝑡</m:t>
+                        </m:r>
+                        <m:r>
+                          <a:rPr lang="ru-RU" sz="2200" i="0">
+                            <a:latin typeface="Cambria Math" panose="02040503050406030204" pitchFamily="18" charset="0"/>
+                          </a:rPr>
+                          <m:t>,</m:t>
+                        </m:r>
+                        <m:r>
+                          <a:rPr lang="ru-RU" sz="2200" i="1">
+                            <a:latin typeface="Cambria Math" panose="02040503050406030204" pitchFamily="18" charset="0"/>
+                          </a:rPr>
+                          <m:t>𝑟</m:t>
+                        </m:r>
+                        <m:r>
+                          <a:rPr lang="ru-RU" sz="2200" i="0">
+                            <a:latin typeface="Cambria Math" panose="02040503050406030204" pitchFamily="18" charset="0"/>
+                          </a:rPr>
+                          <m:t>,</m:t>
+                        </m:r>
+                        <m:r>
+                          <a:rPr lang="ru-RU" sz="2200" i="1">
+                            <a:latin typeface="Cambria Math" panose="02040503050406030204" pitchFamily="18" charset="0"/>
+                          </a:rPr>
+                          <m:t>𝜃</m:t>
+                        </m:r>
+                        <m:r>
+                          <a:rPr lang="ru-RU" sz="2200" i="0">
+                            <a:latin typeface="Cambria Math" panose="02040503050406030204" pitchFamily="18" charset="0"/>
+                          </a:rPr>
+                          <m:t>,</m:t>
+                        </m:r>
+                        <m:r>
+                          <a:rPr lang="ru-RU" sz="2200" i="1">
+                            <a:latin typeface="Cambria Math" panose="02040503050406030204" pitchFamily="18" charset="0"/>
+                          </a:rPr>
+                          <m:t>𝑥</m:t>
+                        </m:r>
+                      </m:e>
+                    </m:d>
+                  </m:oMath>
+                </a14:m>
+                <a:r>
+                  <a:rPr lang="en-US" sz="2200" dirty="0" smtClean="0"/>
+                  <a:t> – </a:t>
+                </a:r>
+                <a:r>
+                  <a:rPr lang="ru-RU" sz="2200" dirty="0" smtClean="0"/>
+                  <a:t>потенциал магнитного поля в магнитной жидкости</a:t>
+                </a:r>
+                <a:endParaRPr lang="ru-RU" sz="2200" dirty="0"/>
+              </a:p>
+            </p:txBody>
+          </p:sp>
+        </mc:Choice>
+        <mc:Fallback>
+          <p:sp>
+            <p:nvSpPr>
+              <p:cNvPr id="10" name="Прямоугольник 9"/>
+              <p:cNvSpPr>
+                <a:spLocks noRot="1" noChangeAspect="1" noMove="1" noResize="1" noEditPoints="1" noAdjustHandles="1" noChangeArrowheads="1" noChangeShapeType="1" noTextEdit="1"/>
+              </p:cNvSpPr>
+              <p:nvPr/>
+            </p:nvSpPr>
+            <p:spPr>
+              <a:xfrm>
+                <a:off x="344464" y="3805347"/>
+                <a:ext cx="6678636" cy="792396"/>
+              </a:xfrm>
+              <a:prstGeom prst="rect">
+                <a:avLst/>
+              </a:prstGeom>
+              <a:blipFill>
+                <a:blip r:embed="rId6"/>
+                <a:stretch>
+                  <a:fillRect l="-1187" t="-2308" b="-15385"/>
+                </a:stretch>
+              </a:blipFill>
+            </p:spPr>
+            <p:txBody>
+              <a:bodyPr/>
+              <a:lstStyle/>
+              <a:p>
+                <a:r>
+                  <a:rPr lang="ru-RU">
+                    <a:noFill/>
+                  </a:rPr>
+                  <a:t> </a:t>
+                </a:r>
+              </a:p>
+            </p:txBody>
+          </p:sp>
+        </mc:Fallback>
+      </mc:AlternateContent>
+      <mc:AlternateContent xmlns:mc="http://schemas.openxmlformats.org/markup-compatibility/2006">
+        <mc:Choice xmlns:a14="http://schemas.microsoft.com/office/drawing/2010/main" Requires="a14">
+          <p:sp>
+            <p:nvSpPr>
+              <p:cNvPr id="11" name="Прямоугольник 10"/>
+              <p:cNvSpPr/>
+              <p:nvPr/>
+            </p:nvSpPr>
+            <p:spPr>
+              <a:xfrm>
+                <a:off x="344464" y="5026953"/>
+                <a:ext cx="6780237" cy="792396"/>
+              </a:xfrm>
+              <a:prstGeom prst="rect">
+                <a:avLst/>
+              </a:prstGeom>
+            </p:spPr>
+            <p:txBody>
+              <a:bodyPr wrap="square">
+                <a:spAutoFit/>
+              </a:bodyPr>
+              <a:lstStyle/>
+              <a:p>
+                <a14:m>
+                  <m:oMath xmlns:m="http://schemas.openxmlformats.org/officeDocument/2006/math">
+                    <m:sSup>
+                      <m:sSupPr>
+                        <m:ctrlPr>
+                          <a:rPr lang="en-US" sz="2200" b="0" i="1" smtClean="0">
+                            <a:latin typeface="Cambria Math" panose="02040503050406030204" pitchFamily="18" charset="0"/>
+                          </a:rPr>
+                        </m:ctrlPr>
+                      </m:sSupPr>
+                      <m:e>
+                        <m:r>
+                          <a:rPr lang="ru-RU" sz="2200" i="1" smtClean="0">
+                            <a:latin typeface="Cambria Math" panose="02040503050406030204" pitchFamily="18" charset="0"/>
+                          </a:rPr>
+                          <m:t>𝜓</m:t>
+                        </m:r>
+                      </m:e>
+                      <m:sup>
+                        <m:d>
+                          <m:dPr>
+                            <m:ctrlPr>
+                              <a:rPr lang="en-US" sz="2200" b="0" i="1" smtClean="0">
+                                <a:latin typeface="Cambria Math" panose="02040503050406030204" pitchFamily="18" charset="0"/>
+                              </a:rPr>
+                            </m:ctrlPr>
+                          </m:dPr>
+                          <m:e>
+                            <m:r>
+                              <a:rPr lang="ru-RU" sz="2200" b="0" i="1" smtClean="0">
+                                <a:latin typeface="Cambria Math" panose="02040503050406030204" pitchFamily="18" charset="0"/>
+                              </a:rPr>
+                              <m:t>2</m:t>
+                            </m:r>
+                          </m:e>
+                        </m:d>
+                      </m:sup>
+                    </m:sSup>
+                    <m:d>
+                      <m:dPr>
+                        <m:ctrlPr>
+                          <a:rPr lang="ru-RU" sz="2200" i="1">
+                            <a:latin typeface="Cambria Math" panose="02040503050406030204" pitchFamily="18" charset="0"/>
+                          </a:rPr>
+                        </m:ctrlPr>
+                      </m:dPr>
+                      <m:e>
+                        <m:r>
+                          <a:rPr lang="ru-RU" sz="2200" i="1">
+                            <a:latin typeface="Cambria Math" panose="02040503050406030204" pitchFamily="18" charset="0"/>
+                          </a:rPr>
+                          <m:t>𝑡</m:t>
+                        </m:r>
+                        <m:r>
+                          <a:rPr lang="ru-RU" sz="2200" i="0">
+                            <a:latin typeface="Cambria Math" panose="02040503050406030204" pitchFamily="18" charset="0"/>
+                          </a:rPr>
+                          <m:t>,</m:t>
+                        </m:r>
+                        <m:r>
+                          <a:rPr lang="ru-RU" sz="2200" i="1">
+                            <a:latin typeface="Cambria Math" panose="02040503050406030204" pitchFamily="18" charset="0"/>
+                          </a:rPr>
+                          <m:t>𝑟</m:t>
+                        </m:r>
+                        <m:r>
+                          <a:rPr lang="ru-RU" sz="2200" i="0">
+                            <a:latin typeface="Cambria Math" panose="02040503050406030204" pitchFamily="18" charset="0"/>
+                          </a:rPr>
+                          <m:t>,</m:t>
+                        </m:r>
+                        <m:r>
+                          <a:rPr lang="ru-RU" sz="2200" i="1">
+                            <a:latin typeface="Cambria Math" panose="02040503050406030204" pitchFamily="18" charset="0"/>
+                          </a:rPr>
+                          <m:t>𝜃</m:t>
+                        </m:r>
+                        <m:r>
+                          <a:rPr lang="ru-RU" sz="2200" i="0">
+                            <a:latin typeface="Cambria Math" panose="02040503050406030204" pitchFamily="18" charset="0"/>
+                          </a:rPr>
+                          <m:t>,</m:t>
+                        </m:r>
+                        <m:r>
+                          <a:rPr lang="ru-RU" sz="2200" i="1">
+                            <a:latin typeface="Cambria Math" panose="02040503050406030204" pitchFamily="18" charset="0"/>
+                          </a:rPr>
+                          <m:t>𝑥</m:t>
+                        </m:r>
+                      </m:e>
+                    </m:d>
+                  </m:oMath>
+                </a14:m>
+                <a:r>
+                  <a:rPr lang="en-US" sz="2200" dirty="0" smtClean="0"/>
+                  <a:t> – </a:t>
+                </a:r>
+                <a:r>
+                  <a:rPr lang="ru-RU" sz="2200" dirty="0" smtClean="0"/>
+                  <a:t>потенциал магнитного поля во внешней среде</a:t>
+                </a:r>
+                <a:endParaRPr lang="ru-RU" sz="2200" dirty="0"/>
+              </a:p>
+            </p:txBody>
+          </p:sp>
+        </mc:Choice>
+        <mc:Fallback>
+          <p:sp>
+            <p:nvSpPr>
+              <p:cNvPr id="11" name="Прямоугольник 10"/>
+              <p:cNvSpPr>
+                <a:spLocks noRot="1" noChangeAspect="1" noMove="1" noResize="1" noEditPoints="1" noAdjustHandles="1" noChangeArrowheads="1" noChangeShapeType="1" noTextEdit="1"/>
+              </p:cNvSpPr>
+              <p:nvPr/>
+            </p:nvSpPr>
+            <p:spPr>
+              <a:xfrm>
+                <a:off x="344464" y="5026953"/>
+                <a:ext cx="6780237" cy="792396"/>
+              </a:xfrm>
+              <a:prstGeom prst="rect">
+                <a:avLst/>
+              </a:prstGeom>
+              <a:blipFill>
+                <a:blip r:embed="rId7"/>
+                <a:stretch>
+                  <a:fillRect l="-1169" t="-2308" b="-14615"/>
+                </a:stretch>
+              </a:blipFill>
+            </p:spPr>
+            <p:txBody>
+              <a:bodyPr/>
+              <a:lstStyle/>
+              <a:p>
+                <a:r>
+                  <a:rPr lang="ru-RU">
+                    <a:noFill/>
+                  </a:rPr>
+                  <a:t> </a:t>
+                </a:r>
+              </a:p>
+            </p:txBody>
+          </p:sp>
+        </mc:Fallback>
+      </mc:AlternateContent>
+      <mc:AlternateContent xmlns:mc="http://schemas.openxmlformats.org/markup-compatibility/2006">
+        <mc:Choice xmlns:a14="http://schemas.microsoft.com/office/drawing/2010/main" Requires="a14">
+          <p:sp>
+            <p:nvSpPr>
+              <p:cNvPr id="12" name="Прямоугольник 11"/>
+              <p:cNvSpPr/>
+              <p:nvPr/>
+            </p:nvSpPr>
+            <p:spPr>
+              <a:xfrm>
+                <a:off x="7753906" y="5038431"/>
+                <a:ext cx="3701491" cy="769441"/>
+              </a:xfrm>
+              <a:prstGeom prst="rect">
+                <a:avLst/>
+              </a:prstGeom>
+            </p:spPr>
+            <p:style>
+              <a:lnRef idx="2">
+                <a:schemeClr val="accent5"/>
+              </a:lnRef>
+              <a:fillRef idx="1">
+                <a:schemeClr val="lt1"/>
+              </a:fillRef>
+              <a:effectRef idx="0">
+                <a:schemeClr val="accent5"/>
+              </a:effectRef>
+              <a:fontRef idx="minor">
+                <a:schemeClr val="dk1"/>
+              </a:fontRef>
+            </p:style>
+            <p:txBody>
+              <a:bodyPr wrap="square">
+                <a:spAutoFit/>
+              </a:bodyPr>
+              <a:lstStyle/>
+              <a:p>
+                <a:pPr>
+                  <a:lnSpc>
+                    <a:spcPct val="50000"/>
+                  </a:lnSpc>
+                </a:pPr>
+                <a:endParaRPr lang="en-US" sz="2200" dirty="0" smtClean="0">
+                  <a:latin typeface="Cambria Math" panose="02040503050406030204" pitchFamily="18" charset="0"/>
+                </a:endParaRPr>
+              </a:p>
+              <a:p>
+                <a:pPr/>
+                <a14:m>
+                  <m:oMathPara xmlns:m="http://schemas.openxmlformats.org/officeDocument/2006/math">
+                    <m:oMathParaPr>
+                      <m:jc m:val="centerGroup"/>
+                    </m:oMathParaPr>
+                    <m:oMath xmlns:m="http://schemas.openxmlformats.org/officeDocument/2006/math">
+                      <m:eqArr>
+                        <m:eqArrPr>
+                          <m:ctrlPr>
+                            <a:rPr lang="ru-RU" sz="2200" i="1">
+                              <a:latin typeface="Cambria Math" panose="02040503050406030204" pitchFamily="18" charset="0"/>
+                            </a:rPr>
+                          </m:ctrlPr>
+                        </m:eqArrPr>
+                        <m:e>
+                          <m:r>
+                            <a:rPr lang="ru-RU" sz="2200">
+                              <a:latin typeface="Cambria Math" panose="02040503050406030204" pitchFamily="18" charset="0"/>
+                            </a:rPr>
+                            <m:t>&amp;</m:t>
+                          </m:r>
+                          <m:r>
+                            <a:rPr lang="ru-RU" sz="2200" i="1">
+                              <a:latin typeface="Cambria Math" panose="02040503050406030204" pitchFamily="18" charset="0"/>
+                            </a:rPr>
+                            <m:t>𝜓</m:t>
+                          </m:r>
+                          <m:r>
+                            <a:rPr lang="ru-RU" sz="2200" i="0">
+                              <a:latin typeface="Cambria Math" panose="02040503050406030204" pitchFamily="18" charset="0"/>
+                            </a:rPr>
+                            <m:t>=</m:t>
+                          </m:r>
+                          <m:sSub>
+                            <m:sSubPr>
+                              <m:ctrlPr>
+                                <a:rPr lang="ru-RU" sz="2200" i="1">
+                                  <a:latin typeface="Cambria Math" panose="02040503050406030204" pitchFamily="18" charset="0"/>
+                                </a:rPr>
+                              </m:ctrlPr>
+                            </m:sSubPr>
+                            <m:e>
+                              <m:r>
+                                <a:rPr lang="ru-RU" sz="2200" i="1">
+                                  <a:latin typeface="Cambria Math" panose="02040503050406030204" pitchFamily="18" charset="0"/>
+                                </a:rPr>
+                                <m:t>𝜓</m:t>
+                              </m:r>
+                            </m:e>
+                            <m:sub>
+                              <m:r>
+                                <a:rPr lang="ru-RU" sz="2200" i="0">
+                                  <a:latin typeface="Cambria Math" panose="02040503050406030204" pitchFamily="18" charset="0"/>
+                                </a:rPr>
+                                <m:t>0</m:t>
+                              </m:r>
+                            </m:sub>
+                          </m:sSub>
+                          <m:r>
+                            <a:rPr lang="ru-RU" sz="2200" i="0">
+                              <a:latin typeface="Cambria Math" panose="02040503050406030204" pitchFamily="18" charset="0"/>
+                            </a:rPr>
+                            <m:t>+</m:t>
+                          </m:r>
+                          <m:sSub>
+                            <m:sSubPr>
+                              <m:ctrlPr>
+                                <a:rPr lang="ru-RU" sz="2200" i="1">
+                                  <a:latin typeface="Cambria Math" panose="02040503050406030204" pitchFamily="18" charset="0"/>
+                                </a:rPr>
+                              </m:ctrlPr>
+                            </m:sSubPr>
+                            <m:e>
+                              <m:r>
+                                <a:rPr lang="ru-RU" sz="2200" i="1">
+                                  <a:latin typeface="Cambria Math" panose="02040503050406030204" pitchFamily="18" charset="0"/>
+                                </a:rPr>
+                                <m:t>𝜓</m:t>
+                              </m:r>
+                            </m:e>
+                            <m:sub>
+                              <m:r>
+                                <a:rPr lang="ru-RU" sz="2200" i="0">
+                                  <a:latin typeface="Cambria Math" panose="02040503050406030204" pitchFamily="18" charset="0"/>
+                                </a:rPr>
+                                <m:t>1</m:t>
+                              </m:r>
+                            </m:sub>
+                          </m:sSub>
+                          <m:r>
+                            <a:rPr lang="ru-RU" sz="2200" i="0">
+                              <a:latin typeface="Cambria Math" panose="02040503050406030204" pitchFamily="18" charset="0"/>
+                            </a:rPr>
+                            <m:t>=−</m:t>
+                          </m:r>
+                          <m:sSub>
+                            <m:sSubPr>
+                              <m:ctrlPr>
+                                <a:rPr lang="ru-RU" sz="2200" i="1">
+                                  <a:latin typeface="Cambria Math" panose="02040503050406030204" pitchFamily="18" charset="0"/>
+                                </a:rPr>
+                              </m:ctrlPr>
+                            </m:sSubPr>
+                            <m:e>
+                              <m:r>
+                                <a:rPr lang="ru-RU" sz="2200" i="1">
+                                  <a:latin typeface="Cambria Math" panose="02040503050406030204" pitchFamily="18" charset="0"/>
+                                </a:rPr>
+                                <m:t>𝐻</m:t>
+                              </m:r>
+                            </m:e>
+                            <m:sub>
+                              <m:r>
+                                <a:rPr lang="ru-RU" sz="2200" i="0">
+                                  <a:latin typeface="Cambria Math" panose="02040503050406030204" pitchFamily="18" charset="0"/>
+                                </a:rPr>
+                                <m:t>0</m:t>
+                              </m:r>
+                            </m:sub>
+                          </m:sSub>
+                          <m:r>
+                            <a:rPr lang="ru-RU" sz="2200" i="1">
+                              <a:latin typeface="Cambria Math" panose="02040503050406030204" pitchFamily="18" charset="0"/>
+                            </a:rPr>
+                            <m:t>𝑥</m:t>
+                          </m:r>
+                          <m:r>
+                            <a:rPr lang="ru-RU" sz="2200" i="0">
+                              <a:latin typeface="Cambria Math" panose="02040503050406030204" pitchFamily="18" charset="0"/>
+                            </a:rPr>
+                            <m:t>+</m:t>
+                          </m:r>
+                          <m:sSub>
+                            <m:sSubPr>
+                              <m:ctrlPr>
+                                <a:rPr lang="ru-RU" sz="2200" i="1">
+                                  <a:latin typeface="Cambria Math" panose="02040503050406030204" pitchFamily="18" charset="0"/>
+                                </a:rPr>
+                              </m:ctrlPr>
+                            </m:sSubPr>
+                            <m:e>
+                              <m:r>
+                                <a:rPr lang="ru-RU" sz="2200" i="1">
+                                  <a:latin typeface="Cambria Math" panose="02040503050406030204" pitchFamily="18" charset="0"/>
+                                </a:rPr>
+                                <m:t>𝜓</m:t>
+                              </m:r>
+                            </m:e>
+                            <m:sub>
+                              <m:r>
+                                <a:rPr lang="ru-RU" sz="2200" i="0">
+                                  <a:latin typeface="Cambria Math" panose="02040503050406030204" pitchFamily="18" charset="0"/>
+                                </a:rPr>
+                                <m:t>1</m:t>
+                              </m:r>
+                            </m:sub>
+                          </m:sSub>
+                        </m:e>
+                      </m:eqArr>
+                    </m:oMath>
+                  </m:oMathPara>
+                </a14:m>
+                <a:endParaRPr lang="en-US" sz="2200" dirty="0" smtClean="0"/>
+              </a:p>
+              <a:p>
+                <a:pPr>
+                  <a:lnSpc>
+                    <a:spcPct val="50000"/>
+                  </a:lnSpc>
+                </a:pPr>
+                <a:endParaRPr lang="ru-RU" sz="2200" dirty="0"/>
+              </a:p>
+            </p:txBody>
+          </p:sp>
+        </mc:Choice>
+        <mc:Fallback>
+          <p:sp>
+            <p:nvSpPr>
+              <p:cNvPr id="12" name="Прямоугольник 11"/>
+              <p:cNvSpPr>
+                <a:spLocks noRot="1" noChangeAspect="1" noMove="1" noResize="1" noEditPoints="1" noAdjustHandles="1" noChangeArrowheads="1" noChangeShapeType="1" noTextEdit="1"/>
+              </p:cNvSpPr>
+              <p:nvPr/>
+            </p:nvSpPr>
+            <p:spPr>
+              <a:xfrm>
+                <a:off x="7753906" y="5038431"/>
+                <a:ext cx="3701491" cy="769441"/>
+              </a:xfrm>
+              <a:prstGeom prst="rect">
+                <a:avLst/>
+              </a:prstGeom>
+              <a:blipFill>
+                <a:blip r:embed="rId8"/>
+                <a:stretch>
+                  <a:fillRect/>
+                </a:stretch>
+              </a:blipFill>
+            </p:spPr>
+            <p:txBody>
+              <a:bodyPr/>
+              <a:lstStyle/>
+              <a:p>
+                <a:r>
+                  <a:rPr lang="ru-RU">
+                    <a:noFill/>
+                  </a:rPr>
+                  <a:t> </a:t>
+                </a:r>
+              </a:p>
+            </p:txBody>
+          </p:sp>
+        </mc:Fallback>
+      </mc:AlternateContent>
+      <mc:AlternateContent xmlns:mc="http://schemas.openxmlformats.org/markup-compatibility/2006">
+        <mc:Choice xmlns:a14="http://schemas.microsoft.com/office/drawing/2010/main" Requires="a14">
+          <p:sp>
+            <p:nvSpPr>
+              <p:cNvPr id="13" name="Прямоугольник 12"/>
+              <p:cNvSpPr/>
+              <p:nvPr/>
+            </p:nvSpPr>
+            <p:spPr>
+              <a:xfrm>
+                <a:off x="7753907" y="1320692"/>
+                <a:ext cx="3701490" cy="797975"/>
+              </a:xfrm>
+              <a:prstGeom prst="rect">
+                <a:avLst/>
+              </a:prstGeom>
+            </p:spPr>
+            <p:style>
+              <a:lnRef idx="2">
+                <a:schemeClr val="accent5"/>
+              </a:lnRef>
+              <a:fillRef idx="1">
+                <a:schemeClr val="lt1"/>
+              </a:fillRef>
+              <a:effectRef idx="0">
+                <a:schemeClr val="accent5"/>
+              </a:effectRef>
+              <a:fontRef idx="minor">
+                <a:schemeClr val="dk1"/>
+              </a:fontRef>
+            </p:style>
+            <p:txBody>
+              <a:bodyPr wrap="square">
+                <a:spAutoFit/>
+              </a:bodyPr>
+              <a:lstStyle/>
+              <a:p>
+                <a:pPr>
+                  <a:lnSpc>
+                    <a:spcPct val="50000"/>
+                  </a:lnSpc>
+                </a:pPr>
+                <a:endParaRPr lang="en-US" sz="2200" dirty="0" smtClean="0">
+                  <a:latin typeface="Cambria Math" panose="02040503050406030204" pitchFamily="18" charset="0"/>
+                </a:endParaRPr>
+              </a:p>
+              <a:p>
+                <a:pPr/>
+                <a14:m>
+                  <m:oMathPara xmlns:m="http://schemas.openxmlformats.org/officeDocument/2006/math">
+                    <m:oMathParaPr>
+                      <m:jc m:val="centerGroup"/>
+                    </m:oMathParaPr>
+                    <m:oMath xmlns:m="http://schemas.openxmlformats.org/officeDocument/2006/math">
+                      <m:eqArr>
+                        <m:eqArrPr>
+                          <m:ctrlPr>
+                            <a:rPr lang="ru-RU" sz="2200" i="1" smtClean="0">
+                              <a:latin typeface="Cambria Math" panose="02040503050406030204" pitchFamily="18" charset="0"/>
+                            </a:rPr>
+                          </m:ctrlPr>
+                        </m:eqArrPr>
+                        <m:e>
+                          <m:r>
+                            <a:rPr lang="ru-RU" sz="2200">
+                              <a:latin typeface="Cambria Math" panose="02040503050406030204" pitchFamily="18" charset="0"/>
+                            </a:rPr>
+                            <m:t>&amp;</m:t>
+                          </m:r>
+                          <m:r>
+                            <a:rPr lang="ru-RU" sz="2200" i="1">
+                              <a:latin typeface="Cambria Math" panose="02040503050406030204" pitchFamily="18" charset="0"/>
+                            </a:rPr>
+                            <m:t>𝜉</m:t>
+                          </m:r>
+                          <m:d>
+                            <m:dPr>
+                              <m:ctrlPr>
+                                <a:rPr lang="ru-RU" sz="2200" i="1">
+                                  <a:latin typeface="Cambria Math" panose="02040503050406030204" pitchFamily="18" charset="0"/>
+                                </a:rPr>
+                              </m:ctrlPr>
+                            </m:dPr>
+                            <m:e>
+                              <m:r>
+                                <a:rPr lang="ru-RU" sz="2200" i="1">
+                                  <a:latin typeface="Cambria Math" panose="02040503050406030204" pitchFamily="18" charset="0"/>
+                                </a:rPr>
+                                <m:t>𝑡</m:t>
+                              </m:r>
+                              <m:r>
+                                <a:rPr lang="ru-RU" sz="2200">
+                                  <a:latin typeface="Cambria Math" panose="02040503050406030204" pitchFamily="18" charset="0"/>
+                                </a:rPr>
+                                <m:t>,</m:t>
+                              </m:r>
+                              <m:r>
+                                <a:rPr lang="ru-RU" sz="2200" i="1">
+                                  <a:latin typeface="Cambria Math" panose="02040503050406030204" pitchFamily="18" charset="0"/>
+                                </a:rPr>
+                                <m:t>𝜃</m:t>
+                              </m:r>
+                              <m:r>
+                                <a:rPr lang="ru-RU" sz="2200">
+                                  <a:latin typeface="Cambria Math" panose="02040503050406030204" pitchFamily="18" charset="0"/>
+                                </a:rPr>
+                                <m:t>,</m:t>
+                              </m:r>
+                              <m:r>
+                                <a:rPr lang="ru-RU" sz="2200" i="1">
+                                  <a:latin typeface="Cambria Math" panose="02040503050406030204" pitchFamily="18" charset="0"/>
+                                </a:rPr>
+                                <m:t>𝑥</m:t>
+                              </m:r>
+                            </m:e>
+                          </m:d>
+                          <m:r>
+                            <a:rPr lang="ru-RU" sz="2200" b="0" i="1" smtClean="0">
+                              <a:latin typeface="Cambria Math" panose="02040503050406030204" pitchFamily="18" charset="0"/>
+                            </a:rPr>
+                            <m:t>=</m:t>
+                          </m:r>
+                          <m:r>
+                            <a:rPr lang="en-US" sz="2200" b="0" i="1" smtClean="0">
+                              <a:latin typeface="Cambria Math" panose="02040503050406030204" pitchFamily="18" charset="0"/>
+                            </a:rPr>
+                            <m:t>𝑟</m:t>
+                          </m:r>
+                          <m:r>
+                            <a:rPr lang="en-US" sz="2200" b="0" i="1" smtClean="0">
+                              <a:latin typeface="Cambria Math" panose="02040503050406030204" pitchFamily="18" charset="0"/>
+                            </a:rPr>
+                            <m:t>−</m:t>
+                          </m:r>
+                          <m:r>
+                            <a:rPr lang="en-US" sz="2200" b="0" i="1" smtClean="0">
+                              <a:latin typeface="Cambria Math" panose="02040503050406030204" pitchFamily="18" charset="0"/>
+                            </a:rPr>
+                            <m:t>𝑅</m:t>
+                          </m:r>
+                        </m:e>
+                      </m:eqArr>
+                    </m:oMath>
+                  </m:oMathPara>
+                </a14:m>
+                <a:endParaRPr lang="en-US" sz="2200" dirty="0" smtClean="0"/>
+              </a:p>
+              <a:p>
+                <a:pPr>
+                  <a:lnSpc>
+                    <a:spcPct val="50000"/>
+                  </a:lnSpc>
+                </a:pPr>
+                <a:endParaRPr lang="ru-RU" sz="2200" dirty="0"/>
+              </a:p>
+            </p:txBody>
+          </p:sp>
+        </mc:Choice>
+        <mc:Fallback>
+          <p:sp>
+            <p:nvSpPr>
+              <p:cNvPr id="13" name="Прямоугольник 12"/>
+              <p:cNvSpPr>
+                <a:spLocks noRot="1" noChangeAspect="1" noMove="1" noResize="1" noEditPoints="1" noAdjustHandles="1" noChangeArrowheads="1" noChangeShapeType="1" noTextEdit="1"/>
+              </p:cNvSpPr>
+              <p:nvPr/>
+            </p:nvSpPr>
+            <p:spPr>
+              <a:xfrm>
+                <a:off x="7753907" y="1320692"/>
+                <a:ext cx="3701490" cy="797975"/>
+              </a:xfrm>
+              <a:prstGeom prst="rect">
+                <a:avLst/>
+              </a:prstGeom>
+              <a:blipFill>
+                <a:blip r:embed="rId9"/>
+                <a:stretch>
+                  <a:fillRect/>
+                </a:stretch>
+              </a:blipFill>
+            </p:spPr>
+            <p:txBody>
+              <a:bodyPr/>
+              <a:lstStyle/>
+              <a:p>
+                <a:r>
+                  <a:rPr lang="ru-RU">
+                    <a:noFill/>
+                  </a:rPr>
+                  <a:t> </a:t>
+                </a:r>
+              </a:p>
+            </p:txBody>
+          </p:sp>
+        </mc:Fallback>
+      </mc:AlternateContent>
+    </p:spTree>
+    <p:extLst>
+      <p:ext uri="{BB962C8B-B14F-4D97-AF65-F5344CB8AC3E}">
+        <p14:creationId xmlns:p14="http://schemas.microsoft.com/office/powerpoint/2010/main" val="4006268033"/>
+      </p:ext>
+    </p:extLst>
+  </p:cSld>
+  <p:clrMapOvr>
+    <a:masterClrMapping/>
+  </p:clrMapOvr>
+  <p:timing>
+    <p:tnLst>
+      <p:par>
+        <p:cTn id="1" dur="indefinite" restart="never" nodeType="tmRoot"/>
+      </p:par>
+    </p:tnLst>
+  </p:timing>
+</p:sld>
+</file>
+
+<file path=ppt/slides/slide4.xml><?xml version="1.0" encoding="utf-8"?>
+<p:sld xmlns:a="http://schemas.openxmlformats.org/drawingml/2006/main" xmlns:r="http://schemas.openxmlformats.org/officeDocument/2006/relationships" xmlns:p="http://schemas.openxmlformats.org/presentationml/2006/main">
+  <p:cSld>
+    <p:spTree>
+      <p:nvGrpSpPr>
+        <p:cNvPr id="1" name=""/>
+        <p:cNvGrpSpPr/>
+        <p:nvPr/>
+      </p:nvGrpSpPr>
+      <p:grpSpPr>
+        <a:xfrm>
+          <a:off x="0" y="0"/>
+          <a:ext cx="0" cy="0"/>
+          <a:chOff x="0" y="0"/>
+          <a:chExt cx="0" cy="0"/>
+        </a:xfrm>
+      </p:grpSpPr>
+      <mc:AlternateContent xmlns:mc="http://schemas.openxmlformats.org/markup-compatibility/2006" xmlns:a14="http://schemas.microsoft.com/office/drawing/2010/main">
+        <mc:Choice Requires="a14">
           <p:sp>
             <p:nvSpPr>
               <p:cNvPr id="12" name="TextBox 11"/>
@@ -4544,7 +6660,7 @@
             </p:txBody>
           </p:sp>
         </mc:Choice>
-        <mc:Fallback>
+        <mc:Fallback xmlns="">
           <p:sp>
             <p:nvSpPr>
               <p:cNvPr id="12" name="TextBox 11"/>
@@ -4583,8 +6699,8 @@
           </p:sp>
         </mc:Fallback>
       </mc:AlternateContent>
-      <mc:AlternateContent xmlns:mc="http://schemas.openxmlformats.org/markup-compatibility/2006">
-        <mc:Choice xmlns:a14="http://schemas.microsoft.com/office/drawing/2010/main" Requires="a14">
+      <mc:AlternateContent xmlns:mc="http://schemas.openxmlformats.org/markup-compatibility/2006" xmlns:a14="http://schemas.microsoft.com/office/drawing/2010/main">
+        <mc:Choice Requires="a14">
           <p:sp>
             <p:nvSpPr>
               <p:cNvPr id="13" name="TextBox 12"/>
@@ -4594,7 +6710,7 @@
             <p:spPr>
               <a:xfrm>
                 <a:off x="170653" y="4363219"/>
-                <a:ext cx="11850685" cy="1886735"/>
+                <a:ext cx="11850685" cy="1918089"/>
               </a:xfrm>
               <a:prstGeom prst="rect">
                 <a:avLst/>
@@ -4976,10 +7092,10 @@
                         </m:den>
                       </m:f>
                       <m:r>
-                        <a:rPr lang="ru-RU" sz="2200" b="0" i="1" smtClean="0">
+                        <a:rPr lang="en-US" sz="2200" b="0" i="1" smtClean="0">
                           <a:latin typeface="Cambria Math" panose="02040503050406030204" pitchFamily="18" charset="0"/>
                         </a:rPr>
-                        <m:t>−</m:t>
+                        <m:t>+</m:t>
                       </m:r>
                       <m:f>
                         <m:fPr>
@@ -4999,24 +7115,12 @@
                               </m:ctrlPr>
                             </m:sSubPr>
                             <m:e>
-                              <m:acc>
-                                <m:accPr>
-                                  <m:chr m:val="⃗"/>
-                                  <m:ctrlPr>
-                                    <a:rPr lang="ru-RU" sz="2200" i="1">
-                                      <a:latin typeface="Cambria Math" panose="02040503050406030204" pitchFamily="18" charset="0"/>
-                                    </a:rPr>
-                                  </m:ctrlPr>
-                                </m:accPr>
-                                <m:e>
-                                  <m:r>
-                                    <a:rPr lang="ru-RU" sz="2200" i="1">
-                                      <a:latin typeface="Cambria Math" panose="02040503050406030204" pitchFamily="18" charset="0"/>
-                                    </a:rPr>
-                                    <m:t>𝐻</m:t>
-                                  </m:r>
-                                </m:e>
-                              </m:acc>
+                              <m:r>
+                                <a:rPr lang="en-US" sz="2200" b="0" i="1" smtClean="0">
+                                  <a:latin typeface="Cambria Math" panose="02040503050406030204" pitchFamily="18" charset="0"/>
+                                </a:rPr>
+                                <m:t>𝐻</m:t>
+                              </m:r>
                             </m:e>
                             <m:sub>
                               <m:r>
@@ -5088,62 +7192,81 @@
                               </m:d>
                             </m:sup>
                           </m:sSup>
-                          <m:sSubSup>
-                            <m:sSubSupPr>
+                          <m:f>
+                            <m:fPr>
                               <m:ctrlPr>
                                 <a:rPr lang="ru-RU" sz="2200" i="1">
                                   <a:latin typeface="Cambria Math" panose="02040503050406030204" pitchFamily="18" charset="0"/>
                                 </a:rPr>
                               </m:ctrlPr>
-                            </m:sSubSupPr>
-                            <m:e>
-                              <m:acc>
-                                <m:accPr>
-                                  <m:chr m:val="⃗"/>
+                            </m:fPr>
+                            <m:num>
+                              <m:r>
+                                <a:rPr lang="ru-RU" sz="2200">
+                                  <a:latin typeface="Cambria Math" panose="02040503050406030204" pitchFamily="18" charset="0"/>
+                                </a:rPr>
+                                <m:t>𝜕</m:t>
+                              </m:r>
+                              <m:sSubSup>
+                                <m:sSubSupPr>
                                   <m:ctrlPr>
                                     <a:rPr lang="ru-RU" sz="2200" i="1">
                                       <a:latin typeface="Cambria Math" panose="02040503050406030204" pitchFamily="18" charset="0"/>
                                     </a:rPr>
                                   </m:ctrlPr>
-                                </m:accPr>
+                                </m:sSubSupPr>
                                 <m:e>
                                   <m:r>
                                     <a:rPr lang="ru-RU" sz="2200" i="1">
                                       <a:latin typeface="Cambria Math" panose="02040503050406030204" pitchFamily="18" charset="0"/>
                                     </a:rPr>
-                                    <m:t>𝐻</m:t>
+                                    <m:t>𝜓</m:t>
                                   </m:r>
                                 </m:e>
-                              </m:acc>
-                            </m:e>
-                            <m:sub>
-                              <m:r>
-                                <a:rPr lang="ru-RU" sz="2200">
-                                  <a:latin typeface="Cambria Math" panose="02040503050406030204" pitchFamily="18" charset="0"/>
-                                </a:rPr>
-                                <m:t>1</m:t>
-                              </m:r>
-                            </m:sub>
-                            <m:sup>
-                              <m:d>
-                                <m:dPr>
-                                  <m:ctrlPr>
-                                    <a:rPr lang="ru-RU" sz="2200" i="1">
-                                      <a:latin typeface="Cambria Math" panose="02040503050406030204" pitchFamily="18" charset="0"/>
-                                    </a:rPr>
-                                  </m:ctrlPr>
-                                </m:dPr>
-                                <m:e>
+                                <m:sub>
                                   <m:r>
                                     <a:rPr lang="ru-RU" sz="2200">
                                       <a:latin typeface="Cambria Math" panose="02040503050406030204" pitchFamily="18" charset="0"/>
                                     </a:rPr>
                                     <m:t>1</m:t>
                                   </m:r>
-                                </m:e>
-                              </m:d>
-                            </m:sup>
-                          </m:sSubSup>
+                                </m:sub>
+                                <m:sup>
+                                  <m:d>
+                                    <m:dPr>
+                                      <m:ctrlPr>
+                                        <a:rPr lang="ru-RU" sz="2200" i="1">
+                                          <a:latin typeface="Cambria Math" panose="02040503050406030204" pitchFamily="18" charset="0"/>
+                                        </a:rPr>
+                                      </m:ctrlPr>
+                                    </m:dPr>
+                                    <m:e>
+                                      <m:r>
+                                        <a:rPr lang="en-US" sz="2200" b="0" i="0" smtClean="0">
+                                          <a:latin typeface="Cambria Math" panose="02040503050406030204" pitchFamily="18" charset="0"/>
+                                        </a:rPr>
+                                        <m:t>1</m:t>
+                                      </m:r>
+                                    </m:e>
+                                  </m:d>
+                                </m:sup>
+                              </m:sSubSup>
+                            </m:num>
+                            <m:den>
+                              <m:r>
+                                <a:rPr lang="ru-RU" sz="2200">
+                                  <a:latin typeface="Cambria Math" panose="02040503050406030204" pitchFamily="18" charset="0"/>
+                                </a:rPr>
+                                <m:t>𝜕</m:t>
+                              </m:r>
+                              <m:r>
+                                <a:rPr lang="ru-RU" sz="2200" i="1">
+                                  <a:latin typeface="Cambria Math" panose="02040503050406030204" pitchFamily="18" charset="0"/>
+                                </a:rPr>
+                                <m:t>𝑥</m:t>
+                              </m:r>
+                            </m:den>
+                          </m:f>
                           <m:r>
                             <a:rPr lang="ru-RU" sz="2200">
                               <a:latin typeface="Cambria Math" panose="02040503050406030204" pitchFamily="18" charset="0"/>
@@ -5186,62 +7309,81 @@
                               </m:d>
                             </m:sup>
                           </m:sSup>
-                          <m:sSubSup>
-                            <m:sSubSupPr>
+                          <m:f>
+                            <m:fPr>
                               <m:ctrlPr>
                                 <a:rPr lang="ru-RU" sz="2200" i="1">
                                   <a:latin typeface="Cambria Math" panose="02040503050406030204" pitchFamily="18" charset="0"/>
                                 </a:rPr>
                               </m:ctrlPr>
-                            </m:sSubSupPr>
-                            <m:e>
-                              <m:acc>
-                                <m:accPr>
-                                  <m:chr m:val="⃗"/>
+                            </m:fPr>
+                            <m:num>
+                              <m:r>
+                                <a:rPr lang="ru-RU" sz="2200">
+                                  <a:latin typeface="Cambria Math" panose="02040503050406030204" pitchFamily="18" charset="0"/>
+                                </a:rPr>
+                                <m:t>𝜕</m:t>
+                              </m:r>
+                              <m:sSubSup>
+                                <m:sSubSupPr>
                                   <m:ctrlPr>
                                     <a:rPr lang="ru-RU" sz="2200" i="1">
                                       <a:latin typeface="Cambria Math" panose="02040503050406030204" pitchFamily="18" charset="0"/>
                                     </a:rPr>
                                   </m:ctrlPr>
-                                </m:accPr>
+                                </m:sSubSupPr>
                                 <m:e>
                                   <m:r>
                                     <a:rPr lang="ru-RU" sz="2200" i="1">
                                       <a:latin typeface="Cambria Math" panose="02040503050406030204" pitchFamily="18" charset="0"/>
                                     </a:rPr>
-                                    <m:t>𝐻</m:t>
+                                    <m:t>𝜓</m:t>
                                   </m:r>
                                 </m:e>
-                              </m:acc>
-                            </m:e>
-                            <m:sub>
-                              <m:r>
-                                <a:rPr lang="ru-RU" sz="2200">
-                                  <a:latin typeface="Cambria Math" panose="02040503050406030204" pitchFamily="18" charset="0"/>
-                                </a:rPr>
-                                <m:t>1</m:t>
-                              </m:r>
-                            </m:sub>
-                            <m:sup>
-                              <m:d>
-                                <m:dPr>
-                                  <m:ctrlPr>
-                                    <a:rPr lang="ru-RU" sz="2200" i="1">
-                                      <a:latin typeface="Cambria Math" panose="02040503050406030204" pitchFamily="18" charset="0"/>
-                                    </a:rPr>
-                                  </m:ctrlPr>
-                                </m:dPr>
-                                <m:e>
+                                <m:sub>
                                   <m:r>
                                     <a:rPr lang="ru-RU" sz="2200">
                                       <a:latin typeface="Cambria Math" panose="02040503050406030204" pitchFamily="18" charset="0"/>
                                     </a:rPr>
-                                    <m:t>2</m:t>
+                                    <m:t>1</m:t>
                                   </m:r>
-                                </m:e>
-                              </m:d>
-                            </m:sup>
-                          </m:sSubSup>
+                                </m:sub>
+                                <m:sup>
+                                  <m:d>
+                                    <m:dPr>
+                                      <m:ctrlPr>
+                                        <a:rPr lang="ru-RU" sz="2200" i="1">
+                                          <a:latin typeface="Cambria Math" panose="02040503050406030204" pitchFamily="18" charset="0"/>
+                                        </a:rPr>
+                                      </m:ctrlPr>
+                                    </m:dPr>
+                                    <m:e>
+                                      <m:r>
+                                        <a:rPr lang="ru-RU" sz="2200">
+                                          <a:latin typeface="Cambria Math" panose="02040503050406030204" pitchFamily="18" charset="0"/>
+                                        </a:rPr>
+                                        <m:t>2</m:t>
+                                      </m:r>
+                                    </m:e>
+                                  </m:d>
+                                </m:sup>
+                              </m:sSubSup>
+                            </m:num>
+                            <m:den>
+                              <m:r>
+                                <a:rPr lang="ru-RU" sz="2200">
+                                  <a:latin typeface="Cambria Math" panose="02040503050406030204" pitchFamily="18" charset="0"/>
+                                </a:rPr>
+                                <m:t>𝜕</m:t>
+                              </m:r>
+                              <m:r>
+                                <a:rPr lang="ru-RU" sz="2200" i="1">
+                                  <a:latin typeface="Cambria Math" panose="02040503050406030204" pitchFamily="18" charset="0"/>
+                                </a:rPr>
+                                <m:t>𝑥</m:t>
+                              </m:r>
+                            </m:den>
+                          </m:f>
                         </m:e>
                       </m:d>
                       <m:r>
@@ -5315,7 +7457,7 @@
             </p:txBody>
           </p:sp>
         </mc:Choice>
-        <mc:Fallback>
+        <mc:Fallback xmlns="">
           <p:sp>
             <p:nvSpPr>
               <p:cNvPr id="13" name="TextBox 12"/>
@@ -5327,7 +7469,7 @@
             <p:spPr>
               <a:xfrm>
                 <a:off x="170653" y="4363219"/>
-                <a:ext cx="11850685" cy="1886735"/>
+                <a:ext cx="11850685" cy="1918089"/>
               </a:xfrm>
               <a:prstGeom prst="rect">
                 <a:avLst/>
@@ -5335,7 +7477,7 @@
               <a:blipFill>
                 <a:blip r:embed="rId3"/>
                 <a:stretch>
-                  <a:fillRect l="-617" t="-1929"/>
+                  <a:fillRect l="-617" t="-1899"/>
                 </a:stretch>
               </a:blipFill>
             </p:spPr>
@@ -5371,7 +7513,7 @@
           <a:p>
             <a:fld id="{EAC0DF89-5B13-44F7-A1DF-4EC2E0A738B9}" type="slidenum">
               <a:rPr lang="ru-RU" smtClean="0"/>
-              <a:t>3</a:t>
+              <a:t>4</a:t>
             </a:fld>
             <a:endParaRPr lang="ru-RU" dirty="0"/>
           </a:p>
@@ -5433,8 +7575,8 @@
           </a:p>
         </p:txBody>
       </p:sp>
-      <mc:AlternateContent xmlns:mc="http://schemas.openxmlformats.org/markup-compatibility/2006">
-        <mc:Choice xmlns:a14="http://schemas.microsoft.com/office/drawing/2010/main" Requires="a14">
+      <mc:AlternateContent xmlns:mc="http://schemas.openxmlformats.org/markup-compatibility/2006" xmlns:a14="http://schemas.microsoft.com/office/drawing/2010/main">
+        <mc:Choice Requires="a14">
           <p:sp>
             <p:nvSpPr>
               <p:cNvPr id="30" name="TextBox 29"/>
@@ -5490,7 +7632,7 @@
                       <m:accPr>
                         <m:chr m:val="⃗"/>
                         <m:ctrlPr>
-                          <a:rPr lang="ru-RU" sz="2200">
+                          <a:rPr lang="ru-RU" sz="2200" i="1">
                             <a:latin typeface="Cambria Math" panose="02040503050406030204" pitchFamily="18" charset="0"/>
                           </a:rPr>
                         </m:ctrlPr>
@@ -5500,7 +7642,7 @@
                           <a:rPr lang="ru-RU" sz="2200" i="0">
                             <a:latin typeface="Cambria Math" panose="02040503050406030204" pitchFamily="18" charset="0"/>
                           </a:rPr>
-                          <m:t>∇</m:t>
+                          <m:t>𝛻</m:t>
                         </m:r>
                       </m:e>
                     </m:acc>
@@ -5620,7 +7762,7 @@
                               <a:rPr lang="ru-RU" sz="2200" i="0">
                                 <a:latin typeface="Cambria Math" panose="02040503050406030204" pitchFamily="18" charset="0"/>
                               </a:rPr>
-                              <m:t>∇</m:t>
+                              <m:t>𝛻</m:t>
                             </m:r>
                           </m:e>
                         </m:acc>
@@ -5672,13 +7814,7 @@
                           <a:rPr lang="ru-RU" sz="2200">
                             <a:latin typeface="Cambria Math" panose="02040503050406030204" pitchFamily="18" charset="0"/>
                           </a:rPr>
-                          <m:t>&lt;∞</m:t>
-                        </m:r>
-                        <m:r>
-                          <a:rPr lang="ru-RU" sz="2200">
-                            <a:latin typeface="Cambria Math" panose="02040503050406030204" pitchFamily="18" charset="0"/>
-                          </a:rPr>
-                          <m:t>,</m:t>
+                          <m:t>&lt;∞,</m:t>
                         </m:r>
                         <m:r>
                           <a:rPr lang="ru-RU" sz="2200" b="0" i="1" smtClean="0">
@@ -5770,7 +7906,7 @@
                           <a:rPr lang="ru-RU" sz="2200" i="0">
                             <a:latin typeface="Cambria Math" panose="02040503050406030204" pitchFamily="18" charset="0"/>
                           </a:rPr>
-                          <m:t>∇</m:t>
+                          <m:t>𝛻</m:t>
                         </m:r>
                       </m:e>
                     </m:acc>
@@ -5891,7 +8027,7 @@
             </p:txBody>
           </p:sp>
         </mc:Choice>
-        <mc:Fallback>
+        <mc:Fallback xmlns="">
           <p:sp>
             <p:nvSpPr>
               <p:cNvPr id="30" name="TextBox 29"/>
@@ -5950,7 +8086,7 @@
 </p:sld>
 </file>
 
-<file path=ppt/slides/slide4.xml><?xml version="1.0" encoding="utf-8"?>
+<file path=ppt/slides/slide5.xml><?xml version="1.0" encoding="utf-8"?>
 <p:sld xmlns:a="http://schemas.openxmlformats.org/drawingml/2006/main" xmlns:r="http://schemas.openxmlformats.org/officeDocument/2006/relationships" xmlns:p="http://schemas.openxmlformats.org/presentationml/2006/main">
   <p:cSld>
     <p:spTree>
@@ -5967,8 +8103,8 @@
           <a:chExt cx="0" cy="0"/>
         </a:xfrm>
       </p:grpSpPr>
-      <mc:AlternateContent xmlns:mc="http://schemas.openxmlformats.org/markup-compatibility/2006">
-        <mc:Choice xmlns:a14="http://schemas.microsoft.com/office/drawing/2010/main" Requires="a14">
+      <mc:AlternateContent xmlns:mc="http://schemas.openxmlformats.org/markup-compatibility/2006" xmlns:a14="http://schemas.microsoft.com/office/drawing/2010/main">
+        <mc:Choice Requires="a14">
           <p:sp>
             <p:nvSpPr>
               <p:cNvPr id="10" name="TextBox 9"/>
@@ -6032,17 +8168,14 @@
                 </a14:m>
                 <a:r>
                   <a:rPr lang="ru-RU" sz="2200" dirty="0" smtClean="0"/>
-                  <a:t> на границе раздела сред</a:t>
-                </a:r>
-                <a:r>
-                  <a:rPr lang="ru-RU" sz="2200" dirty="0" smtClean="0"/>
-                  <a:t>:</a:t>
+                  <a:t> на границе раздела сред:</a:t>
                 </a:r>
               </a:p>
               <a:p>
                 <a:endParaRPr lang="ru-RU" sz="2200" dirty="0"/>
               </a:p>
               <a:p>
+                <a:pPr/>
                 <a14:m>
                   <m:oMathPara xmlns:m="http://schemas.openxmlformats.org/officeDocument/2006/math">
                     <m:oMathParaPr>
@@ -6251,7 +8384,7 @@
             </p:txBody>
           </p:sp>
         </mc:Choice>
-        <mc:Fallback>
+        <mc:Fallback xmlns="">
           <p:sp>
             <p:nvSpPr>
               <p:cNvPr id="10" name="TextBox 9"/>
@@ -6301,7 +8434,7 @@
             <p:spPr>
               <a:xfrm>
                 <a:off x="170655" y="3146999"/>
-                <a:ext cx="11801470" cy="1774973"/>
+                <a:ext cx="11801470" cy="1807161"/>
               </a:xfrm>
               <a:prstGeom prst="rect">
                 <a:avLst/>
@@ -6359,17 +8492,14 @@
                 </a:r>
                 <a:r>
                   <a:rPr lang="ru-RU" sz="2200" dirty="0" smtClean="0"/>
-                  <a:t>на границе раздела сред</a:t>
-                </a:r>
-                <a:r>
-                  <a:rPr lang="ru-RU" sz="2200" dirty="0" smtClean="0"/>
-                  <a:t>:</a:t>
+                  <a:t>на границе раздела сред:</a:t>
                 </a:r>
               </a:p>
               <a:p>
                 <a:endParaRPr lang="ru-RU" sz="2200" dirty="0"/>
               </a:p>
               <a:p>
+                <a:pPr/>
                 <a14:m>
                   <m:oMathPara xmlns:m="http://schemas.openxmlformats.org/officeDocument/2006/math">
                     <m:oMathParaPr>
@@ -6616,10 +8746,10 @@
                         </m:e>
                       </m:d>
                       <m:r>
-                        <a:rPr lang="ru-RU" sz="2200">
+                        <a:rPr lang="en-US" sz="2200" b="0" i="1" smtClean="0">
                           <a:latin typeface="Cambria Math" panose="02040503050406030204" pitchFamily="18" charset="0"/>
                         </a:rPr>
-                        <m:t>−</m:t>
+                        <m:t>+</m:t>
                       </m:r>
                       <m:sSub>
                         <m:sSubPr>
@@ -6796,6 +8926,30 @@
                         </a:rPr>
                         <m:t>𝑅</m:t>
                       </m:r>
+                      <m:r>
+                        <a:rPr lang="ru-RU" sz="2200" b="0" i="1" smtClean="0">
+                          <a:latin typeface="Cambria Math" panose="02040503050406030204" pitchFamily="18" charset="0"/>
+                        </a:rPr>
+                        <m:t>         </m:t>
+                      </m:r>
+                      <m:r>
+                        <a:rPr lang="ru-RU" sz="2200" i="1">
+                          <a:latin typeface="Cambria Math" panose="02040503050406030204" pitchFamily="18" charset="0"/>
+                        </a:rPr>
+                        <m:t>(</m:t>
+                      </m:r>
+                      <m:r>
+                        <a:rPr lang="ru-RU" sz="2200" b="0" i="1" smtClean="0">
+                          <a:latin typeface="Cambria Math" panose="02040503050406030204" pitchFamily="18" charset="0"/>
+                        </a:rPr>
+                        <m:t>10</m:t>
+                      </m:r>
+                      <m:r>
+                        <a:rPr lang="ru-RU" sz="2200" i="1">
+                          <a:latin typeface="Cambria Math" panose="02040503050406030204" pitchFamily="18" charset="0"/>
+                        </a:rPr>
+                        <m:t>)</m:t>
+                      </m:r>
                     </m:oMath>
                   </m:oMathPara>
                 </a14:m>
@@ -6824,7 +8978,7 @@
             <p:spPr>
               <a:xfrm>
                 <a:off x="170655" y="3146999"/>
-                <a:ext cx="11801470" cy="1774973"/>
+                <a:ext cx="11801470" cy="1807161"/>
               </a:xfrm>
               <a:prstGeom prst="rect">
                 <a:avLst/>
@@ -6868,7 +9022,7 @@
           <a:p>
             <a:fld id="{EAC0DF89-5B13-44F7-A1DF-4EC2E0A738B9}" type="slidenum">
               <a:rPr lang="ru-RU" smtClean="0"/>
-              <a:t>4</a:t>
+              <a:t>5</a:t>
             </a:fld>
             <a:endParaRPr lang="ru-RU"/>
           </a:p>
@@ -6930,8 +9084,8 @@
           </a:p>
         </p:txBody>
       </p:sp>
-      <mc:AlternateContent xmlns:mc="http://schemas.openxmlformats.org/markup-compatibility/2006">
-        <mc:Choice xmlns:a14="http://schemas.microsoft.com/office/drawing/2010/main" Requires="a14">
+      <mc:AlternateContent xmlns:mc="http://schemas.openxmlformats.org/markup-compatibility/2006" xmlns:a14="http://schemas.microsoft.com/office/drawing/2010/main">
+        <mc:Choice Requires="a14">
           <p:sp>
             <p:nvSpPr>
               <p:cNvPr id="23" name="TextBox 22"/>
@@ -6976,6 +9130,7 @@
                 <a:endParaRPr lang="ru-RU" sz="2200" dirty="0" smtClean="0"/>
               </a:p>
               <a:p>
+                <a:pPr/>
                 <a14:m>
                   <m:oMathPara xmlns:m="http://schemas.openxmlformats.org/officeDocument/2006/math">
                     <m:oMathParaPr>
@@ -7145,7 +9300,7 @@
             </p:txBody>
           </p:sp>
         </mc:Choice>
-        <mc:Fallback>
+        <mc:Fallback xmlns="">
           <p:sp>
             <p:nvSpPr>
               <p:cNvPr id="23" name="TextBox 22"/>
@@ -7195,7 +9350,7 @@
             <p:spPr>
               <a:xfrm>
                 <a:off x="170655" y="5274009"/>
-                <a:ext cx="6573045" cy="1244571"/>
+                <a:ext cx="7779545" cy="1244571"/>
               </a:xfrm>
               <a:prstGeom prst="rect">
                 <a:avLst/>
@@ -7399,7 +9554,6 @@
                 <a:endParaRPr lang="en-US" sz="2200" dirty="0" smtClean="0"/>
               </a:p>
               <a:p>
-                <a:pPr/>
                 <a:r>
                   <a:rPr lang="en-US" sz="2200" dirty="0" smtClean="0"/>
                   <a:t>				</a:t>
@@ -7546,7 +9700,7 @@
             <p:spPr>
               <a:xfrm>
                 <a:off x="170655" y="5274009"/>
-                <a:ext cx="6573045" cy="1244571"/>
+                <a:ext cx="7779545" cy="1244571"/>
               </a:xfrm>
               <a:prstGeom prst="rect">
                 <a:avLst/>
@@ -7554,7 +9708,7 @@
               <a:blipFill>
                 <a:blip r:embed="rId5"/>
                 <a:stretch>
-                  <a:fillRect l="-1111"/>
+                  <a:fillRect l="-939"/>
                 </a:stretch>
               </a:blipFill>
             </p:spPr>
@@ -7583,8 +9737,8 @@
             </p:nvSpPr>
             <p:spPr>
               <a:xfrm>
-                <a:off x="7630711" y="5490990"/>
-                <a:ext cx="3525045" cy="810607"/>
+                <a:off x="8532411" y="5490990"/>
+                <a:ext cx="3278589" cy="810607"/>
               </a:xfrm>
               <a:prstGeom prst="rect">
                 <a:avLst/>
@@ -7644,7 +9798,15 @@
                 </a14:m>
                 <a:r>
                   <a:rPr lang="ru-RU" sz="2200" dirty="0" smtClean="0"/>
-                  <a:t> - намагниченность </a:t>
+                  <a:t> </a:t>
+                </a:r>
+                <a:r>
+                  <a:rPr lang="en-US" sz="2200" dirty="0"/>
+                  <a:t>–</a:t>
+                </a:r>
+                <a:r>
+                  <a:rPr lang="ru-RU" sz="2200" dirty="0" smtClean="0"/>
+                  <a:t> намагниченность </a:t>
                 </a:r>
                 <a:r>
                   <a:rPr lang="ru-RU" sz="2200" dirty="0"/>
@@ -7670,8 +9832,8 @@
             </p:nvSpPr>
             <p:spPr>
               <a:xfrm>
-                <a:off x="7630711" y="5490990"/>
-                <a:ext cx="3525045" cy="810607"/>
+                <a:off x="8532411" y="5490990"/>
+                <a:ext cx="3278589" cy="810607"/>
               </a:xfrm>
               <a:prstGeom prst="rect">
                 <a:avLst/>
@@ -7679,7 +9841,101 @@
               <a:blipFill>
                 <a:blip r:embed="rId6"/>
                 <a:stretch>
-                  <a:fillRect l="-2249" b="-14286"/>
+                  <a:fillRect l="-2416" b="-14286"/>
+                </a:stretch>
+              </a:blipFill>
+            </p:spPr>
+            <p:txBody>
+              <a:bodyPr/>
+              <a:lstStyle/>
+              <a:p>
+                <a:r>
+                  <a:rPr lang="ru-RU">
+                    <a:noFill/>
+                  </a:rPr>
+                  <a:t> </a:t>
+                </a:r>
+              </a:p>
+            </p:txBody>
+          </p:sp>
+        </mc:Fallback>
+      </mc:AlternateContent>
+      <mc:AlternateContent xmlns:mc="http://schemas.openxmlformats.org/markup-compatibility/2006">
+        <mc:Choice xmlns:a14="http://schemas.microsoft.com/office/drawing/2010/main" Requires="a14">
+          <p:sp>
+            <p:nvSpPr>
+              <p:cNvPr id="2" name="Прямоугольник 1"/>
+              <p:cNvSpPr/>
+              <p:nvPr/>
+            </p:nvSpPr>
+            <p:spPr>
+              <a:xfrm>
+                <a:off x="7089690" y="5680849"/>
+                <a:ext cx="793807" cy="430887"/>
+              </a:xfrm>
+              <a:prstGeom prst="rect">
+                <a:avLst/>
+              </a:prstGeom>
+            </p:spPr>
+            <p:txBody>
+              <a:bodyPr wrap="none">
+                <a:spAutoFit/>
+              </a:bodyPr>
+              <a:lstStyle/>
+              <a:p>
+                <a14:m>
+                  <m:oMathPara xmlns:m="http://schemas.openxmlformats.org/officeDocument/2006/math">
+                    <m:oMathParaPr>
+                      <m:jc m:val="centerGroup"/>
+                    </m:oMathParaPr>
+                    <m:oMath xmlns:m="http://schemas.openxmlformats.org/officeDocument/2006/math">
+                      <m:r>
+                        <a:rPr lang="ru-RU" sz="2200" i="1" smtClean="0">
+                          <a:latin typeface="Cambria Math" panose="02040503050406030204" pitchFamily="18" charset="0"/>
+                        </a:rPr>
+                        <m:t>(1</m:t>
+                      </m:r>
+                      <m:r>
+                        <a:rPr lang="ru-RU" sz="2200" b="0" i="1" smtClean="0">
+                          <a:latin typeface="Cambria Math" panose="02040503050406030204" pitchFamily="18" charset="0"/>
+                        </a:rPr>
+                        <m:t>1</m:t>
+                      </m:r>
+                      <m:r>
+                        <a:rPr lang="ru-RU" sz="2200" i="1">
+                          <a:latin typeface="Cambria Math" panose="02040503050406030204" pitchFamily="18" charset="0"/>
+                        </a:rPr>
+                        <m:t>)</m:t>
+                      </m:r>
+                    </m:oMath>
+                  </m:oMathPara>
+                </a14:m>
+                <a:endParaRPr lang="ru-RU" sz="2200" dirty="0"/>
+              </a:p>
+            </p:txBody>
+          </p:sp>
+        </mc:Choice>
+        <mc:Fallback>
+          <p:sp>
+            <p:nvSpPr>
+              <p:cNvPr id="2" name="Прямоугольник 1"/>
+              <p:cNvSpPr>
+                <a:spLocks noRot="1" noChangeAspect="1" noMove="1" noResize="1" noEditPoints="1" noAdjustHandles="1" noChangeArrowheads="1" noChangeShapeType="1" noTextEdit="1"/>
+              </p:cNvSpPr>
+              <p:nvPr/>
+            </p:nvSpPr>
+            <p:spPr>
+              <a:xfrm>
+                <a:off x="7089690" y="5680849"/>
+                <a:ext cx="793807" cy="430887"/>
+              </a:xfrm>
+              <a:prstGeom prst="rect">
+                <a:avLst/>
+              </a:prstGeom>
+              <a:blipFill>
+                <a:blip r:embed="rId7"/>
+                <a:stretch>
+                  <a:fillRect r="-769" b="-15493"/>
                 </a:stretch>
               </a:blipFill>
             </p:spPr>
@@ -7718,7 +9974,7 @@
 </p:sld>
 </file>
 
-<file path=ppt/slides/slide5.xml><?xml version="1.0" encoding="utf-8"?>
+<file path=ppt/slides/slide6.xml><?xml version="1.0" encoding="utf-8"?>
 <p:sld xmlns:a="http://schemas.openxmlformats.org/drawingml/2006/main" xmlns:r="http://schemas.openxmlformats.org/officeDocument/2006/relationships" xmlns:p="http://schemas.openxmlformats.org/presentationml/2006/main">
   <p:cSld>
     <p:spTree>
@@ -7752,7 +10008,7 @@
           <a:p>
             <a:fld id="{EAC0DF89-5B13-44F7-A1DF-4EC2E0A738B9}" type="slidenum">
               <a:rPr lang="ru-RU" smtClean="0"/>
-              <a:t>5</a:t>
+              <a:t>6</a:t>
             </a:fld>
             <a:endParaRPr lang="ru-RU"/>
           </a:p>
@@ -7769,7 +10025,7 @@
             <p:spPr>
               <a:xfrm>
                 <a:off x="176215" y="1460214"/>
-                <a:ext cx="5537862" cy="430887"/>
+                <a:ext cx="5274457" cy="430887"/>
               </a:xfrm>
               <a:prstGeom prst="rect">
                 <a:avLst/>
@@ -7881,43 +10137,18 @@
                             </m:sSubPr>
                             <m:e>
                               <m:r>
-                                <a:rPr lang="ru-RU" sz="2200" i="0">
-                                  <a:latin typeface="Cambria Math" panose="02040503050406030204" pitchFamily="18" charset="0"/>
-                                </a:rPr>
-                                <m:t>С</m:t>
+                                <a:rPr lang="ru-RU" sz="2200" i="1">
+                                  <a:latin typeface="Cambria Math" panose="02040503050406030204" pitchFamily="18" charset="0"/>
+                                </a:rPr>
+                                <m:t>𝑓</m:t>
                               </m:r>
                             </m:e>
                             <m:sub>
                               <m:r>
-                                <a:rPr lang="ru-RU" sz="2200" i="0">
+                                <a:rPr lang="ru-RU" sz="2200" b="0" i="1" smtClean="0">
                                   <a:latin typeface="Cambria Math" panose="02040503050406030204" pitchFamily="18" charset="0"/>
                                 </a:rPr>
                                 <m:t>1</m:t>
-                              </m:r>
-                            </m:sub>
-                          </m:sSub>
-                          <m:sSub>
-                            <m:sSubPr>
-                              <m:ctrlPr>
-                                <a:rPr lang="ru-RU" sz="2200" i="1">
-                                  <a:latin typeface="Cambria Math" panose="02040503050406030204" pitchFamily="18" charset="0"/>
-                                </a:rPr>
-                              </m:ctrlPr>
-                            </m:sSubPr>
-                            <m:e>
-                              <m:r>
-                                <a:rPr lang="ru-RU" sz="2200" i="1">
-                                  <a:latin typeface="Cambria Math" panose="02040503050406030204" pitchFamily="18" charset="0"/>
-                                </a:rPr>
-                                <m:t>𝐼</m:t>
-                              </m:r>
-                            </m:e>
-                            <m:sub>
-                              <m:r>
-                                <a:rPr lang="ru-RU" sz="2200" i="1">
-                                  <a:latin typeface="Cambria Math" panose="02040503050406030204" pitchFamily="18" charset="0"/>
-                                </a:rPr>
-                                <m:t>𝑙</m:t>
                               </m:r>
                             </m:sub>
                           </m:sSub>
@@ -7934,7 +10165,7 @@
                                 <a:rPr lang="ru-RU" sz="2200" i="1">
                                   <a:latin typeface="Cambria Math" panose="02040503050406030204" pitchFamily="18" charset="0"/>
                                 </a:rPr>
-                                <m:t>𝑘𝑟</m:t>
+                                <m:t>𝑟</m:t>
                               </m:r>
                             </m:e>
                           </m:d>
@@ -8054,7 +10285,7 @@
             <p:spPr>
               <a:xfrm>
                 <a:off x="176215" y="1460214"/>
-                <a:ext cx="5537862" cy="430887"/>
+                <a:ext cx="5274457" cy="430887"/>
               </a:xfrm>
               <a:prstGeom prst="rect">
                 <a:avLst/>
@@ -8062,7 +10293,7 @@
               <a:blipFill>
                 <a:blip r:embed="rId2"/>
                 <a:stretch>
-                  <a:fillRect b="-8571"/>
+                  <a:fillRect b="-15714"/>
                 </a:stretch>
               </a:blipFill>
             </p:spPr>
@@ -8081,8 +10312,8 @@
           </p:sp>
         </mc:Fallback>
       </mc:AlternateContent>
-      <mc:AlternateContent xmlns:mc="http://schemas.openxmlformats.org/markup-compatibility/2006">
-        <mc:Choice xmlns:a14="http://schemas.microsoft.com/office/drawing/2010/main" Requires="a14">
+      <mc:AlternateContent xmlns:mc="http://schemas.openxmlformats.org/markup-compatibility/2006" xmlns:a14="http://schemas.microsoft.com/office/drawing/2010/main">
+        <mc:Choice Requires="a14">
           <p:sp>
             <p:nvSpPr>
               <p:cNvPr id="7" name="Прямоугольник 6"/>
@@ -8375,7 +10606,7 @@
             </p:txBody>
           </p:sp>
         </mc:Choice>
-        <mc:Fallback>
+        <mc:Fallback xmlns="">
           <p:sp>
             <p:nvSpPr>
               <p:cNvPr id="7" name="Прямоугольник 6"/>
@@ -8414,8 +10645,8 @@
           </p:sp>
         </mc:Fallback>
       </mc:AlternateContent>
-      <mc:AlternateContent xmlns:mc="http://schemas.openxmlformats.org/markup-compatibility/2006">
-        <mc:Choice xmlns:a14="http://schemas.microsoft.com/office/drawing/2010/main" Requires="a14">
+      <mc:AlternateContent xmlns:mc="http://schemas.openxmlformats.org/markup-compatibility/2006" xmlns:a14="http://schemas.microsoft.com/office/drawing/2010/main">
+        <mc:Choice Requires="a14">
           <p:sp>
             <p:nvSpPr>
               <p:cNvPr id="8" name="Прямоугольник 7"/>
@@ -8708,7 +10939,7 @@
             </p:txBody>
           </p:sp>
         </mc:Choice>
-        <mc:Fallback>
+        <mc:Fallback xmlns="">
           <p:sp>
             <p:nvSpPr>
               <p:cNvPr id="8" name="Прямоугольник 7"/>
@@ -8747,8 +10978,8 @@
           </p:sp>
         </mc:Fallback>
       </mc:AlternateContent>
-      <mc:AlternateContent xmlns:mc="http://schemas.openxmlformats.org/markup-compatibility/2006">
-        <mc:Choice xmlns:a14="http://schemas.microsoft.com/office/drawing/2010/main" Requires="a14">
+      <mc:AlternateContent xmlns:mc="http://schemas.openxmlformats.org/markup-compatibility/2006" xmlns:a14="http://schemas.microsoft.com/office/drawing/2010/main">
+        <mc:Choice Requires="a14">
           <p:sp>
             <p:nvSpPr>
               <p:cNvPr id="11" name="Прямоугольник 10"/>
@@ -8955,7 +11186,7 @@
             </p:txBody>
           </p:sp>
         </mc:Choice>
-        <mc:Fallback>
+        <mc:Fallback xmlns="">
           <p:sp>
             <p:nvSpPr>
               <p:cNvPr id="11" name="Прямоугольник 10"/>
@@ -9067,7 +11298,7 @@
             <p:spPr>
               <a:xfrm>
                 <a:off x="176215" y="2999499"/>
-                <a:ext cx="7902604" cy="1136850"/>
+                <a:ext cx="7902604" cy="1169038"/>
               </a:xfrm>
               <a:prstGeom prst="rect">
                 <a:avLst/>
@@ -9103,6 +11334,7 @@
                 </a:endParaRPr>
               </a:p>
               <a:p>
+                <a:pPr/>
                 <a14:m>
                   <m:oMathPara xmlns:m="http://schemas.openxmlformats.org/officeDocument/2006/math">
                     <m:oMathParaPr>
@@ -9112,7 +11344,7 @@
                       <m:sSup>
                         <m:sSupPr>
                           <m:ctrlPr>
-                            <a:rPr lang="ru-RU" sz="2200" smtClean="0">
+                            <a:rPr lang="ru-RU" sz="2200" i="1" smtClean="0">
                               <a:latin typeface="Cambria Math" panose="02040503050406030204" pitchFamily="18" charset="0"/>
                             </a:rPr>
                           </m:ctrlPr>
@@ -9292,6 +11524,98 @@
                                 <a:rPr lang="ru-RU" sz="2200" i="1">
                                   <a:latin typeface="Cambria Math" panose="02040503050406030204" pitchFamily="18" charset="0"/>
                                 </a:rPr>
+                                <m:t>𝐾</m:t>
+                              </m:r>
+                            </m:sub>
+                          </m:sSub>
+                          <m:sSub>
+                            <m:sSubPr>
+                              <m:ctrlPr>
+                                <a:rPr lang="ru-RU" sz="2200" i="1">
+                                  <a:latin typeface="Cambria Math" panose="02040503050406030204" pitchFamily="18" charset="0"/>
+                                </a:rPr>
+                              </m:ctrlPr>
+                            </m:sSubPr>
+                            <m:e>
+                              <m:r>
+                                <a:rPr lang="ru-RU" sz="2200" i="1">
+                                  <a:latin typeface="Cambria Math" panose="02040503050406030204" pitchFamily="18" charset="0"/>
+                                </a:rPr>
+                                <m:t>𝑆</m:t>
+                              </m:r>
+                            </m:e>
+                            <m:sub>
+                              <m:r>
+                                <a:rPr lang="ru-RU" sz="2200" i="1">
+                                  <a:latin typeface="Cambria Math" panose="02040503050406030204" pitchFamily="18" charset="0"/>
+                                </a:rPr>
+                                <m:t>𝐼</m:t>
+                              </m:r>
+                            </m:sub>
+                          </m:sSub>
+                          <m:sSup>
+                            <m:sSupPr>
+                              <m:ctrlPr>
+                                <a:rPr lang="ru-RU" sz="2200" i="1">
+                                  <a:latin typeface="Cambria Math" panose="02040503050406030204" pitchFamily="18" charset="0"/>
+                                </a:rPr>
+                              </m:ctrlPr>
+                            </m:sSupPr>
+                            <m:e>
+                              <m:r>
+                                <a:rPr lang="ru-RU" sz="2200" i="1">
+                                  <a:latin typeface="Cambria Math" panose="02040503050406030204" pitchFamily="18" charset="0"/>
+                                </a:rPr>
+                                <m:t>𝜇</m:t>
+                              </m:r>
+                            </m:e>
+                            <m:sup>
+                              <m:d>
+                                <m:dPr>
+                                  <m:ctrlPr>
+                                    <a:rPr lang="ru-RU" sz="2200" i="1">
+                                      <a:latin typeface="Cambria Math" panose="02040503050406030204" pitchFamily="18" charset="0"/>
+                                    </a:rPr>
+                                  </m:ctrlPr>
+                                </m:dPr>
+                                <m:e>
+                                  <m:r>
+                                    <a:rPr lang="ru-RU" sz="2200">
+                                      <a:latin typeface="Cambria Math" panose="02040503050406030204" pitchFamily="18" charset="0"/>
+                                    </a:rPr>
+                                    <m:t>1</m:t>
+                                  </m:r>
+                                </m:e>
+                              </m:d>
+                            </m:sup>
+                          </m:sSup>
+                          <m:r>
+                            <a:rPr lang="en-US" sz="2200" b="0" i="1" smtClean="0">
+                              <a:latin typeface="Cambria Math" panose="02040503050406030204" pitchFamily="18" charset="0"/>
+                            </a:rPr>
+                            <m:t>−</m:t>
+                          </m:r>
+                          <m:sSub>
+                            <m:sSubPr>
+                              <m:ctrlPr>
+                                <a:rPr lang="ru-RU" sz="2200" i="1">
+                                  <a:latin typeface="Cambria Math" panose="02040503050406030204" pitchFamily="18" charset="0"/>
+                                </a:rPr>
+                              </m:ctrlPr>
+                            </m:sSubPr>
+                            <m:e>
+                              <m:r>
+                                <a:rPr lang="ru-RU" sz="2200" i="1">
+                                  <a:latin typeface="Cambria Math" panose="02040503050406030204" pitchFamily="18" charset="0"/>
+                                </a:rPr>
+                                <m:t>𝑠</m:t>
+                              </m:r>
+                            </m:e>
+                            <m:sub>
+                              <m:r>
+                                <a:rPr lang="ru-RU" sz="2200" i="1">
+                                  <a:latin typeface="Cambria Math" panose="02040503050406030204" pitchFamily="18" charset="0"/>
+                                </a:rPr>
                                 <m:t>𝐼</m:t>
                               </m:r>
                             </m:sub>
@@ -9352,98 +11676,6 @@
                                       <a:latin typeface="Cambria Math" panose="02040503050406030204" pitchFamily="18" charset="0"/>
                                     </a:rPr>
                                     <m:t>2</m:t>
-                                  </m:r>
-                                </m:e>
-                              </m:d>
-                            </m:sup>
-                          </m:sSup>
-                          <m:r>
-                            <a:rPr lang="ru-RU" sz="2200">
-                              <a:latin typeface="Cambria Math" panose="02040503050406030204" pitchFamily="18" charset="0"/>
-                            </a:rPr>
-                            <m:t>−</m:t>
-                          </m:r>
-                          <m:sSub>
-                            <m:sSubPr>
-                              <m:ctrlPr>
-                                <a:rPr lang="ru-RU" sz="2200" i="1">
-                                  <a:latin typeface="Cambria Math" panose="02040503050406030204" pitchFamily="18" charset="0"/>
-                                </a:rPr>
-                              </m:ctrlPr>
-                            </m:sSubPr>
-                            <m:e>
-                              <m:r>
-                                <a:rPr lang="ru-RU" sz="2200" i="1">
-                                  <a:latin typeface="Cambria Math" panose="02040503050406030204" pitchFamily="18" charset="0"/>
-                                </a:rPr>
-                                <m:t>𝑠</m:t>
-                              </m:r>
-                            </m:e>
-                            <m:sub>
-                              <m:r>
-                                <a:rPr lang="ru-RU" sz="2200" i="1">
-                                  <a:latin typeface="Cambria Math" panose="02040503050406030204" pitchFamily="18" charset="0"/>
-                                </a:rPr>
-                                <m:t>𝐾</m:t>
-                              </m:r>
-                            </m:sub>
-                          </m:sSub>
-                          <m:sSub>
-                            <m:sSubPr>
-                              <m:ctrlPr>
-                                <a:rPr lang="ru-RU" sz="2200" i="1">
-                                  <a:latin typeface="Cambria Math" panose="02040503050406030204" pitchFamily="18" charset="0"/>
-                                </a:rPr>
-                              </m:ctrlPr>
-                            </m:sSubPr>
-                            <m:e>
-                              <m:r>
-                                <a:rPr lang="ru-RU" sz="2200" i="1">
-                                  <a:latin typeface="Cambria Math" panose="02040503050406030204" pitchFamily="18" charset="0"/>
-                                </a:rPr>
-                                <m:t>𝑆</m:t>
-                              </m:r>
-                            </m:e>
-                            <m:sub>
-                              <m:r>
-                                <a:rPr lang="ru-RU" sz="2200" i="1">
-                                  <a:latin typeface="Cambria Math" panose="02040503050406030204" pitchFamily="18" charset="0"/>
-                                </a:rPr>
-                                <m:t>𝐼</m:t>
-                              </m:r>
-                            </m:sub>
-                          </m:sSub>
-                          <m:sSup>
-                            <m:sSupPr>
-                              <m:ctrlPr>
-                                <a:rPr lang="ru-RU" sz="2200" i="1">
-                                  <a:latin typeface="Cambria Math" panose="02040503050406030204" pitchFamily="18" charset="0"/>
-                                </a:rPr>
-                              </m:ctrlPr>
-                            </m:sSupPr>
-                            <m:e>
-                              <m:r>
-                                <a:rPr lang="ru-RU" sz="2200" i="1">
-                                  <a:latin typeface="Cambria Math" panose="02040503050406030204" pitchFamily="18" charset="0"/>
-                                </a:rPr>
-                                <m:t>𝜇</m:t>
-                              </m:r>
-                            </m:e>
-                            <m:sup>
-                              <m:d>
-                                <m:dPr>
-                                  <m:ctrlPr>
-                                    <a:rPr lang="ru-RU" sz="2200" i="1">
-                                      <a:latin typeface="Cambria Math" panose="02040503050406030204" pitchFamily="18" charset="0"/>
-                                    </a:rPr>
-                                  </m:ctrlPr>
-                                </m:dPr>
-                                <m:e>
-                                  <m:r>
-                                    <a:rPr lang="ru-RU" sz="2200">
-                                      <a:latin typeface="Cambria Math" panose="02040503050406030204" pitchFamily="18" charset="0"/>
-                                    </a:rPr>
-                                    <m:t>1</m:t>
                                   </m:r>
                                 </m:e>
                               </m:d>
@@ -9627,7 +11859,7 @@
             <p:spPr>
               <a:xfrm>
                 <a:off x="176215" y="2999499"/>
-                <a:ext cx="7902604" cy="1136850"/>
+                <a:ext cx="7902604" cy="1169038"/>
               </a:xfrm>
               <a:prstGeom prst="rect">
                 <a:avLst/>
@@ -9654,8 +11886,8 @@
           </p:sp>
         </mc:Fallback>
       </mc:AlternateContent>
-      <mc:AlternateContent xmlns:mc="http://schemas.openxmlformats.org/markup-compatibility/2006">
-        <mc:Choice xmlns:a14="http://schemas.microsoft.com/office/drawing/2010/main" Requires="a14">
+      <mc:AlternateContent xmlns:mc="http://schemas.openxmlformats.org/markup-compatibility/2006" xmlns:a14="http://schemas.microsoft.com/office/drawing/2010/main">
+        <mc:Choice Requires="a14">
           <p:sp>
             <p:nvSpPr>
               <p:cNvPr id="3" name="Прямоугольник 2"/>
@@ -9738,7 +11970,7 @@
             </p:txBody>
           </p:sp>
         </mc:Choice>
-        <mc:Fallback>
+        <mc:Fallback xmlns="">
           <p:sp>
             <p:nvSpPr>
               <p:cNvPr id="3" name="Прямоугольник 2"/>
@@ -9807,8 +12039,8 @@
           </a:p>
         </p:txBody>
       </p:sp>
-      <mc:AlternateContent xmlns:mc="http://schemas.openxmlformats.org/markup-compatibility/2006">
-        <mc:Choice xmlns:a14="http://schemas.microsoft.com/office/drawing/2010/main" Requires="a14">
+      <mc:AlternateContent xmlns:mc="http://schemas.openxmlformats.org/markup-compatibility/2006" xmlns:a14="http://schemas.microsoft.com/office/drawing/2010/main">
+        <mc:Choice Requires="a14">
           <p:sp>
             <p:nvSpPr>
               <p:cNvPr id="16" name="Прямоугольник 15"/>
@@ -10116,7 +12348,6 @@
                 <a:endParaRPr lang="ru-RU" sz="2000" dirty="0" smtClean="0"/>
               </a:p>
               <a:p>
-                <a:pPr/>
                 <a:endParaRPr lang="ru-RU" sz="2000" dirty="0"/>
               </a:p>
               <a:p>
@@ -10391,7 +12622,7 @@
             </p:txBody>
           </p:sp>
         </mc:Choice>
-        <mc:Fallback>
+        <mc:Fallback xmlns="">
           <p:sp>
             <p:nvSpPr>
               <p:cNvPr id="16" name="Прямоугольник 15"/>
@@ -10479,7 +12710,7 @@
 </p:sld>
 </file>
 
-<file path=ppt/slides/slide6.xml><?xml version="1.0" encoding="utf-8"?>
+<file path=ppt/slides/slide7.xml><?xml version="1.0" encoding="utf-8"?>
 <p:sld xmlns:a="http://schemas.openxmlformats.org/drawingml/2006/main" xmlns:r="http://schemas.openxmlformats.org/officeDocument/2006/relationships" xmlns:p="http://schemas.openxmlformats.org/presentationml/2006/main">
   <p:cSld>
     <p:spTree>
@@ -10496,6 +12727,30 @@
           <a:chExt cx="0" cy="0"/>
         </a:xfrm>
       </p:grpSpPr>
+      <p:pic>
+        <p:nvPicPr>
+          <p:cNvPr id="3" name="Рисунок 2"/>
+          <p:cNvPicPr>
+            <a:picLocks noChangeAspect="1"/>
+          </p:cNvPicPr>
+          <p:nvPr/>
+        </p:nvPicPr>
+        <p:blipFill>
+          <a:blip r:embed="rId2"/>
+          <a:stretch>
+            <a:fillRect/>
+          </a:stretch>
+        </p:blipFill>
+        <p:spPr>
+          <a:xfrm>
+            <a:off x="229186" y="548775"/>
+            <a:ext cx="7556645" cy="4897380"/>
+          </a:xfrm>
+          <a:prstGeom prst="rect">
+            <a:avLst/>
+          </a:prstGeom>
+        </p:spPr>
+      </p:pic>
       <p:sp>
         <p:nvSpPr>
           <p:cNvPr id="4" name="Номер слайда 3"/>
@@ -10513,7 +12768,7 @@
           <a:p>
             <a:fld id="{EAC0DF89-5B13-44F7-A1DF-4EC2E0A738B9}" type="slidenum">
               <a:rPr lang="ru-RU" smtClean="0"/>
-              <a:t>6</a:t>
+              <a:t>7</a:t>
             </a:fld>
             <a:endParaRPr lang="ru-RU"/>
           </a:p>
@@ -10570,7 +12825,7 @@
                 </a:solidFill>
                 <a:cs typeface="Arial" panose="020B0604020202020204" pitchFamily="34" charset="0"/>
               </a:rPr>
-              <a:t>Решение задачи</a:t>
+              <a:t>Анализ дисперсионного уравнения</a:t>
             </a:r>
             <a:endParaRPr lang="ru-RU" sz="2800" dirty="0">
               <a:solidFill>
@@ -10591,30 +12846,42 @@
             </p:nvSpPr>
             <p:spPr>
               <a:xfrm>
-                <a:off x="1664665" y="3942834"/>
-                <a:ext cx="746615" cy="369332"/>
+                <a:off x="8074744" y="858707"/>
+                <a:ext cx="3814911" cy="3477875"/>
               </a:xfrm>
               <a:prstGeom prst="rect">
                 <a:avLst/>
               </a:prstGeom>
             </p:spPr>
             <p:txBody>
-              <a:bodyPr wrap="none">
+              <a:bodyPr wrap="square">
                 <a:spAutoFit/>
               </a:bodyPr>
               <a:lstStyle/>
               <a:p>
+                <a:r>
+                  <a:rPr lang="ru-RU" sz="2200" dirty="0" smtClean="0">
+                    <a:ea typeface="Cambria Math" panose="02040503050406030204" pitchFamily="18" charset="0"/>
+                  </a:rPr>
+                  <a:t>В</a:t>
+                </a:r>
+                <a:r>
+                  <a:rPr lang="ru-RU" sz="2200" dirty="0" smtClean="0">
+                    <a:ea typeface="Cambria Math" panose="02040503050406030204" pitchFamily="18" charset="0"/>
+                  </a:rPr>
+                  <a:t>клад в развитие неустойчивости дают только моды с  </a:t>
+                </a:r>
                 <a14:m>
                   <m:oMath xmlns:m="http://schemas.openxmlformats.org/officeDocument/2006/math">
                     <m:r>
-                      <a:rPr lang="en-US" b="0" i="1" smtClean="0">
+                      <a:rPr lang="en-US" sz="2200" b="0" i="1" smtClean="0">
                         <a:latin typeface="Cambria Math" panose="02040503050406030204" pitchFamily="18" charset="0"/>
                         <a:ea typeface="Cambria Math" panose="02040503050406030204" pitchFamily="18" charset="0"/>
                       </a:rPr>
                       <m:t>𝑙</m:t>
                     </m:r>
                     <m:r>
-                      <a:rPr lang="en-US" b="0" i="1" smtClean="0">
+                      <a:rPr lang="en-US" sz="2200" b="0" i="1" smtClean="0">
                         <a:latin typeface="Cambria Math" panose="02040503050406030204" pitchFamily="18" charset="0"/>
                         <a:ea typeface="Cambria Math" panose="02040503050406030204" pitchFamily="18" charset="0"/>
                       </a:rPr>
@@ -10622,9 +12889,20 @@
                     </m:r>
                   </m:oMath>
                 </a14:m>
+                <a:endParaRPr lang="en-US" sz="2200" b="0" dirty="0" smtClean="0">
+                  <a:ea typeface="Cambria Math" panose="02040503050406030204" pitchFamily="18" charset="0"/>
+                </a:endParaRPr>
+              </a:p>
+              <a:p>
+                <a:endParaRPr lang="en-US" sz="2200" dirty="0" smtClean="0"/>
+              </a:p>
+              <a:p>
+                <a:endParaRPr lang="en-US" sz="2200" dirty="0"/>
+              </a:p>
+              <a:p>
                 <a:r>
-                  <a:rPr lang="ru-RU" dirty="0"/>
-                  <a:t> </a:t>
+                  <a:rPr lang="ru-RU" sz="2200" dirty="0" smtClean="0"/>
+                  <a:t>Диапазон неустойчивых мод сужается при увеличении намагниченности (магнитного поля) и смещается в сторону более длинных волн.</a:t>
                 </a:r>
               </a:p>
             </p:txBody>
@@ -10641,16 +12919,782 @@
             </p:nvSpPr>
             <p:spPr>
               <a:xfrm>
-                <a:off x="1664665" y="3942834"/>
-                <a:ext cx="746615" cy="369332"/>
+                <a:off x="8074744" y="858707"/>
+                <a:ext cx="3814911" cy="3477875"/>
               </a:xfrm>
               <a:prstGeom prst="rect">
                 <a:avLst/>
               </a:prstGeom>
               <a:blipFill>
-                <a:blip r:embed="rId2"/>
+                <a:blip r:embed="rId3"/>
                 <a:stretch>
-                  <a:fillRect/>
+                  <a:fillRect l="-2080" t="-1228" r="-3200" b="-2632"/>
+                </a:stretch>
+              </a:blipFill>
+            </p:spPr>
+            <p:txBody>
+              <a:bodyPr/>
+              <a:lstStyle/>
+              <a:p>
+                <a:r>
+                  <a:rPr lang="ru-RU">
+                    <a:noFill/>
+                  </a:rPr>
+                  <a:t> </a:t>
+                </a:r>
+              </a:p>
+            </p:txBody>
+          </p:sp>
+        </mc:Fallback>
+      </mc:AlternateContent>
+      <mc:AlternateContent xmlns:mc="http://schemas.openxmlformats.org/markup-compatibility/2006">
+        <mc:Choice xmlns:a14="http://schemas.microsoft.com/office/drawing/2010/main" Requires="a14">
+          <p:sp>
+            <p:nvSpPr>
+              <p:cNvPr id="8" name="TextBox 7"/>
+              <p:cNvSpPr txBox="1"/>
+              <p:nvPr/>
+            </p:nvSpPr>
+            <p:spPr>
+              <a:xfrm>
+                <a:off x="229186" y="5449553"/>
+                <a:ext cx="7556645" cy="1130951"/>
+              </a:xfrm>
+              <a:prstGeom prst="rect">
+                <a:avLst/>
+              </a:prstGeom>
+              <a:noFill/>
+            </p:spPr>
+            <p:txBody>
+              <a:bodyPr wrap="square" rtlCol="0">
+                <a:spAutoFit/>
+              </a:bodyPr>
+              <a:lstStyle/>
+              <a:p>
+                <a:pPr algn="ctr"/>
+                <a:r>
+                  <a:rPr lang="ru-RU" sz="2200" i="1" dirty="0" smtClean="0">
+                    <a:solidFill>
+                      <a:schemeClr val="tx1"/>
+                    </a:solidFill>
+                    <a:cs typeface="Arial" panose="020B0604020202020204" pitchFamily="34" charset="0"/>
+                  </a:rPr>
+                  <a:t>Рис. </a:t>
+                </a:r>
+                <a:r>
+                  <a:rPr lang="en-US" sz="2200" i="1" dirty="0" smtClean="0">
+                    <a:solidFill>
+                      <a:schemeClr val="tx1"/>
+                    </a:solidFill>
+                    <a:cs typeface="Arial" panose="020B0604020202020204" pitchFamily="34" charset="0"/>
+                  </a:rPr>
+                  <a:t>2</a:t>
+                </a:r>
+                <a:r>
+                  <a:rPr lang="ru-RU" sz="2200" i="1" dirty="0" smtClean="0">
+                    <a:solidFill>
+                      <a:schemeClr val="tx1"/>
+                    </a:solidFill>
+                    <a:cs typeface="Arial" panose="020B0604020202020204" pitchFamily="34" charset="0"/>
+                  </a:rPr>
+                  <a:t>.</a:t>
+                </a:r>
+                <a:r>
+                  <a:rPr lang="en-US" sz="2200" i="1" dirty="0" smtClean="0">
+                    <a:solidFill>
+                      <a:schemeClr val="tx1"/>
+                    </a:solidFill>
+                    <a:cs typeface="Arial" panose="020B0604020202020204" pitchFamily="34" charset="0"/>
+                  </a:rPr>
+                  <a:t> </a:t>
+                </a:r>
+                <a:r>
+                  <a:rPr lang="ru-RU" sz="2200" i="1" dirty="0" smtClean="0">
+                    <a:solidFill>
+                      <a:schemeClr val="tx1"/>
+                    </a:solidFill>
+                    <a:cs typeface="Arial" panose="020B0604020202020204" pitchFamily="34" charset="0"/>
+                  </a:rPr>
+                  <a:t>График зависимости квадрата частоты от волнового числа для осесимметричных </a:t>
+                </a:r>
+                <a:r>
+                  <a:rPr lang="ru-RU" sz="2200" i="1" dirty="0" smtClean="0">
+                    <a:solidFill>
+                      <a:schemeClr val="tx1"/>
+                    </a:solidFill>
+                    <a:cs typeface="Arial" panose="020B0604020202020204" pitchFamily="34" charset="0"/>
+                  </a:rPr>
+                  <a:t>возмущений (построено при параметрах:</a:t>
+                </a:r>
+                <a:r>
+                  <a:rPr lang="en-US" sz="2200" i="1" dirty="0" smtClean="0">
+                    <a:solidFill>
+                      <a:schemeClr val="tx1"/>
+                    </a:solidFill>
+                    <a:cs typeface="Arial" panose="020B0604020202020204" pitchFamily="34" charset="0"/>
+                  </a:rPr>
+                  <a:t> </a:t>
+                </a:r>
+                <a14:m>
+                  <m:oMath xmlns:m="http://schemas.openxmlformats.org/officeDocument/2006/math">
+                    <m:sSup>
+                      <m:sSupPr>
+                        <m:ctrlPr>
+                          <a:rPr lang="en-US" sz="2200" i="1">
+                            <a:latin typeface="Cambria Math" panose="02040503050406030204" pitchFamily="18" charset="0"/>
+                            <a:ea typeface="Cambria Math" panose="02040503050406030204" pitchFamily="18" charset="0"/>
+                          </a:rPr>
+                        </m:ctrlPr>
+                      </m:sSupPr>
+                      <m:e>
+                        <m:r>
+                          <a:rPr lang="en-US" sz="2200" i="1">
+                            <a:latin typeface="Cambria Math" panose="02040503050406030204" pitchFamily="18" charset="0"/>
+                            <a:ea typeface="Cambria Math" panose="02040503050406030204" pitchFamily="18" charset="0"/>
+                          </a:rPr>
+                          <m:t>𝜇</m:t>
+                        </m:r>
+                      </m:e>
+                      <m:sup>
+                        <m:d>
+                          <m:dPr>
+                            <m:ctrlPr>
+                              <a:rPr lang="en-US" sz="2200" i="1">
+                                <a:latin typeface="Cambria Math" panose="02040503050406030204" pitchFamily="18" charset="0"/>
+                                <a:ea typeface="Cambria Math" panose="02040503050406030204" pitchFamily="18" charset="0"/>
+                              </a:rPr>
+                            </m:ctrlPr>
+                          </m:dPr>
+                          <m:e>
+                            <m:r>
+                              <a:rPr lang="en-US" sz="2200" i="1">
+                                <a:latin typeface="Cambria Math" panose="02040503050406030204" pitchFamily="18" charset="0"/>
+                                <a:ea typeface="Cambria Math" panose="02040503050406030204" pitchFamily="18" charset="0"/>
+                              </a:rPr>
+                              <m:t>1</m:t>
+                            </m:r>
+                          </m:e>
+                        </m:d>
+                      </m:sup>
+                    </m:sSup>
+                    <m:r>
+                      <a:rPr lang="en-US" sz="2200" i="1">
+                        <a:latin typeface="Cambria Math" panose="02040503050406030204" pitchFamily="18" charset="0"/>
+                        <a:ea typeface="Cambria Math" panose="02040503050406030204" pitchFamily="18" charset="0"/>
+                      </a:rPr>
+                      <m:t>=90</m:t>
+                    </m:r>
+                  </m:oMath>
+                </a14:m>
+                <a:r>
+                  <a:rPr lang="en-US" sz="2200" i="1" dirty="0" smtClean="0">
+                    <a:solidFill>
+                      <a:schemeClr val="tx1"/>
+                    </a:solidFill>
+                    <a:cs typeface="Arial" panose="020B0604020202020204" pitchFamily="34" charset="0"/>
+                  </a:rPr>
+                  <a:t> </a:t>
+                </a:r>
+                <a:r>
+                  <a:rPr lang="ru-RU" sz="2200" i="1" dirty="0" smtClean="0">
+                    <a:solidFill>
+                      <a:schemeClr val="tx1"/>
+                    </a:solidFill>
+                    <a:cs typeface="Arial" panose="020B0604020202020204" pitchFamily="34" charset="0"/>
+                  </a:rPr>
+                  <a:t>и </a:t>
+                </a:r>
+                <a14:m>
+                  <m:oMath xmlns:m="http://schemas.openxmlformats.org/officeDocument/2006/math">
+                    <m:sSup>
+                      <m:sSupPr>
+                        <m:ctrlPr>
+                          <a:rPr lang="en-US" sz="2200" i="1">
+                            <a:latin typeface="Cambria Math" panose="02040503050406030204" pitchFamily="18" charset="0"/>
+                            <a:ea typeface="Cambria Math" panose="02040503050406030204" pitchFamily="18" charset="0"/>
+                          </a:rPr>
+                        </m:ctrlPr>
+                      </m:sSupPr>
+                      <m:e>
+                        <m:r>
+                          <a:rPr lang="en-US" sz="2200" i="1">
+                            <a:latin typeface="Cambria Math" panose="02040503050406030204" pitchFamily="18" charset="0"/>
+                            <a:ea typeface="Cambria Math" panose="02040503050406030204" pitchFamily="18" charset="0"/>
+                          </a:rPr>
+                          <m:t>𝜇</m:t>
+                        </m:r>
+                      </m:e>
+                      <m:sup>
+                        <m:d>
+                          <m:dPr>
+                            <m:ctrlPr>
+                              <a:rPr lang="en-US" sz="2200" i="1">
+                                <a:latin typeface="Cambria Math" panose="02040503050406030204" pitchFamily="18" charset="0"/>
+                                <a:ea typeface="Cambria Math" panose="02040503050406030204" pitchFamily="18" charset="0"/>
+                              </a:rPr>
+                            </m:ctrlPr>
+                          </m:dPr>
+                          <m:e>
+                            <m:r>
+                              <a:rPr lang="en-US" sz="2200" b="0" i="1" smtClean="0">
+                                <a:latin typeface="Cambria Math" panose="02040503050406030204" pitchFamily="18" charset="0"/>
+                                <a:ea typeface="Cambria Math" panose="02040503050406030204" pitchFamily="18" charset="0"/>
+                              </a:rPr>
+                              <m:t>2</m:t>
+                            </m:r>
+                          </m:e>
+                        </m:d>
+                      </m:sup>
+                    </m:sSup>
+                    <m:r>
+                      <a:rPr lang="en-US" sz="2200" i="1">
+                        <a:latin typeface="Cambria Math" panose="02040503050406030204" pitchFamily="18" charset="0"/>
+                        <a:ea typeface="Cambria Math" panose="02040503050406030204" pitchFamily="18" charset="0"/>
+                      </a:rPr>
+                      <m:t>=</m:t>
+                    </m:r>
+                    <m:r>
+                      <a:rPr lang="en-US" sz="2200" b="0" i="0" smtClean="0">
+                        <a:latin typeface="Cambria Math" panose="02040503050406030204" pitchFamily="18" charset="0"/>
+                        <a:ea typeface="Cambria Math" panose="02040503050406030204" pitchFamily="18" charset="0"/>
+                      </a:rPr>
+                      <m:t>1</m:t>
+                    </m:r>
+                  </m:oMath>
+                </a14:m>
+                <a:r>
+                  <a:rPr lang="ru-RU" sz="2200" i="1" dirty="0" smtClean="0">
+                    <a:solidFill>
+                      <a:schemeClr val="tx1"/>
+                    </a:solidFill>
+                    <a:cs typeface="Arial" panose="020B0604020202020204" pitchFamily="34" charset="0"/>
+                  </a:rPr>
+                  <a:t>)</a:t>
+                </a:r>
+                <a:endParaRPr lang="ru-RU" sz="2200" i="1" dirty="0">
+                  <a:solidFill>
+                    <a:schemeClr val="tx1"/>
+                  </a:solidFill>
+                  <a:cs typeface="Arial" panose="020B0604020202020204" pitchFamily="34" charset="0"/>
+                </a:endParaRPr>
+              </a:p>
+            </p:txBody>
+          </p:sp>
+        </mc:Choice>
+        <mc:Fallback>
+          <p:sp>
+            <p:nvSpPr>
+              <p:cNvPr id="8" name="TextBox 7"/>
+              <p:cNvSpPr txBox="1">
+                <a:spLocks noRot="1" noChangeAspect="1" noMove="1" noResize="1" noEditPoints="1" noAdjustHandles="1" noChangeArrowheads="1" noChangeShapeType="1" noTextEdit="1"/>
+              </p:cNvSpPr>
+              <p:nvPr/>
+            </p:nvSpPr>
+            <p:spPr>
+              <a:xfrm>
+                <a:off x="229186" y="5449553"/>
+                <a:ext cx="7556645" cy="1130951"/>
+              </a:xfrm>
+              <a:prstGeom prst="rect">
+                <a:avLst/>
+              </a:prstGeom>
+              <a:blipFill>
+                <a:blip r:embed="rId4"/>
+                <a:stretch>
+                  <a:fillRect t="-3784" b="-10270"/>
+                </a:stretch>
+              </a:blipFill>
+            </p:spPr>
+            <p:txBody>
+              <a:bodyPr/>
+              <a:lstStyle/>
+              <a:p>
+                <a:r>
+                  <a:rPr lang="ru-RU">
+                    <a:noFill/>
+                  </a:rPr>
+                  <a:t> </a:t>
+                </a:r>
+              </a:p>
+            </p:txBody>
+          </p:sp>
+        </mc:Fallback>
+      </mc:AlternateContent>
+      <mc:AlternateContent xmlns:mc="http://schemas.openxmlformats.org/markup-compatibility/2006">
+        <mc:Choice xmlns:a14="http://schemas.microsoft.com/office/drawing/2010/main" Requires="a14">
+          <p:sp>
+            <p:nvSpPr>
+              <p:cNvPr id="9" name="Прямоугольник 8"/>
+              <p:cNvSpPr/>
+              <p:nvPr/>
+            </p:nvSpPr>
+            <p:spPr>
+              <a:xfrm>
+                <a:off x="5791200" y="2972193"/>
+                <a:ext cx="1153585" cy="406137"/>
+              </a:xfrm>
+              <a:prstGeom prst="rect">
+                <a:avLst/>
+              </a:prstGeom>
+            </p:spPr>
+            <p:txBody>
+              <a:bodyPr wrap="none">
+                <a:spAutoFit/>
+              </a:bodyPr>
+              <a:lstStyle/>
+              <a:p>
+                <a:pPr/>
+                <a14:m>
+                  <m:oMathPara xmlns:m="http://schemas.openxmlformats.org/officeDocument/2006/math">
+                    <m:oMathParaPr>
+                      <m:jc m:val="centerGroup"/>
+                    </m:oMathParaPr>
+                    <m:oMath xmlns:m="http://schemas.openxmlformats.org/officeDocument/2006/math">
+                      <m:sSubSup>
+                        <m:sSubSupPr>
+                          <m:ctrlPr>
+                            <a:rPr lang="ru-RU" sz="2000" i="1" smtClean="0">
+                              <a:latin typeface="Cambria Math" panose="02040503050406030204" pitchFamily="18" charset="0"/>
+                            </a:rPr>
+                          </m:ctrlPr>
+                        </m:sSubSupPr>
+                        <m:e>
+                          <m:r>
+                            <a:rPr lang="ru-RU" sz="2000" i="1">
+                              <a:latin typeface="Cambria Math" panose="02040503050406030204" pitchFamily="18" charset="0"/>
+                            </a:rPr>
+                            <m:t>𝑀</m:t>
+                          </m:r>
+                        </m:e>
+                        <m:sub>
+                          <m:r>
+                            <a:rPr lang="ru-RU" sz="2000">
+                              <a:latin typeface="Cambria Math" panose="02040503050406030204" pitchFamily="18" charset="0"/>
+                            </a:rPr>
+                            <m:t>0</m:t>
+                          </m:r>
+                        </m:sub>
+                        <m:sup>
+                          <m:r>
+                            <a:rPr lang="ru-RU" sz="2000">
+                              <a:latin typeface="Cambria Math" panose="02040503050406030204" pitchFamily="18" charset="0"/>
+                            </a:rPr>
+                            <m:t>∗2</m:t>
+                          </m:r>
+                        </m:sup>
+                      </m:sSubSup>
+                      <m:r>
+                        <a:rPr lang="ru-RU" sz="2000" b="0" i="0" smtClean="0">
+                          <a:latin typeface="Cambria Math" panose="02040503050406030204" pitchFamily="18" charset="0"/>
+                        </a:rPr>
+                        <m:t>=0</m:t>
+                      </m:r>
+                    </m:oMath>
+                  </m:oMathPara>
+                </a14:m>
+                <a:endParaRPr lang="ru-RU" sz="2000" dirty="0"/>
+              </a:p>
+            </p:txBody>
+          </p:sp>
+        </mc:Choice>
+        <mc:Fallback>
+          <p:sp>
+            <p:nvSpPr>
+              <p:cNvPr id="9" name="Прямоугольник 8"/>
+              <p:cNvSpPr>
+                <a:spLocks noRot="1" noChangeAspect="1" noMove="1" noResize="1" noEditPoints="1" noAdjustHandles="1" noChangeArrowheads="1" noChangeShapeType="1" noTextEdit="1"/>
+              </p:cNvSpPr>
+              <p:nvPr/>
+            </p:nvSpPr>
+            <p:spPr>
+              <a:xfrm>
+                <a:off x="5791200" y="2972193"/>
+                <a:ext cx="1153585" cy="406137"/>
+              </a:xfrm>
+              <a:prstGeom prst="rect">
+                <a:avLst/>
+              </a:prstGeom>
+              <a:blipFill>
+                <a:blip r:embed="rId5"/>
+                <a:stretch>
+                  <a:fillRect b="-3030"/>
+                </a:stretch>
+              </a:blipFill>
+            </p:spPr>
+            <p:txBody>
+              <a:bodyPr/>
+              <a:lstStyle/>
+              <a:p>
+                <a:r>
+                  <a:rPr lang="ru-RU">
+                    <a:noFill/>
+                  </a:rPr>
+                  <a:t> </a:t>
+                </a:r>
+              </a:p>
+            </p:txBody>
+          </p:sp>
+        </mc:Fallback>
+      </mc:AlternateContent>
+      <mc:AlternateContent xmlns:mc="http://schemas.openxmlformats.org/markup-compatibility/2006">
+        <mc:Choice xmlns:a14="http://schemas.microsoft.com/office/drawing/2010/main" Requires="a14">
+          <p:sp>
+            <p:nvSpPr>
+              <p:cNvPr id="10" name="Прямоугольник 9"/>
+              <p:cNvSpPr/>
+              <p:nvPr/>
+            </p:nvSpPr>
+            <p:spPr>
+              <a:xfrm>
+                <a:off x="4048530" y="1844595"/>
+                <a:ext cx="1153586" cy="406137"/>
+              </a:xfrm>
+              <a:prstGeom prst="rect">
+                <a:avLst/>
+              </a:prstGeom>
+            </p:spPr>
+            <p:txBody>
+              <a:bodyPr wrap="none">
+                <a:spAutoFit/>
+              </a:bodyPr>
+              <a:lstStyle/>
+              <a:p>
+                <a:pPr/>
+                <a14:m>
+                  <m:oMathPara xmlns:m="http://schemas.openxmlformats.org/officeDocument/2006/math">
+                    <m:oMathParaPr>
+                      <m:jc m:val="centerGroup"/>
+                    </m:oMathParaPr>
+                    <m:oMath xmlns:m="http://schemas.openxmlformats.org/officeDocument/2006/math">
+                      <m:sSubSup>
+                        <m:sSubSupPr>
+                          <m:ctrlPr>
+                            <a:rPr lang="ru-RU" sz="2000" i="1" smtClean="0">
+                              <a:latin typeface="Cambria Math" panose="02040503050406030204" pitchFamily="18" charset="0"/>
+                            </a:rPr>
+                          </m:ctrlPr>
+                        </m:sSubSupPr>
+                        <m:e>
+                          <m:r>
+                            <a:rPr lang="ru-RU" sz="2000" i="1">
+                              <a:latin typeface="Cambria Math" panose="02040503050406030204" pitchFamily="18" charset="0"/>
+                            </a:rPr>
+                            <m:t>𝑀</m:t>
+                          </m:r>
+                        </m:e>
+                        <m:sub>
+                          <m:r>
+                            <a:rPr lang="ru-RU" sz="2000">
+                              <a:latin typeface="Cambria Math" panose="02040503050406030204" pitchFamily="18" charset="0"/>
+                            </a:rPr>
+                            <m:t>0</m:t>
+                          </m:r>
+                        </m:sub>
+                        <m:sup>
+                          <m:r>
+                            <a:rPr lang="ru-RU" sz="2000">
+                              <a:latin typeface="Cambria Math" panose="02040503050406030204" pitchFamily="18" charset="0"/>
+                            </a:rPr>
+                            <m:t>∗2</m:t>
+                          </m:r>
+                        </m:sup>
+                      </m:sSubSup>
+                      <m:r>
+                        <a:rPr lang="ru-RU" sz="2000" b="0" i="0" smtClean="0">
+                          <a:latin typeface="Cambria Math" panose="02040503050406030204" pitchFamily="18" charset="0"/>
+                        </a:rPr>
+                        <m:t>=</m:t>
+                      </m:r>
+                      <m:r>
+                        <a:rPr lang="en-US" sz="2000" b="0" i="0" smtClean="0">
+                          <a:latin typeface="Cambria Math" panose="02040503050406030204" pitchFamily="18" charset="0"/>
+                        </a:rPr>
+                        <m:t>2</m:t>
+                      </m:r>
+                    </m:oMath>
+                  </m:oMathPara>
+                </a14:m>
+                <a:endParaRPr lang="ru-RU" sz="2000" dirty="0"/>
+              </a:p>
+            </p:txBody>
+          </p:sp>
+        </mc:Choice>
+        <mc:Fallback>
+          <p:sp>
+            <p:nvSpPr>
+              <p:cNvPr id="10" name="Прямоугольник 9"/>
+              <p:cNvSpPr>
+                <a:spLocks noRot="1" noChangeAspect="1" noMove="1" noResize="1" noEditPoints="1" noAdjustHandles="1" noChangeArrowheads="1" noChangeShapeType="1" noTextEdit="1"/>
+              </p:cNvSpPr>
+              <p:nvPr/>
+            </p:nvSpPr>
+            <p:spPr>
+              <a:xfrm>
+                <a:off x="4048530" y="1844595"/>
+                <a:ext cx="1153586" cy="406137"/>
+              </a:xfrm>
+              <a:prstGeom prst="rect">
+                <a:avLst/>
+              </a:prstGeom>
+              <a:blipFill>
+                <a:blip r:embed="rId6"/>
+                <a:stretch>
+                  <a:fillRect b="-3030"/>
+                </a:stretch>
+              </a:blipFill>
+            </p:spPr>
+            <p:txBody>
+              <a:bodyPr/>
+              <a:lstStyle/>
+              <a:p>
+                <a:r>
+                  <a:rPr lang="ru-RU">
+                    <a:noFill/>
+                  </a:rPr>
+                  <a:t> </a:t>
+                </a:r>
+              </a:p>
+            </p:txBody>
+          </p:sp>
+        </mc:Fallback>
+      </mc:AlternateContent>
+      <mc:AlternateContent xmlns:mc="http://schemas.openxmlformats.org/markup-compatibility/2006">
+        <mc:Choice xmlns:a14="http://schemas.microsoft.com/office/drawing/2010/main" Requires="a14">
+          <p:sp>
+            <p:nvSpPr>
+              <p:cNvPr id="11" name="Прямоугольник 10"/>
+              <p:cNvSpPr/>
+              <p:nvPr/>
+            </p:nvSpPr>
+            <p:spPr>
+              <a:xfrm>
+                <a:off x="2752278" y="2394577"/>
+                <a:ext cx="1296252" cy="406137"/>
+              </a:xfrm>
+              <a:prstGeom prst="rect">
+                <a:avLst/>
+              </a:prstGeom>
+            </p:spPr>
+            <p:txBody>
+              <a:bodyPr wrap="none">
+                <a:spAutoFit/>
+              </a:bodyPr>
+              <a:lstStyle/>
+              <a:p>
+                <a:pPr/>
+                <a14:m>
+                  <m:oMathPara xmlns:m="http://schemas.openxmlformats.org/officeDocument/2006/math">
+                    <m:oMathParaPr>
+                      <m:jc m:val="centerGroup"/>
+                    </m:oMathParaPr>
+                    <m:oMath xmlns:m="http://schemas.openxmlformats.org/officeDocument/2006/math">
+                      <m:sSubSup>
+                        <m:sSubSupPr>
+                          <m:ctrlPr>
+                            <a:rPr lang="ru-RU" sz="2000" i="1" smtClean="0">
+                              <a:latin typeface="Cambria Math" panose="02040503050406030204" pitchFamily="18" charset="0"/>
+                            </a:rPr>
+                          </m:ctrlPr>
+                        </m:sSubSupPr>
+                        <m:e>
+                          <m:r>
+                            <a:rPr lang="ru-RU" sz="2000" i="1">
+                              <a:latin typeface="Cambria Math" panose="02040503050406030204" pitchFamily="18" charset="0"/>
+                            </a:rPr>
+                            <m:t>𝑀</m:t>
+                          </m:r>
+                        </m:e>
+                        <m:sub>
+                          <m:r>
+                            <a:rPr lang="ru-RU" sz="2000">
+                              <a:latin typeface="Cambria Math" panose="02040503050406030204" pitchFamily="18" charset="0"/>
+                            </a:rPr>
+                            <m:t>0</m:t>
+                          </m:r>
+                        </m:sub>
+                        <m:sup>
+                          <m:r>
+                            <a:rPr lang="ru-RU" sz="2000">
+                              <a:latin typeface="Cambria Math" panose="02040503050406030204" pitchFamily="18" charset="0"/>
+                            </a:rPr>
+                            <m:t>∗2</m:t>
+                          </m:r>
+                        </m:sup>
+                      </m:sSubSup>
+                      <m:r>
+                        <a:rPr lang="ru-RU" sz="2000" b="0" i="0" smtClean="0">
+                          <a:latin typeface="Cambria Math" panose="02040503050406030204" pitchFamily="18" charset="0"/>
+                        </a:rPr>
+                        <m:t>=</m:t>
+                      </m:r>
+                      <m:r>
+                        <a:rPr lang="en-US" sz="2000" b="0" i="0" smtClean="0">
+                          <a:latin typeface="Cambria Math" panose="02040503050406030204" pitchFamily="18" charset="0"/>
+                        </a:rPr>
+                        <m:t>15</m:t>
+                      </m:r>
+                    </m:oMath>
+                  </m:oMathPara>
+                </a14:m>
+                <a:endParaRPr lang="ru-RU" sz="2000" dirty="0"/>
+              </a:p>
+            </p:txBody>
+          </p:sp>
+        </mc:Choice>
+        <mc:Fallback>
+          <p:sp>
+            <p:nvSpPr>
+              <p:cNvPr id="11" name="Прямоугольник 10"/>
+              <p:cNvSpPr>
+                <a:spLocks noRot="1" noChangeAspect="1" noMove="1" noResize="1" noEditPoints="1" noAdjustHandles="1" noChangeArrowheads="1" noChangeShapeType="1" noTextEdit="1"/>
+              </p:cNvSpPr>
+              <p:nvPr/>
+            </p:nvSpPr>
+            <p:spPr>
+              <a:xfrm>
+                <a:off x="2752278" y="2394577"/>
+                <a:ext cx="1296252" cy="406137"/>
+              </a:xfrm>
+              <a:prstGeom prst="rect">
+                <a:avLst/>
+              </a:prstGeom>
+              <a:blipFill>
+                <a:blip r:embed="rId7"/>
+                <a:stretch>
+                  <a:fillRect b="-3030"/>
+                </a:stretch>
+              </a:blipFill>
+            </p:spPr>
+            <p:txBody>
+              <a:bodyPr/>
+              <a:lstStyle/>
+              <a:p>
+                <a:r>
+                  <a:rPr lang="ru-RU">
+                    <a:noFill/>
+                  </a:rPr>
+                  <a:t> </a:t>
+                </a:r>
+              </a:p>
+            </p:txBody>
+          </p:sp>
+        </mc:Fallback>
+      </mc:AlternateContent>
+      <mc:AlternateContent xmlns:mc="http://schemas.openxmlformats.org/markup-compatibility/2006">
+        <mc:Choice xmlns:a14="http://schemas.microsoft.com/office/drawing/2010/main" Requires="a14">
+          <p:sp>
+            <p:nvSpPr>
+              <p:cNvPr id="12" name="Прямоугольник 11"/>
+              <p:cNvSpPr/>
+              <p:nvPr/>
+            </p:nvSpPr>
+            <p:spPr>
+              <a:xfrm>
+                <a:off x="1228278" y="1340477"/>
+                <a:ext cx="1296316" cy="421013"/>
+              </a:xfrm>
+              <a:prstGeom prst="rect">
+                <a:avLst/>
+              </a:prstGeom>
+            </p:spPr>
+            <p:txBody>
+              <a:bodyPr wrap="none">
+                <a:spAutoFit/>
+              </a:bodyPr>
+              <a:lstStyle/>
+              <a:p>
+                <a:pPr/>
+                <a14:m>
+                  <m:oMathPara xmlns:m="http://schemas.openxmlformats.org/officeDocument/2006/math">
+                    <m:oMathParaPr>
+                      <m:jc m:val="centerGroup"/>
+                    </m:oMathParaPr>
+                    <m:oMath xmlns:m="http://schemas.openxmlformats.org/officeDocument/2006/math">
+                      <m:sSup>
+                        <m:sSupPr>
+                          <m:ctrlPr>
+                            <a:rPr lang="en-US" sz="2000" i="1" smtClean="0">
+                              <a:latin typeface="Cambria Math" panose="02040503050406030204" pitchFamily="18" charset="0"/>
+                              <a:ea typeface="Cambria Math" panose="02040503050406030204" pitchFamily="18" charset="0"/>
+                            </a:rPr>
+                          </m:ctrlPr>
+                        </m:sSupPr>
+                        <m:e>
+                          <m:r>
+                            <a:rPr lang="en-US" sz="2000" i="1">
+                              <a:latin typeface="Cambria Math" panose="02040503050406030204" pitchFamily="18" charset="0"/>
+                              <a:ea typeface="Cambria Math" panose="02040503050406030204" pitchFamily="18" charset="0"/>
+                            </a:rPr>
+                            <m:t>𝜇</m:t>
+                          </m:r>
+                        </m:e>
+                        <m:sup>
+                          <m:d>
+                            <m:dPr>
+                              <m:ctrlPr>
+                                <a:rPr lang="en-US" sz="2000" i="1">
+                                  <a:latin typeface="Cambria Math" panose="02040503050406030204" pitchFamily="18" charset="0"/>
+                                  <a:ea typeface="Cambria Math" panose="02040503050406030204" pitchFamily="18" charset="0"/>
+                                </a:rPr>
+                              </m:ctrlPr>
+                            </m:dPr>
+                            <m:e>
+                              <m:r>
+                                <a:rPr lang="en-US" sz="2000" i="1">
+                                  <a:latin typeface="Cambria Math" panose="02040503050406030204" pitchFamily="18" charset="0"/>
+                                  <a:ea typeface="Cambria Math" panose="02040503050406030204" pitchFamily="18" charset="0"/>
+                                </a:rPr>
+                                <m:t>1</m:t>
+                              </m:r>
+                            </m:e>
+                          </m:d>
+                        </m:sup>
+                      </m:sSup>
+                      <m:r>
+                        <a:rPr lang="en-US" sz="2000" i="1">
+                          <a:latin typeface="Cambria Math" panose="02040503050406030204" pitchFamily="18" charset="0"/>
+                          <a:ea typeface="Cambria Math" panose="02040503050406030204" pitchFamily="18" charset="0"/>
+                        </a:rPr>
+                        <m:t>=</m:t>
+                      </m:r>
+                      <m:r>
+                        <a:rPr lang="en-US" sz="2000" i="1">
+                          <a:latin typeface="Cambria Math" panose="02040503050406030204" pitchFamily="18" charset="0"/>
+                          <a:ea typeface="Cambria Math" panose="02040503050406030204" pitchFamily="18" charset="0"/>
+                        </a:rPr>
+                        <m:t>90</m:t>
+                      </m:r>
+                    </m:oMath>
+                  </m:oMathPara>
+                </a14:m>
+                <a:endParaRPr lang="en-US" sz="2000" dirty="0" smtClean="0">
+                  <a:ea typeface="Cambria Math" panose="02040503050406030204" pitchFamily="18" charset="0"/>
+                </a:endParaRPr>
+              </a:p>
+            </p:txBody>
+          </p:sp>
+        </mc:Choice>
+        <mc:Fallback>
+          <p:sp>
+            <p:nvSpPr>
+              <p:cNvPr id="12" name="Прямоугольник 11"/>
+              <p:cNvSpPr>
+                <a:spLocks noRot="1" noChangeAspect="1" noMove="1" noResize="1" noEditPoints="1" noAdjustHandles="1" noChangeArrowheads="1" noChangeShapeType="1" noTextEdit="1"/>
+              </p:cNvSpPr>
+              <p:nvPr/>
+            </p:nvSpPr>
+            <p:spPr>
+              <a:xfrm>
+                <a:off x="1228278" y="1340477"/>
+                <a:ext cx="1296316" cy="421013"/>
+              </a:xfrm>
+              <a:prstGeom prst="rect">
+                <a:avLst/>
+              </a:prstGeom>
+              <a:blipFill>
+                <a:blip r:embed="rId8"/>
+                <a:stretch>
+                  <a:fillRect b="-5797"/>
                 </a:stretch>
               </a:blipFill>
             </p:spPr>
@@ -10689,7 +13733,7 @@
 </p:sld>
 </file>
 
-<file path=ppt/slides/slide7.xml><?xml version="1.0" encoding="utf-8"?>
+<file path=ppt/slides/slide8.xml><?xml version="1.0" encoding="utf-8"?>
 <p:sld xmlns:a="http://schemas.openxmlformats.org/drawingml/2006/main" xmlns:r="http://schemas.openxmlformats.org/officeDocument/2006/relationships" xmlns:p="http://schemas.openxmlformats.org/presentationml/2006/main">
   <p:cSld>
     <p:spTree>
@@ -10706,134 +13750,9 @@
           <a:chExt cx="0" cy="0"/>
         </a:xfrm>
       </p:grpSpPr>
-      <mc:AlternateContent xmlns:mc="http://schemas.openxmlformats.org/markup-compatibility/2006">
-        <mc:Choice xmlns:a14="http://schemas.microsoft.com/office/drawing/2010/main" Requires="a14">
-          <p:sp>
-            <p:nvSpPr>
-              <p:cNvPr id="5" name="Прямоугольник 4"/>
-              <p:cNvSpPr/>
-              <p:nvPr/>
-            </p:nvSpPr>
-            <p:spPr>
-              <a:xfrm>
-                <a:off x="4648551" y="779362"/>
-                <a:ext cx="1447448" cy="506421"/>
-              </a:xfrm>
-              <a:prstGeom prst="rect">
-                <a:avLst/>
-              </a:prstGeom>
-            </p:spPr>
-            <p:txBody>
-              <a:bodyPr wrap="none">
-                <a:spAutoFit/>
-              </a:bodyPr>
-              <a:lstStyle/>
-              <a:p>
-                <a:pPr/>
-                <a14:m>
-                  <m:oMathPara xmlns:m="http://schemas.openxmlformats.org/officeDocument/2006/math">
-                    <m:oMathParaPr>
-                      <m:jc m:val="centerGroup"/>
-                    </m:oMathParaPr>
-                    <m:oMath xmlns:m="http://schemas.openxmlformats.org/officeDocument/2006/math">
-                      <m:acc>
-                        <m:accPr>
-                          <m:chr m:val="⃗"/>
-                          <m:ctrlPr>
-                            <a:rPr lang="ru-RU" sz="2400" i="1" smtClean="0">
-                              <a:latin typeface="Cambria Math" panose="02040503050406030204" pitchFamily="18" charset="0"/>
-                            </a:rPr>
-                          </m:ctrlPr>
-                        </m:accPr>
-                        <m:e>
-                          <m:r>
-                            <a:rPr lang="ru-RU" sz="2400">
-                              <a:latin typeface="Cambria Math" panose="02040503050406030204" pitchFamily="18" charset="0"/>
-                            </a:rPr>
-                            <m:t>𝛻</m:t>
-                          </m:r>
-                        </m:e>
-                      </m:acc>
-                      <m:r>
-                        <a:rPr lang="ru-RU" sz="2400" i="0">
-                          <a:latin typeface="Cambria Math" panose="02040503050406030204" pitchFamily="18" charset="0"/>
-                        </a:rPr>
-                        <m:t>∙</m:t>
-                      </m:r>
-                      <m:acc>
-                        <m:accPr>
-                          <m:chr m:val="⃗"/>
-                          <m:ctrlPr>
-                            <a:rPr lang="ru-RU" sz="2400" i="1">
-                              <a:latin typeface="Cambria Math" panose="02040503050406030204" pitchFamily="18" charset="0"/>
-                            </a:rPr>
-                          </m:ctrlPr>
-                        </m:accPr>
-                        <m:e>
-                          <m:r>
-                            <a:rPr lang="ru-RU" sz="2400" i="1">
-                              <a:latin typeface="Cambria Math" panose="02040503050406030204" pitchFamily="18" charset="0"/>
-                            </a:rPr>
-                            <m:t>𝑈</m:t>
-                          </m:r>
-                        </m:e>
-                      </m:acc>
-                      <m:r>
-                        <a:rPr lang="ru-RU" sz="2400" i="0">
-                          <a:latin typeface="Cambria Math" panose="02040503050406030204" pitchFamily="18" charset="0"/>
-                        </a:rPr>
-                        <m:t>=0</m:t>
-                      </m:r>
-                    </m:oMath>
-                  </m:oMathPara>
-                </a14:m>
-                <a:endParaRPr lang="ru-RU" sz="2800" dirty="0"/>
-              </a:p>
-            </p:txBody>
-          </p:sp>
-        </mc:Choice>
-        <mc:Fallback>
-          <p:sp>
-            <p:nvSpPr>
-              <p:cNvPr id="5" name="Прямоугольник 4"/>
-              <p:cNvSpPr>
-                <a:spLocks noRot="1" noChangeAspect="1" noMove="1" noResize="1" noEditPoints="1" noAdjustHandles="1" noChangeArrowheads="1" noChangeShapeType="1" noTextEdit="1"/>
-              </p:cNvSpPr>
-              <p:nvPr/>
-            </p:nvSpPr>
-            <p:spPr>
-              <a:xfrm>
-                <a:off x="4648551" y="779362"/>
-                <a:ext cx="1447448" cy="506421"/>
-              </a:xfrm>
-              <a:prstGeom prst="rect">
-                <a:avLst/>
-              </a:prstGeom>
-              <a:blipFill>
-                <a:blip r:embed="rId2"/>
-                <a:stretch>
-                  <a:fillRect/>
-                </a:stretch>
-              </a:blipFill>
-            </p:spPr>
-            <p:txBody>
-              <a:bodyPr/>
-              <a:lstStyle/>
-              <a:p>
-                <a:r>
-                  <a:rPr lang="ru-RU">
-                    <a:noFill/>
-                  </a:rPr>
-                  <a:t> </a:t>
-                </a:r>
-              </a:p>
-            </p:txBody>
-          </p:sp>
-        </mc:Fallback>
-      </mc:AlternateContent>
       <p:sp>
         <p:nvSpPr>
-          <p:cNvPr id="6" name="Номер слайда 5"/>
+          <p:cNvPr id="4" name="Номер слайда 3"/>
           <p:cNvSpPr>
             <a:spLocks noGrp="1"/>
           </p:cNvSpPr>
@@ -10848,7 +13767,7 @@
           <a:p>
             <a:fld id="{EAC0DF89-5B13-44F7-A1DF-4EC2E0A738B9}" type="slidenum">
               <a:rPr lang="ru-RU" smtClean="0"/>
-              <a:t>7</a:t>
+              <a:t>8</a:t>
             </a:fld>
             <a:endParaRPr lang="ru-RU"/>
           </a:p>
@@ -10856,14 +13775,14 @@
       </p:sp>
       <p:sp>
         <p:nvSpPr>
-          <p:cNvPr id="7" name="TextBox 6"/>
+          <p:cNvPr id="6" name="TextBox 5"/>
           <p:cNvSpPr txBox="1"/>
           <p:nvPr/>
         </p:nvSpPr>
         <p:spPr>
           <a:xfrm>
-            <a:off x="170658" y="779362"/>
-            <a:ext cx="3525044" cy="430887"/>
+            <a:off x="2679700" y="2832100"/>
+            <a:ext cx="6907660" cy="923330"/>
           </a:xfrm>
           <a:prstGeom prst="rect">
             <a:avLst/>
@@ -10871,800 +13790,23 @@
           <a:noFill/>
         </p:spPr>
         <p:txBody>
-          <a:bodyPr wrap="square" rtlCol="0">
+          <a:bodyPr wrap="none" rtlCol="0">
             <a:spAutoFit/>
           </a:bodyPr>
           <a:lstStyle/>
           <a:p>
             <a:r>
-              <a:rPr lang="ru-RU" sz="2200" dirty="0" smtClean="0"/>
-              <a:t>Уравнение </a:t>
+              <a:rPr lang="ru-RU" sz="5400" b="1" dirty="0" smtClean="0"/>
+              <a:t>Спасибо за внимание!</a:t>
             </a:r>
-            <a:r>
-              <a:rPr lang="ru-RU" sz="2200" dirty="0" smtClean="0"/>
-              <a:t>несжимаемости:</a:t>
-            </a:r>
-            <a:endParaRPr lang="ru-RU" sz="2200" dirty="0"/>
-          </a:p>
-        </p:txBody>
-      </p:sp>
-      <p:sp>
-        <p:nvSpPr>
-          <p:cNvPr id="9" name="TextBox 8"/>
-          <p:cNvSpPr txBox="1"/>
-          <p:nvPr/>
-        </p:nvSpPr>
-        <p:spPr>
-          <a:xfrm>
-            <a:off x="0" y="3729"/>
-            <a:ext cx="12192000" cy="523220"/>
-          </a:xfrm>
-          <a:prstGeom prst="rect">
-            <a:avLst/>
-          </a:prstGeom>
-          <a:solidFill>
-            <a:schemeClr val="accent4">
-              <a:alpha val="50000"/>
-            </a:schemeClr>
-          </a:solidFill>
-          <a:ln>
-            <a:noFill/>
-          </a:ln>
-        </p:spPr>
-        <p:style>
-          <a:lnRef idx="0">
-            <a:scrgbClr r="0" g="0" b="0"/>
-          </a:lnRef>
-          <a:fillRef idx="0">
-            <a:scrgbClr r="0" g="0" b="0"/>
-          </a:fillRef>
-          <a:effectRef idx="0">
-            <a:scrgbClr r="0" g="0" b="0"/>
-          </a:effectRef>
-          <a:fontRef idx="minor">
-            <a:schemeClr val="lt1"/>
-          </a:fontRef>
-        </p:style>
-        <p:txBody>
-          <a:bodyPr wrap="square" rtlCol="0">
-            <a:spAutoFit/>
-          </a:bodyPr>
-          <a:lstStyle/>
-          <a:p>
-            <a:pPr algn="ctr"/>
-            <a:r>
-              <a:rPr lang="ru-RU" sz="2800" dirty="0">
-                <a:solidFill>
-                  <a:schemeClr val="tx1"/>
-                </a:solidFill>
-                <a:cs typeface="Arial" panose="020B0604020202020204" pitchFamily="34" charset="0"/>
-              </a:rPr>
-              <a:t>Необходимые уравнения и граничные </a:t>
-            </a:r>
-            <a:r>
-              <a:rPr lang="ru-RU" sz="2800" dirty="0" smtClean="0">
-                <a:solidFill>
-                  <a:schemeClr val="tx1"/>
-                </a:solidFill>
-                <a:cs typeface="Arial" panose="020B0604020202020204" pitchFamily="34" charset="0"/>
-              </a:rPr>
-              <a:t>условия</a:t>
-            </a:r>
-            <a:endParaRPr lang="ru-RU" sz="2800" dirty="0">
-              <a:solidFill>
-                <a:schemeClr val="tx1"/>
-              </a:solidFill>
-              <a:cs typeface="Arial" panose="020B0604020202020204" pitchFamily="34" charset="0"/>
-            </a:endParaRPr>
-          </a:p>
-        </p:txBody>
-      </p:sp>
-      <p:sp>
-        <p:nvSpPr>
-          <p:cNvPr id="10" name="TextBox 9"/>
-          <p:cNvSpPr txBox="1"/>
-          <p:nvPr/>
-        </p:nvSpPr>
-        <p:spPr>
-          <a:xfrm>
-            <a:off x="170656" y="1769962"/>
-            <a:ext cx="3525045" cy="430887"/>
-          </a:xfrm>
-          <a:prstGeom prst="rect">
-            <a:avLst/>
-          </a:prstGeom>
-          <a:noFill/>
-        </p:spPr>
-        <p:txBody>
-          <a:bodyPr wrap="square" rtlCol="0">
-            <a:spAutoFit/>
-          </a:bodyPr>
-          <a:lstStyle/>
-          <a:p>
-            <a:r>
-              <a:rPr lang="ru-RU" sz="2200" dirty="0" smtClean="0"/>
-              <a:t>Уравнение Эйлера</a:t>
-            </a:r>
-            <a:r>
-              <a:rPr lang="ru-RU" sz="2200" dirty="0" smtClean="0"/>
-              <a:t>:</a:t>
-            </a:r>
-            <a:endParaRPr lang="ru-RU" sz="2200" dirty="0"/>
-          </a:p>
-        </p:txBody>
-      </p:sp>
-      <mc:AlternateContent xmlns:mc="http://schemas.openxmlformats.org/markup-compatibility/2006">
-        <mc:Choice xmlns:a14="http://schemas.microsoft.com/office/drawing/2010/main" Requires="a14">
-          <p:sp>
-            <p:nvSpPr>
-              <p:cNvPr id="11" name="Прямоугольник 10"/>
-              <p:cNvSpPr/>
-              <p:nvPr/>
-            </p:nvSpPr>
-            <p:spPr>
-              <a:xfrm>
-                <a:off x="4648551" y="1514474"/>
-                <a:ext cx="3501215" cy="941861"/>
-              </a:xfrm>
-              <a:prstGeom prst="rect">
-                <a:avLst/>
-              </a:prstGeom>
-            </p:spPr>
-            <p:txBody>
-              <a:bodyPr wrap="none">
-                <a:spAutoFit/>
-              </a:bodyPr>
-              <a:lstStyle/>
-              <a:p>
-                <a:pPr/>
-                <a14:m>
-                  <m:oMathPara xmlns:m="http://schemas.openxmlformats.org/officeDocument/2006/math">
-                    <m:oMathParaPr>
-                      <m:jc m:val="centerGroup"/>
-                    </m:oMathParaPr>
-                    <m:oMath xmlns:m="http://schemas.openxmlformats.org/officeDocument/2006/math">
-                      <m:f>
-                        <m:fPr>
-                          <m:ctrlPr>
-                            <a:rPr lang="en-US" sz="2400" i="1" smtClean="0">
-                              <a:latin typeface="Cambria Math" panose="02040503050406030204" pitchFamily="18" charset="0"/>
-                            </a:rPr>
-                          </m:ctrlPr>
-                        </m:fPr>
-                        <m:num>
-                          <m:r>
-                            <a:rPr lang="en-US" sz="2400" i="1" smtClean="0">
-                              <a:latin typeface="Cambria Math" panose="02040503050406030204" pitchFamily="18" charset="0"/>
-                            </a:rPr>
-                            <m:t>𝜕</m:t>
-                          </m:r>
-                          <m:acc>
-                            <m:accPr>
-                              <m:chr m:val="⃗"/>
-                              <m:ctrlPr>
-                                <a:rPr lang="ru-RU" sz="2400" i="1">
-                                  <a:latin typeface="Cambria Math" panose="02040503050406030204" pitchFamily="18" charset="0"/>
-                                </a:rPr>
-                              </m:ctrlPr>
-                            </m:accPr>
-                            <m:e>
-                              <m:r>
-                                <a:rPr lang="ru-RU" sz="2400" i="1">
-                                  <a:latin typeface="Cambria Math" panose="02040503050406030204" pitchFamily="18" charset="0"/>
-                                </a:rPr>
-                                <m:t>𝑈</m:t>
-                              </m:r>
-                            </m:e>
-                          </m:acc>
-                        </m:num>
-                        <m:den>
-                          <m:r>
-                            <a:rPr lang="en-US" sz="2400" i="1" smtClean="0">
-                              <a:latin typeface="Cambria Math" panose="02040503050406030204" pitchFamily="18" charset="0"/>
-                            </a:rPr>
-                            <m:t>𝜕</m:t>
-                          </m:r>
-                          <m:r>
-                            <a:rPr lang="en-US" sz="2400" b="0" i="1" smtClean="0">
-                              <a:latin typeface="Cambria Math" panose="02040503050406030204" pitchFamily="18" charset="0"/>
-                            </a:rPr>
-                            <m:t>𝑡</m:t>
-                          </m:r>
-                        </m:den>
-                      </m:f>
-                      <m:r>
-                        <a:rPr lang="en-US" sz="2400" b="0" i="0" smtClean="0">
-                          <a:latin typeface="Cambria Math" panose="02040503050406030204" pitchFamily="18" charset="0"/>
-                        </a:rPr>
-                        <m:t>+</m:t>
-                      </m:r>
-                      <m:d>
-                        <m:dPr>
-                          <m:ctrlPr>
-                            <a:rPr lang="en-US" sz="2400" b="0" i="0" smtClean="0">
-                              <a:latin typeface="Cambria Math" panose="02040503050406030204" pitchFamily="18" charset="0"/>
-                            </a:rPr>
-                          </m:ctrlPr>
-                        </m:dPr>
-                        <m:e>
-                          <m:acc>
-                            <m:accPr>
-                              <m:chr m:val="⃗"/>
-                              <m:ctrlPr>
-                                <a:rPr lang="ru-RU" sz="2400" i="1">
-                                  <a:latin typeface="Cambria Math" panose="02040503050406030204" pitchFamily="18" charset="0"/>
-                                </a:rPr>
-                              </m:ctrlPr>
-                            </m:accPr>
-                            <m:e>
-                              <m:r>
-                                <a:rPr lang="ru-RU" sz="2400" i="1">
-                                  <a:latin typeface="Cambria Math" panose="02040503050406030204" pitchFamily="18" charset="0"/>
-                                </a:rPr>
-                                <m:t>𝑈</m:t>
-                              </m:r>
-                            </m:e>
-                          </m:acc>
-                          <m:r>
-                            <a:rPr lang="ru-RU" sz="2400" i="1" smtClean="0">
-                              <a:latin typeface="Cambria Math" panose="02040503050406030204" pitchFamily="18" charset="0"/>
-                              <a:ea typeface="Cambria Math" panose="02040503050406030204" pitchFamily="18" charset="0"/>
-                            </a:rPr>
-                            <m:t>∙</m:t>
-                          </m:r>
-                          <m:acc>
-                            <m:accPr>
-                              <m:chr m:val="⃗"/>
-                              <m:ctrlPr>
-                                <a:rPr lang="ru-RU" sz="2400" i="1" smtClean="0">
-                                  <a:latin typeface="Cambria Math" panose="02040503050406030204" pitchFamily="18" charset="0"/>
-                                  <a:ea typeface="Cambria Math" panose="02040503050406030204" pitchFamily="18" charset="0"/>
-                                </a:rPr>
-                              </m:ctrlPr>
-                            </m:accPr>
-                            <m:e>
-                              <m:r>
-                                <a:rPr lang="ru-RU" sz="2400" i="1">
-                                  <a:latin typeface="Cambria Math" panose="02040503050406030204" pitchFamily="18" charset="0"/>
-                                  <a:ea typeface="Cambria Math" panose="02040503050406030204" pitchFamily="18" charset="0"/>
-                                </a:rPr>
-                                <m:t>𝛻</m:t>
-                              </m:r>
-                            </m:e>
-                          </m:acc>
-                        </m:e>
-                      </m:d>
-                      <m:acc>
-                        <m:accPr>
-                          <m:chr m:val="⃗"/>
-                          <m:ctrlPr>
-                            <a:rPr lang="ru-RU" sz="2400" i="1">
-                              <a:latin typeface="Cambria Math" panose="02040503050406030204" pitchFamily="18" charset="0"/>
-                            </a:rPr>
-                          </m:ctrlPr>
-                        </m:accPr>
-                        <m:e>
-                          <m:r>
-                            <a:rPr lang="ru-RU" sz="2400" i="1">
-                              <a:latin typeface="Cambria Math" panose="02040503050406030204" pitchFamily="18" charset="0"/>
-                            </a:rPr>
-                            <m:t>𝑈</m:t>
-                          </m:r>
-                        </m:e>
-                      </m:acc>
-                      <m:r>
-                        <a:rPr lang="ru-RU" sz="2400" i="0">
-                          <a:latin typeface="Cambria Math" panose="02040503050406030204" pitchFamily="18" charset="0"/>
-                        </a:rPr>
-                        <m:t>=</m:t>
-                      </m:r>
-                      <m:r>
-                        <a:rPr lang="en-US" sz="2400" b="0" i="0" smtClean="0">
-                          <a:latin typeface="Cambria Math" panose="02040503050406030204" pitchFamily="18" charset="0"/>
-                        </a:rPr>
-                        <m:t>−</m:t>
-                      </m:r>
-                      <m:f>
-                        <m:fPr>
-                          <m:ctrlPr>
-                            <a:rPr lang="en-US" sz="2400" b="0" i="0" smtClean="0">
-                              <a:latin typeface="Cambria Math" panose="02040503050406030204" pitchFamily="18" charset="0"/>
-                            </a:rPr>
-                          </m:ctrlPr>
-                        </m:fPr>
-                        <m:num>
-                          <m:r>
-                            <a:rPr lang="en-US" sz="2400" b="0" i="0" smtClean="0">
-                              <a:latin typeface="Cambria Math" panose="02040503050406030204" pitchFamily="18" charset="0"/>
-                            </a:rPr>
-                            <m:t>1</m:t>
-                          </m:r>
-                        </m:num>
-                        <m:den>
-                          <m:r>
-                            <a:rPr lang="en-US" sz="2400" b="0" i="1" smtClean="0">
-                              <a:latin typeface="Cambria Math" panose="02040503050406030204" pitchFamily="18" charset="0"/>
-                              <a:ea typeface="Cambria Math" panose="02040503050406030204" pitchFamily="18" charset="0"/>
-                            </a:rPr>
-                            <m:t>𝜌</m:t>
-                          </m:r>
-                        </m:den>
-                      </m:f>
-                      <m:acc>
-                        <m:accPr>
-                          <m:chr m:val="⃗"/>
-                          <m:ctrlPr>
-                            <a:rPr lang="ru-RU" sz="2400" i="1">
-                              <a:latin typeface="Cambria Math" panose="02040503050406030204" pitchFamily="18" charset="0"/>
-                              <a:ea typeface="Cambria Math" panose="02040503050406030204" pitchFamily="18" charset="0"/>
-                            </a:rPr>
-                          </m:ctrlPr>
-                        </m:accPr>
-                        <m:e>
-                          <m:r>
-                            <a:rPr lang="ru-RU" sz="2400" i="1">
-                              <a:latin typeface="Cambria Math" panose="02040503050406030204" pitchFamily="18" charset="0"/>
-                              <a:ea typeface="Cambria Math" panose="02040503050406030204" pitchFamily="18" charset="0"/>
-                            </a:rPr>
-                            <m:t>𝛻</m:t>
-                          </m:r>
-                        </m:e>
-                      </m:acc>
-                      <m:r>
-                        <m:rPr>
-                          <m:sty m:val="p"/>
-                        </m:rPr>
-                        <a:rPr lang="en-US" sz="2400" b="0" i="0" smtClean="0">
-                          <a:latin typeface="Cambria Math" panose="02040503050406030204" pitchFamily="18" charset="0"/>
-                          <a:ea typeface="Cambria Math" panose="02040503050406030204" pitchFamily="18" charset="0"/>
-                        </a:rPr>
-                        <m:t>p</m:t>
-                      </m:r>
-                    </m:oMath>
-                  </m:oMathPara>
-                </a14:m>
-                <a:endParaRPr lang="ru-RU" sz="2400" dirty="0"/>
-              </a:p>
-            </p:txBody>
-          </p:sp>
-        </mc:Choice>
-        <mc:Fallback>
-          <p:sp>
-            <p:nvSpPr>
-              <p:cNvPr id="11" name="Прямоугольник 10"/>
-              <p:cNvSpPr>
-                <a:spLocks noRot="1" noChangeAspect="1" noMove="1" noResize="1" noEditPoints="1" noAdjustHandles="1" noChangeArrowheads="1" noChangeShapeType="1" noTextEdit="1"/>
-              </p:cNvSpPr>
-              <p:nvPr/>
-            </p:nvSpPr>
-            <p:spPr>
-              <a:xfrm>
-                <a:off x="4648551" y="1514474"/>
-                <a:ext cx="3501215" cy="941861"/>
-              </a:xfrm>
-              <a:prstGeom prst="rect">
-                <a:avLst/>
-              </a:prstGeom>
-              <a:blipFill>
-                <a:blip r:embed="rId3"/>
-                <a:stretch>
-                  <a:fillRect/>
-                </a:stretch>
-              </a:blipFill>
-            </p:spPr>
-            <p:txBody>
-              <a:bodyPr/>
-              <a:lstStyle/>
-              <a:p>
-                <a:r>
-                  <a:rPr lang="ru-RU">
-                    <a:noFill/>
-                  </a:rPr>
-                  <a:t> </a:t>
-                </a:r>
-              </a:p>
-            </p:txBody>
-          </p:sp>
-        </mc:Fallback>
-      </mc:AlternateContent>
-      <p:sp>
-        <p:nvSpPr>
-          <p:cNvPr id="12" name="TextBox 11"/>
-          <p:cNvSpPr txBox="1"/>
-          <p:nvPr/>
-        </p:nvSpPr>
-        <p:spPr>
-          <a:xfrm>
-            <a:off x="170657" y="3016048"/>
-            <a:ext cx="3525044" cy="769441"/>
-          </a:xfrm>
-          <a:prstGeom prst="rect">
-            <a:avLst/>
-          </a:prstGeom>
-          <a:noFill/>
-        </p:spPr>
-        <p:txBody>
-          <a:bodyPr wrap="square" rtlCol="0">
-            <a:spAutoFit/>
-          </a:bodyPr>
-          <a:lstStyle/>
-          <a:p>
-            <a:r>
-              <a:rPr lang="ru-RU" sz="2200" dirty="0" smtClean="0"/>
-              <a:t>Условие баланса давлений на поверхности струи:</a:t>
-            </a:r>
-            <a:endParaRPr lang="ru-RU" sz="2200" dirty="0"/>
-          </a:p>
-        </p:txBody>
-      </p:sp>
-      <mc:AlternateContent xmlns:mc="http://schemas.openxmlformats.org/markup-compatibility/2006">
-        <mc:Choice xmlns:a14="http://schemas.microsoft.com/office/drawing/2010/main" Requires="a14">
-          <p:sp>
-            <p:nvSpPr>
-              <p:cNvPr id="2" name="Прямоугольник 1"/>
-              <p:cNvSpPr/>
-              <p:nvPr/>
-            </p:nvSpPr>
-            <p:spPr>
-              <a:xfrm>
-                <a:off x="4648551" y="3169935"/>
-                <a:ext cx="4382290" cy="461665"/>
-              </a:xfrm>
-              <a:prstGeom prst="rect">
-                <a:avLst/>
-              </a:prstGeom>
-            </p:spPr>
-            <p:txBody>
-              <a:bodyPr wrap="none">
-                <a:spAutoFit/>
-              </a:bodyPr>
-              <a:lstStyle/>
-              <a:p>
-                <a14:m>
-                  <m:oMathPara xmlns:m="http://schemas.openxmlformats.org/officeDocument/2006/math">
-                    <m:oMathParaPr>
-                      <m:jc m:val="centerGroup"/>
-                    </m:oMathParaPr>
-                    <m:oMath xmlns:m="http://schemas.openxmlformats.org/officeDocument/2006/math">
-                      <m:eqArr>
-                        <m:eqArrPr>
-                          <m:ctrlPr>
-                            <a:rPr lang="ru-RU" sz="2400">
-                              <a:latin typeface="Cambria Math" panose="02040503050406030204" pitchFamily="18" charset="0"/>
-                            </a:rPr>
-                          </m:ctrlPr>
-                        </m:eqArrPr>
-                        <m:e>
-                          <m:r>
-                            <a:rPr lang="ru-RU" sz="2400">
-                              <a:latin typeface="Cambria Math" panose="02040503050406030204" pitchFamily="18" charset="0"/>
-                            </a:rPr>
-                            <m:t>&amp;</m:t>
-                          </m:r>
-                          <m:r>
-                            <a:rPr lang="ru-RU" sz="2400" i="1">
-                              <a:latin typeface="Cambria Math" panose="02040503050406030204" pitchFamily="18" charset="0"/>
-                            </a:rPr>
-                            <m:t>𝑝</m:t>
-                          </m:r>
-                          <m:r>
-                            <a:rPr lang="ru-RU" sz="2400" i="0">
-                              <a:latin typeface="Cambria Math" panose="02040503050406030204" pitchFamily="18" charset="0"/>
-                            </a:rPr>
-                            <m:t>−</m:t>
-                          </m:r>
-                          <m:sSub>
-                            <m:sSubPr>
-                              <m:ctrlPr>
-                                <a:rPr lang="ru-RU" sz="2400" i="1">
-                                  <a:latin typeface="Cambria Math" panose="02040503050406030204" pitchFamily="18" charset="0"/>
-                                </a:rPr>
-                              </m:ctrlPr>
-                            </m:sSubPr>
-                            <m:e>
-                              <m:r>
-                                <a:rPr lang="ru-RU" sz="2400" i="1">
-                                  <a:latin typeface="Cambria Math" panose="02040503050406030204" pitchFamily="18" charset="0"/>
-                                </a:rPr>
-                                <m:t>𝑝</m:t>
-                              </m:r>
-                            </m:e>
-                            <m:sub>
-                              <m:r>
-                                <a:rPr lang="ru-RU" sz="2400" i="1">
-                                  <a:latin typeface="Cambria Math" panose="02040503050406030204" pitchFamily="18" charset="0"/>
-                                </a:rPr>
-                                <m:t>𝛾</m:t>
-                              </m:r>
-                            </m:sub>
-                          </m:sSub>
-                          <m:r>
-                            <a:rPr lang="ru-RU" sz="2400" i="0">
-                              <a:latin typeface="Cambria Math" panose="02040503050406030204" pitchFamily="18" charset="0"/>
-                            </a:rPr>
-                            <m:t>+</m:t>
-                          </m:r>
-                          <m:sSub>
-                            <m:sSubPr>
-                              <m:ctrlPr>
-                                <a:rPr lang="ru-RU" sz="2400" i="1">
-                                  <a:latin typeface="Cambria Math" panose="02040503050406030204" pitchFamily="18" charset="0"/>
-                                </a:rPr>
-                              </m:ctrlPr>
-                            </m:sSubPr>
-                            <m:e>
-                              <m:r>
-                                <a:rPr lang="ru-RU" sz="2400" i="1">
-                                  <a:latin typeface="Cambria Math" panose="02040503050406030204" pitchFamily="18" charset="0"/>
-                                </a:rPr>
-                                <m:t>𝑝</m:t>
-                              </m:r>
-                            </m:e>
-                            <m:sub>
-                              <m:r>
-                                <a:rPr lang="ru-RU" sz="2400" i="1">
-                                  <a:latin typeface="Cambria Math" panose="02040503050406030204" pitchFamily="18" charset="0"/>
-                                </a:rPr>
-                                <m:t>𝑀</m:t>
-                              </m:r>
-                            </m:sub>
-                          </m:sSub>
-                          <m:r>
-                            <a:rPr lang="ru-RU" sz="2400" i="0">
-                              <a:latin typeface="Cambria Math" panose="02040503050406030204" pitchFamily="18" charset="0"/>
-                            </a:rPr>
-                            <m:t>=0,  </m:t>
-                          </m:r>
-                          <m:r>
-                            <a:rPr lang="ru-RU" sz="2400" i="1">
-                              <a:latin typeface="Cambria Math" panose="02040503050406030204" pitchFamily="18" charset="0"/>
-                            </a:rPr>
-                            <m:t>𝑟</m:t>
-                          </m:r>
-                          <m:r>
-                            <a:rPr lang="ru-RU" sz="2400" i="0">
-                              <a:latin typeface="Cambria Math" panose="02040503050406030204" pitchFamily="18" charset="0"/>
-                            </a:rPr>
-                            <m:t>=</m:t>
-                          </m:r>
-                          <m:r>
-                            <a:rPr lang="ru-RU" sz="2400" i="1">
-                              <a:latin typeface="Cambria Math" panose="02040503050406030204" pitchFamily="18" charset="0"/>
-                            </a:rPr>
-                            <m:t>𝑅</m:t>
-                          </m:r>
-                          <m:r>
-                            <a:rPr lang="ru-RU" sz="2400" i="0">
-                              <a:latin typeface="Cambria Math" panose="02040503050406030204" pitchFamily="18" charset="0"/>
-                            </a:rPr>
-                            <m:t>+</m:t>
-                          </m:r>
-                          <m:r>
-                            <a:rPr lang="ru-RU" sz="2400" i="1">
-                              <a:latin typeface="Cambria Math" panose="02040503050406030204" pitchFamily="18" charset="0"/>
-                            </a:rPr>
-                            <m:t>𝜉</m:t>
-                          </m:r>
-                        </m:e>
-                      </m:eqArr>
-                    </m:oMath>
-                  </m:oMathPara>
-                </a14:m>
-                <a:endParaRPr lang="ru-RU" dirty="0"/>
-              </a:p>
-            </p:txBody>
-          </p:sp>
-        </mc:Choice>
-        <mc:Fallback>
-          <p:sp>
-            <p:nvSpPr>
-              <p:cNvPr id="2" name="Прямоугольник 1"/>
-              <p:cNvSpPr>
-                <a:spLocks noRot="1" noChangeAspect="1" noMove="1" noResize="1" noEditPoints="1" noAdjustHandles="1" noChangeArrowheads="1" noChangeShapeType="1" noTextEdit="1"/>
-              </p:cNvSpPr>
-              <p:nvPr/>
-            </p:nvSpPr>
-            <p:spPr>
-              <a:xfrm>
-                <a:off x="4648551" y="3169935"/>
-                <a:ext cx="4382290" cy="461665"/>
-              </a:xfrm>
-              <a:prstGeom prst="rect">
-                <a:avLst/>
-              </a:prstGeom>
-              <a:blipFill>
-                <a:blip r:embed="rId4"/>
-                <a:stretch>
-                  <a:fillRect b="-10526"/>
-                </a:stretch>
-              </a:blipFill>
-            </p:spPr>
-            <p:txBody>
-              <a:bodyPr/>
-              <a:lstStyle/>
-              <a:p>
-                <a:r>
-                  <a:rPr lang="ru-RU">
-                    <a:noFill/>
-                  </a:rPr>
-                  <a:t> </a:t>
-                </a:r>
-              </a:p>
-            </p:txBody>
-          </p:sp>
-        </mc:Fallback>
-      </mc:AlternateContent>
-      <mc:AlternateContent xmlns:mc="http://schemas.openxmlformats.org/markup-compatibility/2006">
-        <mc:Choice xmlns:a14="http://schemas.microsoft.com/office/drawing/2010/main" Requires="a14">
-          <p:sp>
-            <p:nvSpPr>
-              <p:cNvPr id="3" name="Прямоугольник 2"/>
-              <p:cNvSpPr/>
-              <p:nvPr/>
-            </p:nvSpPr>
-            <p:spPr>
-              <a:xfrm>
-                <a:off x="4648551" y="4619766"/>
-                <a:ext cx="2602379" cy="479555"/>
-              </a:xfrm>
-              <a:prstGeom prst="rect">
-                <a:avLst/>
-              </a:prstGeom>
-            </p:spPr>
-            <p:txBody>
-              <a:bodyPr wrap="none">
-                <a:spAutoFit/>
-              </a:bodyPr>
-              <a:lstStyle/>
-              <a:p>
-                <a14:m>
-                  <m:oMathPara xmlns:m="http://schemas.openxmlformats.org/officeDocument/2006/math">
-                    <m:oMathParaPr>
-                      <m:jc m:val="centerGroup"/>
-                    </m:oMathParaPr>
-                    <m:oMath xmlns:m="http://schemas.openxmlformats.org/officeDocument/2006/math">
-                      <m:eqArr>
-                        <m:eqArrPr>
-                          <m:ctrlPr>
-                            <a:rPr lang="ru-RU" sz="2400">
-                              <a:latin typeface="Cambria Math" panose="02040503050406030204" pitchFamily="18" charset="0"/>
-                            </a:rPr>
-                          </m:ctrlPr>
-                        </m:eqArrPr>
-                        <m:e>
-                          <m:r>
-                            <a:rPr lang="ru-RU" sz="2400">
-                              <a:latin typeface="Cambria Math" panose="02040503050406030204" pitchFamily="18" charset="0"/>
-                            </a:rPr>
-                            <m:t>&amp;</m:t>
-                          </m:r>
-                          <m:acc>
-                            <m:accPr>
-                              <m:chr m:val="⃗"/>
-                              <m:ctrlPr>
-                                <a:rPr lang="ru-RU" sz="2400" i="1">
-                                  <a:latin typeface="Cambria Math" panose="02040503050406030204" pitchFamily="18" charset="0"/>
-                                </a:rPr>
-                              </m:ctrlPr>
-                            </m:accPr>
-                            <m:e>
-                              <m:r>
-                                <a:rPr lang="ru-RU" sz="2400" i="1">
-                                  <a:latin typeface="Cambria Math" panose="02040503050406030204" pitchFamily="18" charset="0"/>
-                                </a:rPr>
-                                <m:t>𝑈</m:t>
-                              </m:r>
-                            </m:e>
-                          </m:acc>
-                          <m:r>
-                            <a:rPr lang="ru-RU" sz="2400" i="0">
-                              <a:latin typeface="Cambria Math" panose="02040503050406030204" pitchFamily="18" charset="0"/>
-                            </a:rPr>
-                            <m:t>&lt; ∞,  </m:t>
-                          </m:r>
-                          <m:r>
-                            <a:rPr lang="ru-RU" sz="2400" i="1">
-                              <a:latin typeface="Cambria Math" panose="02040503050406030204" pitchFamily="18" charset="0"/>
-                            </a:rPr>
-                            <m:t>𝑟</m:t>
-                          </m:r>
-                          <m:r>
-                            <a:rPr lang="ru-RU" sz="2400" i="0">
-                              <a:latin typeface="Cambria Math" panose="02040503050406030204" pitchFamily="18" charset="0"/>
-                            </a:rPr>
-                            <m:t>=0</m:t>
-                          </m:r>
-                        </m:e>
-                      </m:eqArr>
-                    </m:oMath>
-                  </m:oMathPara>
-                </a14:m>
-                <a:endParaRPr lang="ru-RU" dirty="0"/>
-              </a:p>
-            </p:txBody>
-          </p:sp>
-        </mc:Choice>
-        <mc:Fallback>
-          <p:sp>
-            <p:nvSpPr>
-              <p:cNvPr id="3" name="Прямоугольник 2"/>
-              <p:cNvSpPr>
-                <a:spLocks noRot="1" noChangeAspect="1" noMove="1" noResize="1" noEditPoints="1" noAdjustHandles="1" noChangeArrowheads="1" noChangeShapeType="1" noTextEdit="1"/>
-              </p:cNvSpPr>
-              <p:nvPr/>
-            </p:nvSpPr>
-            <p:spPr>
-              <a:xfrm>
-                <a:off x="4648551" y="4619766"/>
-                <a:ext cx="2602379" cy="479555"/>
-              </a:xfrm>
-              <a:prstGeom prst="rect">
-                <a:avLst/>
-              </a:prstGeom>
-              <a:blipFill>
-                <a:blip r:embed="rId5"/>
-                <a:stretch>
-                  <a:fillRect b="-2532"/>
-                </a:stretch>
-              </a:blipFill>
-            </p:spPr>
-            <p:txBody>
-              <a:bodyPr/>
-              <a:lstStyle/>
-              <a:p>
-                <a:r>
-                  <a:rPr lang="ru-RU">
-                    <a:noFill/>
-                  </a:rPr>
-                  <a:t> </a:t>
-                </a:r>
-              </a:p>
-            </p:txBody>
-          </p:sp>
-        </mc:Fallback>
-      </mc:AlternateContent>
-      <p:sp>
-        <p:nvSpPr>
-          <p:cNvPr id="13" name="TextBox 12"/>
-          <p:cNvSpPr txBox="1"/>
-          <p:nvPr/>
-        </p:nvSpPr>
-        <p:spPr>
-          <a:xfrm>
-            <a:off x="170655" y="4474822"/>
-            <a:ext cx="3525045" cy="769441"/>
-          </a:xfrm>
-          <a:prstGeom prst="rect">
-            <a:avLst/>
-          </a:prstGeom>
-          <a:noFill/>
-        </p:spPr>
-        <p:txBody>
-          <a:bodyPr wrap="square" rtlCol="0">
-            <a:spAutoFit/>
-          </a:bodyPr>
-          <a:lstStyle/>
-          <a:p>
-            <a:r>
-              <a:rPr lang="ru-RU" sz="2200" dirty="0"/>
-              <a:t>Условие для </a:t>
-            </a:r>
-            <a:r>
-              <a:rPr lang="ru-RU" sz="2200" dirty="0" smtClean="0"/>
-              <a:t>скорости </a:t>
-            </a:r>
-            <a:r>
-              <a:rPr lang="ru-RU" sz="2200" dirty="0"/>
-              <a:t>на оси струи:</a:t>
-            </a:r>
-            <a:endParaRPr lang="ru-RU" sz="2200" dirty="0"/>
+            <a:endParaRPr lang="ru-RU" sz="5400" b="1" dirty="0"/>
           </a:p>
         </p:txBody>
       </p:sp>
     </p:spTree>
     <p:extLst>
       <p:ext uri="{BB962C8B-B14F-4D97-AF65-F5344CB8AC3E}">
-        <p14:creationId xmlns:p14="http://schemas.microsoft.com/office/powerpoint/2010/main" val="3191385756"/>
+        <p14:creationId xmlns:p14="http://schemas.microsoft.com/office/powerpoint/2010/main" val="1764040212"/>
       </p:ext>
     </p:extLst>
   </p:cSld>

--- a/Конференция.pptx
+++ b/Конференция.pptx
@@ -5,7 +5,7 @@
     <p:sldMasterId id="2147483648" r:id="rId1"/>
   </p:sldMasterIdLst>
   <p:notesMasterIdLst>
-    <p:notesMasterId r:id="rId10"/>
+    <p:notesMasterId r:id="rId11"/>
   </p:notesMasterIdLst>
   <p:sldIdLst>
     <p:sldId id="256" r:id="rId2"/>
@@ -15,7 +15,8 @@
     <p:sldId id="260" r:id="rId6"/>
     <p:sldId id="261" r:id="rId7"/>
     <p:sldId id="262" r:id="rId8"/>
-    <p:sldId id="265" r:id="rId9"/>
+    <p:sldId id="266" r:id="rId9"/>
+    <p:sldId id="265" r:id="rId10"/>
   </p:sldIdLst>
   <p:sldSz cx="12192000" cy="6858000"/>
   <p:notesSz cx="6858000" cy="9144000"/>
@@ -3332,29 +3333,6 @@
       </p:grpSpPr>
       <p:sp>
         <p:nvSpPr>
-          <p:cNvPr id="4" name="Номер слайда 3"/>
-          <p:cNvSpPr>
-            <a:spLocks noGrp="1"/>
-          </p:cNvSpPr>
-          <p:nvPr>
-            <p:ph type="sldNum" sz="quarter" idx="12"/>
-          </p:nvPr>
-        </p:nvSpPr>
-        <p:spPr/>
-        <p:txBody>
-          <a:bodyPr/>
-          <a:lstStyle/>
-          <a:p>
-            <a:fld id="{EAC0DF89-5B13-44F7-A1DF-4EC2E0A738B9}" type="slidenum">
-              <a:rPr lang="ru-RU" smtClean="0"/>
-              <a:t>1</a:t>
-            </a:fld>
-            <a:endParaRPr lang="ru-RU"/>
-          </a:p>
-        </p:txBody>
-      </p:sp>
-      <p:sp>
-        <p:nvSpPr>
           <p:cNvPr id="3" name="TextBox 2"/>
           <p:cNvSpPr txBox="1"/>
           <p:nvPr/>
@@ -3960,16 +3938,33 @@
             <p:ph type="sldNum" sz="quarter" idx="12"/>
           </p:nvPr>
         </p:nvSpPr>
-        <p:spPr/>
+        <p:spPr>
+          <a:xfrm>
+            <a:off x="9165968" y="6356350"/>
+            <a:ext cx="2743200" cy="365125"/>
+          </a:xfrm>
+        </p:spPr>
         <p:txBody>
           <a:bodyPr/>
           <a:lstStyle/>
           <a:p>
             <a:fld id="{EAC0DF89-5B13-44F7-A1DF-4EC2E0A738B9}" type="slidenum">
-              <a:rPr lang="ru-RU" smtClean="0"/>
+              <a:rPr lang="ru-RU" sz="2400" smtClean="0">
+                <a:solidFill>
+                  <a:schemeClr val="accent5">
+                    <a:lumMod val="75000"/>
+                  </a:schemeClr>
+                </a:solidFill>
+              </a:rPr>
               <a:t>2</a:t>
             </a:fld>
-            <a:endParaRPr lang="ru-RU" dirty="0"/>
+            <a:endParaRPr lang="ru-RU" sz="2400" dirty="0">
+              <a:solidFill>
+                <a:schemeClr val="accent5">
+                  <a:lumMod val="75000"/>
+                </a:schemeClr>
+              </a:solidFill>
+            </a:endParaRPr>
           </a:p>
         </p:txBody>
       </p:sp>
@@ -4362,8 +4357,8 @@
           </p:sp>
         </mc:Fallback>
       </mc:AlternateContent>
-      <mc:AlternateContent xmlns:mc="http://schemas.openxmlformats.org/markup-compatibility/2006">
-        <mc:Choice xmlns:a14="http://schemas.microsoft.com/office/drawing/2010/main" Requires="a14">
+      <mc:AlternateContent xmlns:mc="http://schemas.openxmlformats.org/markup-compatibility/2006" xmlns:a14="http://schemas.microsoft.com/office/drawing/2010/main">
+        <mc:Choice Requires="a14">
           <p:sp>
             <p:nvSpPr>
               <p:cNvPr id="12" name="Прямоугольник 11"/>
@@ -4413,6 +4408,7 @@
                 </a:endParaRPr>
               </a:p>
               <a:p>
+                <a:pPr/>
                 <a14:m>
                   <m:oMathPara xmlns:m="http://schemas.openxmlformats.org/officeDocument/2006/math">
                     <m:oMathParaPr>
@@ -4486,7 +4482,7 @@
             </p:txBody>
           </p:sp>
         </mc:Choice>
-        <mc:Fallback>
+        <mc:Fallback xmlns="">
           <p:sp>
             <p:nvSpPr>
               <p:cNvPr id="12" name="Прямоугольник 11"/>
@@ -4565,29 +4561,6 @@
       </p:grpSpPr>
       <p:sp>
         <p:nvSpPr>
-          <p:cNvPr id="4" name="Номер слайда 3"/>
-          <p:cNvSpPr>
-            <a:spLocks noGrp="1"/>
-          </p:cNvSpPr>
-          <p:nvPr>
-            <p:ph type="sldNum" sz="quarter" idx="12"/>
-          </p:nvPr>
-        </p:nvSpPr>
-        <p:spPr/>
-        <p:txBody>
-          <a:bodyPr/>
-          <a:lstStyle/>
-          <a:p>
-            <a:fld id="{EAC0DF89-5B13-44F7-A1DF-4EC2E0A738B9}" type="slidenum">
-              <a:rPr lang="ru-RU" smtClean="0"/>
-              <a:t>3</a:t>
-            </a:fld>
-            <a:endParaRPr lang="ru-RU"/>
-          </a:p>
-        </p:txBody>
-      </p:sp>
-      <p:sp>
-        <p:nvSpPr>
           <p:cNvPr id="5" name="TextBox 4"/>
           <p:cNvSpPr txBox="1"/>
           <p:nvPr/>
@@ -4648,8 +4621,8 @@
           </a:p>
         </p:txBody>
       </p:sp>
-      <mc:AlternateContent xmlns:mc="http://schemas.openxmlformats.org/markup-compatibility/2006">
-        <mc:Choice xmlns:a14="http://schemas.microsoft.com/office/drawing/2010/main" Requires="a14">
+      <mc:AlternateContent xmlns:mc="http://schemas.openxmlformats.org/markup-compatibility/2006" xmlns:a14="http://schemas.microsoft.com/office/drawing/2010/main">
+        <mc:Choice Requires="a14">
           <p:sp>
             <p:nvSpPr>
               <p:cNvPr id="6" name="Прямоугольник 5"/>
@@ -4758,7 +4731,7 @@
             </p:txBody>
           </p:sp>
         </mc:Choice>
-        <mc:Fallback>
+        <mc:Fallback xmlns="">
           <p:sp>
             <p:nvSpPr>
               <p:cNvPr id="6" name="Прямоугольник 5"/>
@@ -4797,8 +4770,8 @@
           </p:sp>
         </mc:Fallback>
       </mc:AlternateContent>
-      <mc:AlternateContent xmlns:mc="http://schemas.openxmlformats.org/markup-compatibility/2006">
-        <mc:Choice xmlns:a14="http://schemas.microsoft.com/office/drawing/2010/main" Requires="a14">
+      <mc:AlternateContent xmlns:mc="http://schemas.openxmlformats.org/markup-compatibility/2006" xmlns:a14="http://schemas.microsoft.com/office/drawing/2010/main">
+        <mc:Choice Requires="a14">
           <p:sp>
             <p:nvSpPr>
               <p:cNvPr id="7" name="Прямоугольник 6"/>
@@ -4988,7 +4961,7 @@
             </p:txBody>
           </p:sp>
         </mc:Choice>
-        <mc:Fallback>
+        <mc:Fallback xmlns="">
           <p:sp>
             <p:nvSpPr>
               <p:cNvPr id="7" name="Прямоугольник 6"/>
@@ -5027,8 +5000,8 @@
           </p:sp>
         </mc:Fallback>
       </mc:AlternateContent>
-      <mc:AlternateContent xmlns:mc="http://schemas.openxmlformats.org/markup-compatibility/2006">
-        <mc:Choice xmlns:a14="http://schemas.microsoft.com/office/drawing/2010/main" Requires="a14">
+      <mc:AlternateContent xmlns:mc="http://schemas.openxmlformats.org/markup-compatibility/2006" xmlns:a14="http://schemas.microsoft.com/office/drawing/2010/main">
+        <mc:Choice Requires="a14">
           <p:sp>
             <p:nvSpPr>
               <p:cNvPr id="8" name="Прямоугольник 7"/>
@@ -5133,7 +5106,7 @@
             </p:txBody>
           </p:sp>
         </mc:Choice>
-        <mc:Fallback>
+        <mc:Fallback xmlns="">
           <p:sp>
             <p:nvSpPr>
               <p:cNvPr id="8" name="Прямоугольник 7"/>
@@ -5172,8 +5145,8 @@
           </p:sp>
         </mc:Fallback>
       </mc:AlternateContent>
-      <mc:AlternateContent xmlns:mc="http://schemas.openxmlformats.org/markup-compatibility/2006">
-        <mc:Choice xmlns:a14="http://schemas.microsoft.com/office/drawing/2010/main" Requires="a14">
+      <mc:AlternateContent xmlns:mc="http://schemas.openxmlformats.org/markup-compatibility/2006" xmlns:a14="http://schemas.microsoft.com/office/drawing/2010/main">
+        <mc:Choice Requires="a14">
           <p:sp>
             <p:nvSpPr>
               <p:cNvPr id="9" name="Прямоугольник 8"/>
@@ -5343,7 +5316,7 @@
             </p:txBody>
           </p:sp>
         </mc:Choice>
-        <mc:Fallback>
+        <mc:Fallback xmlns="">
           <p:sp>
             <p:nvSpPr>
               <p:cNvPr id="9" name="Прямоугольник 8"/>
@@ -5382,8 +5355,8 @@
           </p:sp>
         </mc:Fallback>
       </mc:AlternateContent>
-      <mc:AlternateContent xmlns:mc="http://schemas.openxmlformats.org/markup-compatibility/2006">
-        <mc:Choice xmlns:a14="http://schemas.microsoft.com/office/drawing/2010/main" Requires="a14">
+      <mc:AlternateContent xmlns:mc="http://schemas.openxmlformats.org/markup-compatibility/2006" xmlns:a14="http://schemas.microsoft.com/office/drawing/2010/main">
+        <mc:Choice Requires="a14">
           <p:sp>
             <p:nvSpPr>
               <p:cNvPr id="10" name="Прямоугольник 9"/>
@@ -5511,7 +5484,7 @@
             </p:txBody>
           </p:sp>
         </mc:Choice>
-        <mc:Fallback>
+        <mc:Fallback xmlns="">
           <p:sp>
             <p:nvSpPr>
               <p:cNvPr id="10" name="Прямоугольник 9"/>
@@ -5550,8 +5523,8 @@
           </p:sp>
         </mc:Fallback>
       </mc:AlternateContent>
-      <mc:AlternateContent xmlns:mc="http://schemas.openxmlformats.org/markup-compatibility/2006">
-        <mc:Choice xmlns:a14="http://schemas.microsoft.com/office/drawing/2010/main" Requires="a14">
+      <mc:AlternateContent xmlns:mc="http://schemas.openxmlformats.org/markup-compatibility/2006" xmlns:a14="http://schemas.microsoft.com/office/drawing/2010/main">
+        <mc:Choice Requires="a14">
           <p:sp>
             <p:nvSpPr>
               <p:cNvPr id="11" name="Прямоугольник 10"/>
@@ -5679,7 +5652,7 @@
             </p:txBody>
           </p:sp>
         </mc:Choice>
-        <mc:Fallback>
+        <mc:Fallback xmlns="">
           <p:sp>
             <p:nvSpPr>
               <p:cNvPr id="11" name="Прямоугольник 10"/>
@@ -5718,8 +5691,8 @@
           </p:sp>
         </mc:Fallback>
       </mc:AlternateContent>
-      <mc:AlternateContent xmlns:mc="http://schemas.openxmlformats.org/markup-compatibility/2006">
-        <mc:Choice xmlns:a14="http://schemas.microsoft.com/office/drawing/2010/main" Requires="a14">
+      <mc:AlternateContent xmlns:mc="http://schemas.openxmlformats.org/markup-compatibility/2006" xmlns:a14="http://schemas.microsoft.com/office/drawing/2010/main">
+        <mc:Choice Requires="a14">
           <p:sp>
             <p:nvSpPr>
               <p:cNvPr id="12" name="Прямоугольник 11"/>
@@ -5941,7 +5914,7 @@
             </p:txBody>
           </p:sp>
         </mc:Choice>
-        <mc:Fallback>
+        <mc:Fallback xmlns="">
           <p:sp>
             <p:nvSpPr>
               <p:cNvPr id="12" name="Прямоугольник 11"/>
@@ -5980,8 +5953,8 @@
           </p:sp>
         </mc:Fallback>
       </mc:AlternateContent>
-      <mc:AlternateContent xmlns:mc="http://schemas.openxmlformats.org/markup-compatibility/2006">
-        <mc:Choice xmlns:a14="http://schemas.microsoft.com/office/drawing/2010/main" Requires="a14">
+      <mc:AlternateContent xmlns:mc="http://schemas.openxmlformats.org/markup-compatibility/2006" xmlns:a14="http://schemas.microsoft.com/office/drawing/2010/main">
+        <mc:Choice Requires="a14">
           <p:sp>
             <p:nvSpPr>
               <p:cNvPr id="13" name="Прямоугольник 12"/>
@@ -6138,7 +6111,7 @@
             </p:txBody>
           </p:sp>
         </mc:Choice>
-        <mc:Fallback>
+        <mc:Fallback xmlns="">
           <p:sp>
             <p:nvSpPr>
               <p:cNvPr id="13" name="Прямоугольник 12"/>
@@ -6177,6 +6150,46 @@
           </p:sp>
         </mc:Fallback>
       </mc:AlternateContent>
+      <p:sp>
+        <p:nvSpPr>
+          <p:cNvPr id="14" name="Номер слайда 9"/>
+          <p:cNvSpPr>
+            <a:spLocks noGrp="1"/>
+          </p:cNvSpPr>
+          <p:nvPr>
+            <p:ph type="sldNum" sz="quarter" idx="12"/>
+          </p:nvPr>
+        </p:nvSpPr>
+        <p:spPr>
+          <a:xfrm>
+            <a:off x="9165968" y="6356350"/>
+            <a:ext cx="2743200" cy="365125"/>
+          </a:xfrm>
+        </p:spPr>
+        <p:txBody>
+          <a:bodyPr/>
+          <a:lstStyle/>
+          <a:p>
+            <a:r>
+              <a:rPr lang="ru-RU" sz="2400" dirty="0">
+                <a:solidFill>
+                  <a:schemeClr val="accent5">
+                    <a:lumMod val="75000"/>
+                  </a:schemeClr>
+                </a:solidFill>
+              </a:rPr>
+              <a:t>3</a:t>
+            </a:r>
+            <a:endParaRPr lang="ru-RU" sz="2400" dirty="0">
+              <a:solidFill>
+                <a:schemeClr val="accent5">
+                  <a:lumMod val="75000"/>
+                </a:schemeClr>
+              </a:solidFill>
+            </a:endParaRPr>
+          </a:p>
+        </p:txBody>
+      </p:sp>
     </p:spTree>
     <p:extLst>
       <p:ext uri="{BB962C8B-B14F-4D97-AF65-F5344CB8AC3E}">
@@ -7498,29 +7511,6 @@
       </mc:AlternateContent>
       <p:sp>
         <p:nvSpPr>
-          <p:cNvPr id="15" name="Номер слайда 14"/>
-          <p:cNvSpPr>
-            <a:spLocks noGrp="1"/>
-          </p:cNvSpPr>
-          <p:nvPr>
-            <p:ph type="sldNum" sz="quarter" idx="12"/>
-          </p:nvPr>
-        </p:nvSpPr>
-        <p:spPr/>
-        <p:txBody>
-          <a:bodyPr/>
-          <a:lstStyle/>
-          <a:p>
-            <a:fld id="{EAC0DF89-5B13-44F7-A1DF-4EC2E0A738B9}" type="slidenum">
-              <a:rPr lang="ru-RU" smtClean="0"/>
-              <a:t>4</a:t>
-            </a:fld>
-            <a:endParaRPr lang="ru-RU" dirty="0"/>
-          </a:p>
-        </p:txBody>
-      </p:sp>
-      <p:sp>
-        <p:nvSpPr>
           <p:cNvPr id="16" name="TextBox 15"/>
           <p:cNvSpPr txBox="1"/>
           <p:nvPr/>
@@ -8066,6 +8056,46 @@
           </p:sp>
         </mc:Fallback>
       </mc:AlternateContent>
+      <p:sp>
+        <p:nvSpPr>
+          <p:cNvPr id="7" name="Номер слайда 9"/>
+          <p:cNvSpPr>
+            <a:spLocks noGrp="1"/>
+          </p:cNvSpPr>
+          <p:nvPr>
+            <p:ph type="sldNum" sz="quarter" idx="12"/>
+          </p:nvPr>
+        </p:nvSpPr>
+        <p:spPr>
+          <a:xfrm>
+            <a:off x="9165968" y="6356350"/>
+            <a:ext cx="2743200" cy="365125"/>
+          </a:xfrm>
+        </p:spPr>
+        <p:txBody>
+          <a:bodyPr/>
+          <a:lstStyle/>
+          <a:p>
+            <a:r>
+              <a:rPr lang="ru-RU" sz="2400" dirty="0" smtClean="0">
+                <a:solidFill>
+                  <a:schemeClr val="accent5">
+                    <a:lumMod val="75000"/>
+                  </a:schemeClr>
+                </a:solidFill>
+              </a:rPr>
+              <a:t>4</a:t>
+            </a:r>
+            <a:endParaRPr lang="ru-RU" sz="2400" dirty="0">
+              <a:solidFill>
+                <a:schemeClr val="accent5">
+                  <a:lumMod val="75000"/>
+                </a:schemeClr>
+              </a:solidFill>
+            </a:endParaRPr>
+          </a:p>
+        </p:txBody>
+      </p:sp>
     </p:spTree>
     <p:extLst>
       <p:ext uri="{BB962C8B-B14F-4D97-AF65-F5344CB8AC3E}">
@@ -8423,8 +8453,8 @@
           </p:sp>
         </mc:Fallback>
       </mc:AlternateContent>
-      <mc:AlternateContent xmlns:mc="http://schemas.openxmlformats.org/markup-compatibility/2006">
-        <mc:Choice xmlns:a14="http://schemas.microsoft.com/office/drawing/2010/main" Requires="a14">
+      <mc:AlternateContent xmlns:mc="http://schemas.openxmlformats.org/markup-compatibility/2006" xmlns:a14="http://schemas.microsoft.com/office/drawing/2010/main">
+        <mc:Choice Requires="a14">
           <p:sp>
             <p:nvSpPr>
               <p:cNvPr id="11" name="TextBox 10"/>
@@ -8966,7 +8996,7 @@
             </p:txBody>
           </p:sp>
         </mc:Choice>
-        <mc:Fallback>
+        <mc:Fallback xmlns="">
           <p:sp>
             <p:nvSpPr>
               <p:cNvPr id="11" name="TextBox 10"/>
@@ -9005,29 +9035,6 @@
           </p:sp>
         </mc:Fallback>
       </mc:AlternateContent>
-      <p:sp>
-        <p:nvSpPr>
-          <p:cNvPr id="14" name="Номер слайда 13"/>
-          <p:cNvSpPr>
-            <a:spLocks noGrp="1"/>
-          </p:cNvSpPr>
-          <p:nvPr>
-            <p:ph type="sldNum" sz="quarter" idx="12"/>
-          </p:nvPr>
-        </p:nvSpPr>
-        <p:spPr/>
-        <p:txBody>
-          <a:bodyPr/>
-          <a:lstStyle/>
-          <a:p>
-            <a:fld id="{EAC0DF89-5B13-44F7-A1DF-4EC2E0A738B9}" type="slidenum">
-              <a:rPr lang="ru-RU" smtClean="0"/>
-              <a:t>5</a:t>
-            </a:fld>
-            <a:endParaRPr lang="ru-RU"/>
-          </a:p>
-        </p:txBody>
-      </p:sp>
       <p:sp>
         <p:nvSpPr>
           <p:cNvPr id="12" name="TextBox 11"/>
@@ -9339,8 +9346,8 @@
           </p:sp>
         </mc:Fallback>
       </mc:AlternateContent>
-      <mc:AlternateContent xmlns:mc="http://schemas.openxmlformats.org/markup-compatibility/2006">
-        <mc:Choice xmlns:a14="http://schemas.microsoft.com/office/drawing/2010/main" Requires="a14">
+      <mc:AlternateContent xmlns:mc="http://schemas.openxmlformats.org/markup-compatibility/2006" xmlns:a14="http://schemas.microsoft.com/office/drawing/2010/main">
+        <mc:Choice Requires="a14">
           <p:sp>
             <p:nvSpPr>
               <p:cNvPr id="25" name="TextBox 24"/>
@@ -9688,7 +9695,7 @@
             </p:txBody>
           </p:sp>
         </mc:Choice>
-        <mc:Fallback>
+        <mc:Fallback xmlns="">
           <p:sp>
             <p:nvSpPr>
               <p:cNvPr id="25" name="TextBox 24"/>
@@ -9727,8 +9734,8 @@
           </p:sp>
         </mc:Fallback>
       </mc:AlternateContent>
-      <mc:AlternateContent xmlns:mc="http://schemas.openxmlformats.org/markup-compatibility/2006">
-        <mc:Choice xmlns:a14="http://schemas.microsoft.com/office/drawing/2010/main" Requires="a14">
+      <mc:AlternateContent xmlns:mc="http://schemas.openxmlformats.org/markup-compatibility/2006" xmlns:a14="http://schemas.microsoft.com/office/drawing/2010/main">
+        <mc:Choice Requires="a14">
           <p:sp>
             <p:nvSpPr>
               <p:cNvPr id="27" name="TextBox 26"/>
@@ -9821,7 +9828,7 @@
             </p:txBody>
           </p:sp>
         </mc:Choice>
-        <mc:Fallback>
+        <mc:Fallback xmlns="">
           <p:sp>
             <p:nvSpPr>
               <p:cNvPr id="27" name="TextBox 26"/>
@@ -9860,8 +9867,8 @@
           </p:sp>
         </mc:Fallback>
       </mc:AlternateContent>
-      <mc:AlternateContent xmlns:mc="http://schemas.openxmlformats.org/markup-compatibility/2006">
-        <mc:Choice xmlns:a14="http://schemas.microsoft.com/office/drawing/2010/main" Requires="a14">
+      <mc:AlternateContent xmlns:mc="http://schemas.openxmlformats.org/markup-compatibility/2006" xmlns:a14="http://schemas.microsoft.com/office/drawing/2010/main">
+        <mc:Choice Requires="a14">
           <p:sp>
             <p:nvSpPr>
               <p:cNvPr id="2" name="Прямоугольник 1"/>
@@ -9883,6 +9890,7 @@
               </a:bodyPr>
               <a:lstStyle/>
               <a:p>
+                <a:pPr/>
                 <a14:m>
                   <m:oMathPara xmlns:m="http://schemas.openxmlformats.org/officeDocument/2006/math">
                     <m:oMathParaPr>
@@ -9915,7 +9923,7 @@
             </p:txBody>
           </p:sp>
         </mc:Choice>
-        <mc:Fallback>
+        <mc:Fallback xmlns="">
           <p:sp>
             <p:nvSpPr>
               <p:cNvPr id="2" name="Прямоугольник 1"/>
@@ -9954,6 +9962,46 @@
           </p:sp>
         </mc:Fallback>
       </mc:AlternateContent>
+      <p:sp>
+        <p:nvSpPr>
+          <p:cNvPr id="13" name="Номер слайда 9"/>
+          <p:cNvSpPr>
+            <a:spLocks noGrp="1"/>
+          </p:cNvSpPr>
+          <p:nvPr>
+            <p:ph type="sldNum" sz="quarter" idx="12"/>
+          </p:nvPr>
+        </p:nvSpPr>
+        <p:spPr>
+          <a:xfrm>
+            <a:off x="9165968" y="6356350"/>
+            <a:ext cx="2743200" cy="365125"/>
+          </a:xfrm>
+        </p:spPr>
+        <p:txBody>
+          <a:bodyPr/>
+          <a:lstStyle/>
+          <a:p>
+            <a:r>
+              <a:rPr lang="ru-RU" sz="2400" dirty="0" smtClean="0">
+                <a:solidFill>
+                  <a:schemeClr val="accent5">
+                    <a:lumMod val="75000"/>
+                  </a:schemeClr>
+                </a:solidFill>
+              </a:rPr>
+              <a:t>5</a:t>
+            </a:r>
+            <a:endParaRPr lang="ru-RU" sz="2400" dirty="0">
+              <a:solidFill>
+                <a:schemeClr val="accent5">
+                  <a:lumMod val="75000"/>
+                </a:schemeClr>
+              </a:solidFill>
+            </a:endParaRPr>
+          </a:p>
+        </p:txBody>
+      </p:sp>
     </p:spTree>
     <p:extLst>
       <p:ext uri="{BB962C8B-B14F-4D97-AF65-F5344CB8AC3E}">
@@ -9991,31 +10039,8 @@
           <a:chExt cx="0" cy="0"/>
         </a:xfrm>
       </p:grpSpPr>
-      <p:sp>
-        <p:nvSpPr>
-          <p:cNvPr id="4" name="Номер слайда 3"/>
-          <p:cNvSpPr>
-            <a:spLocks noGrp="1"/>
-          </p:cNvSpPr>
-          <p:nvPr>
-            <p:ph type="sldNum" sz="quarter" idx="12"/>
-          </p:nvPr>
-        </p:nvSpPr>
-        <p:spPr/>
-        <p:txBody>
-          <a:bodyPr/>
-          <a:lstStyle/>
-          <a:p>
-            <a:fld id="{EAC0DF89-5B13-44F7-A1DF-4EC2E0A738B9}" type="slidenum">
-              <a:rPr lang="ru-RU" smtClean="0"/>
-              <a:t>6</a:t>
-            </a:fld>
-            <a:endParaRPr lang="ru-RU"/>
-          </a:p>
-        </p:txBody>
-      </p:sp>
-      <mc:AlternateContent xmlns:mc="http://schemas.openxmlformats.org/markup-compatibility/2006">
-        <mc:Choice xmlns:a14="http://schemas.microsoft.com/office/drawing/2010/main" Requires="a14">
+      <mc:AlternateContent xmlns:mc="http://schemas.openxmlformats.org/markup-compatibility/2006" xmlns:a14="http://schemas.microsoft.com/office/drawing/2010/main">
+        <mc:Choice Requires="a14">
           <p:sp>
             <p:nvSpPr>
               <p:cNvPr id="6" name="Прямоугольник 5"/>
@@ -10273,7 +10298,7 @@
             </p:txBody>
           </p:sp>
         </mc:Choice>
-        <mc:Fallback>
+        <mc:Fallback xmlns="">
           <p:sp>
             <p:nvSpPr>
               <p:cNvPr id="6" name="Прямоугольник 5"/>
@@ -11287,8 +11312,8 @@
           </a:p>
         </p:txBody>
       </p:sp>
-      <mc:AlternateContent xmlns:mc="http://schemas.openxmlformats.org/markup-compatibility/2006">
-        <mc:Choice xmlns:a14="http://schemas.microsoft.com/office/drawing/2010/main" Requires="a14">
+      <mc:AlternateContent xmlns:mc="http://schemas.openxmlformats.org/markup-compatibility/2006" xmlns:a14="http://schemas.microsoft.com/office/drawing/2010/main">
+        <mc:Choice Requires="a14">
           <p:sp>
             <p:nvSpPr>
               <p:cNvPr id="2" name="Прямоугольник 1"/>
@@ -11847,7 +11872,7 @@
             </p:txBody>
           </p:sp>
         </mc:Choice>
-        <mc:Fallback>
+        <mc:Fallback xmlns="">
           <p:sp>
             <p:nvSpPr>
               <p:cNvPr id="2" name="Прямоугольник 1"/>
@@ -12690,6 +12715,46 @@
           </a:p>
         </p:txBody>
       </p:sp>
+      <p:sp>
+        <p:nvSpPr>
+          <p:cNvPr id="13" name="Номер слайда 9"/>
+          <p:cNvSpPr>
+            <a:spLocks noGrp="1"/>
+          </p:cNvSpPr>
+          <p:nvPr>
+            <p:ph type="sldNum" sz="quarter" idx="12"/>
+          </p:nvPr>
+        </p:nvSpPr>
+        <p:spPr>
+          <a:xfrm>
+            <a:off x="9165968" y="6356350"/>
+            <a:ext cx="2743200" cy="365125"/>
+          </a:xfrm>
+        </p:spPr>
+        <p:txBody>
+          <a:bodyPr/>
+          <a:lstStyle/>
+          <a:p>
+            <a:r>
+              <a:rPr lang="ru-RU" sz="2400" dirty="0" smtClean="0">
+                <a:solidFill>
+                  <a:schemeClr val="accent5">
+                    <a:lumMod val="75000"/>
+                  </a:schemeClr>
+                </a:solidFill>
+              </a:rPr>
+              <a:t>6</a:t>
+            </a:r>
+            <a:endParaRPr lang="ru-RU" sz="2400" dirty="0">
+              <a:solidFill>
+                <a:schemeClr val="accent5">
+                  <a:lumMod val="75000"/>
+                </a:schemeClr>
+              </a:solidFill>
+            </a:endParaRPr>
+          </a:p>
+        </p:txBody>
+      </p:sp>
     </p:spTree>
     <p:extLst>
       <p:ext uri="{BB962C8B-B14F-4D97-AF65-F5344CB8AC3E}">
@@ -12753,29 +12818,6 @@
       </p:pic>
       <p:sp>
         <p:nvSpPr>
-          <p:cNvPr id="4" name="Номер слайда 3"/>
-          <p:cNvSpPr>
-            <a:spLocks noGrp="1"/>
-          </p:cNvSpPr>
-          <p:nvPr>
-            <p:ph type="sldNum" sz="quarter" idx="12"/>
-          </p:nvPr>
-        </p:nvSpPr>
-        <p:spPr/>
-        <p:txBody>
-          <a:bodyPr/>
-          <a:lstStyle/>
-          <a:p>
-            <a:fld id="{EAC0DF89-5B13-44F7-A1DF-4EC2E0A738B9}" type="slidenum">
-              <a:rPr lang="ru-RU" smtClean="0"/>
-              <a:t>7</a:t>
-            </a:fld>
-            <a:endParaRPr lang="ru-RU"/>
-          </a:p>
-        </p:txBody>
-      </p:sp>
-      <p:sp>
-        <p:nvSpPr>
           <p:cNvPr id="6" name="TextBox 5"/>
           <p:cNvSpPr txBox="1"/>
           <p:nvPr/>
@@ -12836,8 +12878,8 @@
           </a:p>
         </p:txBody>
       </p:sp>
-      <mc:AlternateContent xmlns:mc="http://schemas.openxmlformats.org/markup-compatibility/2006">
-        <mc:Choice xmlns:a14="http://schemas.microsoft.com/office/drawing/2010/main" Requires="a14">
+      <mc:AlternateContent xmlns:mc="http://schemas.openxmlformats.org/markup-compatibility/2006" xmlns:a14="http://schemas.microsoft.com/office/drawing/2010/main">
+        <mc:Choice Requires="a14">
           <p:sp>
             <p:nvSpPr>
               <p:cNvPr id="2" name="Прямоугольник 1"/>
@@ -12863,13 +12905,7 @@
                   <a:rPr lang="ru-RU" sz="2200" dirty="0" smtClean="0">
                     <a:ea typeface="Cambria Math" panose="02040503050406030204" pitchFamily="18" charset="0"/>
                   </a:rPr>
-                  <a:t>В</a:t>
-                </a:r>
-                <a:r>
-                  <a:rPr lang="ru-RU" sz="2200" dirty="0" smtClean="0">
-                    <a:ea typeface="Cambria Math" panose="02040503050406030204" pitchFamily="18" charset="0"/>
-                  </a:rPr>
-                  <a:t>клад в развитие неустойчивости дают только моды с  </a:t>
+                  <a:t>Вклад в развитие неустойчивости дают только моды с  </a:t>
                 </a:r>
                 <a14:m>
                   <m:oMath xmlns:m="http://schemas.openxmlformats.org/officeDocument/2006/math">
@@ -12908,7 +12944,7 @@
             </p:txBody>
           </p:sp>
         </mc:Choice>
-        <mc:Fallback>
+        <mc:Fallback xmlns="">
           <p:sp>
             <p:nvSpPr>
               <p:cNvPr id="2" name="Прямоугольник 1"/>
@@ -12947,8 +12983,8 @@
           </p:sp>
         </mc:Fallback>
       </mc:AlternateContent>
-      <mc:AlternateContent xmlns:mc="http://schemas.openxmlformats.org/markup-compatibility/2006">
-        <mc:Choice xmlns:a14="http://schemas.microsoft.com/office/drawing/2010/main" Requires="a14">
+      <mc:AlternateContent xmlns:mc="http://schemas.openxmlformats.org/markup-compatibility/2006" xmlns:a14="http://schemas.microsoft.com/office/drawing/2010/main">
+        <mc:Choice Requires="a14">
           <p:sp>
             <p:nvSpPr>
               <p:cNvPr id="8" name="TextBox 7"/>
@@ -13015,16 +13051,7 @@
                     </a:solidFill>
                     <a:cs typeface="Arial" panose="020B0604020202020204" pitchFamily="34" charset="0"/>
                   </a:rPr>
-                  <a:t>График зависимости квадрата частоты от волнового числа для осесимметричных </a:t>
-                </a:r>
-                <a:r>
-                  <a:rPr lang="ru-RU" sz="2200" i="1" dirty="0" smtClean="0">
-                    <a:solidFill>
-                      <a:schemeClr val="tx1"/>
-                    </a:solidFill>
-                    <a:cs typeface="Arial" panose="020B0604020202020204" pitchFamily="34" charset="0"/>
-                  </a:rPr>
-                  <a:t>возмущений (построено при параметрах:</a:t>
+                  <a:t>График зависимости квадрата частоты от волнового числа для осесимметричных возмущений (построено при параметрах:</a:t>
                 </a:r>
                 <a:r>
                   <a:rPr lang="en-US" sz="2200" i="1" dirty="0" smtClean="0">
@@ -13181,7 +13208,7 @@
             </p:txBody>
           </p:sp>
         </mc:Choice>
-        <mc:Fallback>
+        <mc:Fallback xmlns="">
           <p:sp>
             <p:nvSpPr>
               <p:cNvPr id="8" name="TextBox 7"/>
@@ -13220,8 +13247,8 @@
           </p:sp>
         </mc:Fallback>
       </mc:AlternateContent>
-      <mc:AlternateContent xmlns:mc="http://schemas.openxmlformats.org/markup-compatibility/2006">
-        <mc:Choice xmlns:a14="http://schemas.microsoft.com/office/drawing/2010/main" Requires="a14">
+      <mc:AlternateContent xmlns:mc="http://schemas.openxmlformats.org/markup-compatibility/2006" xmlns:a14="http://schemas.microsoft.com/office/drawing/2010/main">
+        <mc:Choice Requires="a14">
           <p:sp>
             <p:nvSpPr>
               <p:cNvPr id="9" name="Прямоугольник 8"/>
@@ -13297,7 +13324,7 @@
             </p:txBody>
           </p:sp>
         </mc:Choice>
-        <mc:Fallback>
+        <mc:Fallback xmlns="">
           <p:sp>
             <p:nvSpPr>
               <p:cNvPr id="9" name="Прямоугольник 8"/>
@@ -13336,8 +13363,8 @@
           </p:sp>
         </mc:Fallback>
       </mc:AlternateContent>
-      <mc:AlternateContent xmlns:mc="http://schemas.openxmlformats.org/markup-compatibility/2006">
-        <mc:Choice xmlns:a14="http://schemas.microsoft.com/office/drawing/2010/main" Requires="a14">
+      <mc:AlternateContent xmlns:mc="http://schemas.openxmlformats.org/markup-compatibility/2006" xmlns:a14="http://schemas.microsoft.com/office/drawing/2010/main">
+        <mc:Choice Requires="a14">
           <p:sp>
             <p:nvSpPr>
               <p:cNvPr id="10" name="Прямоугольник 9"/>
@@ -13419,7 +13446,7 @@
             </p:txBody>
           </p:sp>
         </mc:Choice>
-        <mc:Fallback>
+        <mc:Fallback xmlns="">
           <p:sp>
             <p:nvSpPr>
               <p:cNvPr id="10" name="Прямоугольник 9"/>
@@ -13458,8 +13485,8 @@
           </p:sp>
         </mc:Fallback>
       </mc:AlternateContent>
-      <mc:AlternateContent xmlns:mc="http://schemas.openxmlformats.org/markup-compatibility/2006">
-        <mc:Choice xmlns:a14="http://schemas.microsoft.com/office/drawing/2010/main" Requires="a14">
+      <mc:AlternateContent xmlns:mc="http://schemas.openxmlformats.org/markup-compatibility/2006" xmlns:a14="http://schemas.microsoft.com/office/drawing/2010/main">
+        <mc:Choice Requires="a14">
           <p:sp>
             <p:nvSpPr>
               <p:cNvPr id="11" name="Прямоугольник 10"/>
@@ -13541,7 +13568,7 @@
             </p:txBody>
           </p:sp>
         </mc:Choice>
-        <mc:Fallback>
+        <mc:Fallback xmlns="">
           <p:sp>
             <p:nvSpPr>
               <p:cNvPr id="11" name="Прямоугольник 10"/>
@@ -13580,8 +13607,8 @@
           </p:sp>
         </mc:Fallback>
       </mc:AlternateContent>
-      <mc:AlternateContent xmlns:mc="http://schemas.openxmlformats.org/markup-compatibility/2006">
-        <mc:Choice xmlns:a14="http://schemas.microsoft.com/office/drawing/2010/main" Requires="a14">
+      <mc:AlternateContent xmlns:mc="http://schemas.openxmlformats.org/markup-compatibility/2006" xmlns:a14="http://schemas.microsoft.com/office/drawing/2010/main">
+        <mc:Choice Requires="a14">
           <p:sp>
             <p:nvSpPr>
               <p:cNvPr id="12" name="Прямоугольник 11"/>
@@ -13655,14 +13682,7 @@
                           <a:latin typeface="Cambria Math" panose="02040503050406030204" pitchFamily="18" charset="0"/>
                           <a:ea typeface="Cambria Math" panose="02040503050406030204" pitchFamily="18" charset="0"/>
                         </a:rPr>
-                        <m:t>=</m:t>
-                      </m:r>
-                      <m:r>
-                        <a:rPr lang="en-US" sz="2000" i="1">
-                          <a:latin typeface="Cambria Math" panose="02040503050406030204" pitchFamily="18" charset="0"/>
-                          <a:ea typeface="Cambria Math" panose="02040503050406030204" pitchFamily="18" charset="0"/>
-                        </a:rPr>
-                        <m:t>90</m:t>
+                        <m:t>=90</m:t>
                       </m:r>
                     </m:oMath>
                   </m:oMathPara>
@@ -13674,7 +13694,7 @@
             </p:txBody>
           </p:sp>
         </mc:Choice>
-        <mc:Fallback>
+        <mc:Fallback xmlns="">
           <p:sp>
             <p:nvSpPr>
               <p:cNvPr id="12" name="Прямоугольник 11"/>
@@ -13713,6 +13733,46 @@
           </p:sp>
         </mc:Fallback>
       </mc:AlternateContent>
+      <p:sp>
+        <p:nvSpPr>
+          <p:cNvPr id="13" name="Номер слайда 9"/>
+          <p:cNvSpPr>
+            <a:spLocks noGrp="1"/>
+          </p:cNvSpPr>
+          <p:nvPr>
+            <p:ph type="sldNum" sz="quarter" idx="12"/>
+          </p:nvPr>
+        </p:nvSpPr>
+        <p:spPr>
+          <a:xfrm>
+            <a:off x="9165968" y="6356350"/>
+            <a:ext cx="2743200" cy="365125"/>
+          </a:xfrm>
+        </p:spPr>
+        <p:txBody>
+          <a:bodyPr/>
+          <a:lstStyle/>
+          <a:p>
+            <a:r>
+              <a:rPr lang="ru-RU" sz="2400" dirty="0" smtClean="0">
+                <a:solidFill>
+                  <a:schemeClr val="accent5">
+                    <a:lumMod val="75000"/>
+                  </a:schemeClr>
+                </a:solidFill>
+              </a:rPr>
+              <a:t>7</a:t>
+            </a:r>
+            <a:endParaRPr lang="ru-RU" sz="2400" dirty="0">
+              <a:solidFill>
+                <a:schemeClr val="accent5">
+                  <a:lumMod val="75000"/>
+                </a:schemeClr>
+              </a:solidFill>
+            </a:endParaRPr>
+          </a:p>
+        </p:txBody>
+      </p:sp>
     </p:spTree>
     <p:extLst>
       <p:ext uri="{BB962C8B-B14F-4D97-AF65-F5344CB8AC3E}">
@@ -13752,7 +13812,69 @@
       </p:grpSpPr>
       <p:sp>
         <p:nvSpPr>
-          <p:cNvPr id="4" name="Номер слайда 3"/>
+          <p:cNvPr id="5" name="TextBox 4"/>
+          <p:cNvSpPr txBox="1"/>
+          <p:nvPr/>
+        </p:nvSpPr>
+        <p:spPr>
+          <a:xfrm>
+            <a:off x="0" y="3729"/>
+            <a:ext cx="12192000" cy="523220"/>
+          </a:xfrm>
+          <a:prstGeom prst="rect">
+            <a:avLst/>
+          </a:prstGeom>
+          <a:solidFill>
+            <a:schemeClr val="accent4">
+              <a:alpha val="50000"/>
+            </a:schemeClr>
+          </a:solidFill>
+          <a:ln>
+            <a:noFill/>
+          </a:ln>
+        </p:spPr>
+        <p:style>
+          <a:lnRef idx="0">
+            <a:scrgbClr r="0" g="0" b="0"/>
+          </a:lnRef>
+          <a:fillRef idx="0">
+            <a:scrgbClr r="0" g="0" b="0"/>
+          </a:fillRef>
+          <a:effectRef idx="0">
+            <a:scrgbClr r="0" g="0" b="0"/>
+          </a:effectRef>
+          <a:fontRef idx="minor">
+            <a:schemeClr val="lt1"/>
+          </a:fontRef>
+        </p:style>
+        <p:txBody>
+          <a:bodyPr wrap="square" rtlCol="0">
+            <a:spAutoFit/>
+          </a:bodyPr>
+          <a:lstStyle/>
+          <a:p>
+            <a:pPr algn="ctr"/>
+            <a:r>
+              <a:rPr lang="ru-RU" sz="2800" dirty="0" smtClean="0">
+                <a:solidFill>
+                  <a:schemeClr val="tx1"/>
+                </a:solidFill>
+                <a:cs typeface="Arial" panose="020B0604020202020204" pitchFamily="34" charset="0"/>
+              </a:rPr>
+              <a:t>Вывод</a:t>
+            </a:r>
+            <a:endParaRPr lang="ru-RU" sz="2800" dirty="0">
+              <a:solidFill>
+                <a:schemeClr val="tx1"/>
+              </a:solidFill>
+              <a:cs typeface="Arial" panose="020B0604020202020204" pitchFamily="34" charset="0"/>
+            </a:endParaRPr>
+          </a:p>
+        </p:txBody>
+      </p:sp>
+      <p:sp>
+        <p:nvSpPr>
+          <p:cNvPr id="7" name="Номер слайда 9"/>
           <p:cNvSpPr>
             <a:spLocks noGrp="1"/>
           </p:cNvSpPr>
@@ -13760,19 +13882,153 @@
             <p:ph type="sldNum" sz="quarter" idx="12"/>
           </p:nvPr>
         </p:nvSpPr>
-        <p:spPr/>
+        <p:spPr>
+          <a:xfrm>
+            <a:off x="9165968" y="6356350"/>
+            <a:ext cx="2743200" cy="365125"/>
+          </a:xfrm>
+        </p:spPr>
         <p:txBody>
           <a:bodyPr/>
           <a:lstStyle/>
           <a:p>
-            <a:fld id="{EAC0DF89-5B13-44F7-A1DF-4EC2E0A738B9}" type="slidenum">
-              <a:rPr lang="ru-RU" smtClean="0"/>
+            <a:r>
+              <a:rPr lang="ru-RU" sz="2400" dirty="0" smtClean="0">
+                <a:solidFill>
+                  <a:schemeClr val="accent5">
+                    <a:lumMod val="75000"/>
+                  </a:schemeClr>
+                </a:solidFill>
+              </a:rPr>
               <a:t>8</a:t>
-            </a:fld>
-            <a:endParaRPr lang="ru-RU"/>
+            </a:r>
+            <a:endParaRPr lang="ru-RU" sz="2400" dirty="0">
+              <a:solidFill>
+                <a:schemeClr val="accent5">
+                  <a:lumMod val="75000"/>
+                </a:schemeClr>
+              </a:solidFill>
+            </a:endParaRPr>
           </a:p>
         </p:txBody>
       </p:sp>
+      <p:sp>
+        <p:nvSpPr>
+          <p:cNvPr id="8" name="Прямоугольник 7"/>
+          <p:cNvSpPr/>
+          <p:nvPr/>
+        </p:nvSpPr>
+        <p:spPr>
+          <a:xfrm>
+            <a:off x="228600" y="1214307"/>
+            <a:ext cx="11680568" cy="2308324"/>
+          </a:xfrm>
+          <a:prstGeom prst="rect">
+            <a:avLst/>
+          </a:prstGeom>
+          <a:noFill/>
+          <a:ln>
+            <a:noFill/>
+          </a:ln>
+        </p:spPr>
+        <p:style>
+          <a:lnRef idx="0">
+            <a:scrgbClr r="0" g="0" b="0"/>
+          </a:lnRef>
+          <a:fillRef idx="0">
+            <a:scrgbClr r="0" g="0" b="0"/>
+          </a:fillRef>
+          <a:effectRef idx="0">
+            <a:scrgbClr r="0" g="0" b="0"/>
+          </a:effectRef>
+          <a:fontRef idx="minor">
+            <a:schemeClr val="dk1"/>
+          </a:fontRef>
+        </p:style>
+        <p:txBody>
+          <a:bodyPr wrap="square">
+            <a:spAutoFit/>
+          </a:bodyPr>
+          <a:lstStyle/>
+          <a:p>
+            <a:r>
+              <a:rPr lang="ru-RU" sz="2400" dirty="0" smtClean="0">
+                <a:solidFill>
+                  <a:schemeClr val="accent5">
+                    <a:lumMod val="75000"/>
+                  </a:schemeClr>
+                </a:solidFill>
+              </a:rPr>
+              <a:t>Наличие внешнего магнитного поля изменяет картину неустойчивости поверхности струи магнитной жидкости, а именно, магнитное поле способствует стабилизации поверхности. </a:t>
+            </a:r>
+          </a:p>
+          <a:p>
+            <a:endParaRPr lang="ru-RU" sz="2400" dirty="0">
+              <a:solidFill>
+                <a:schemeClr val="accent5">
+                  <a:lumMod val="75000"/>
+                </a:schemeClr>
+              </a:solidFill>
+            </a:endParaRPr>
+          </a:p>
+          <a:p>
+            <a:r>
+              <a:rPr lang="ru-RU" sz="2400" dirty="0" smtClean="0">
+                <a:solidFill>
+                  <a:schemeClr val="accent5">
+                    <a:lumMod val="75000"/>
+                  </a:schemeClr>
+                </a:solidFill>
+              </a:rPr>
+              <a:t>При этом, чем выше значение напряжённости магнитного поля (или намагниченности магнитной жидкости), тем более устойчива поверхность струи.</a:t>
+            </a:r>
+            <a:endParaRPr lang="ru-RU" sz="2400" dirty="0" smtClean="0">
+              <a:solidFill>
+                <a:schemeClr val="accent5">
+                  <a:lumMod val="75000"/>
+                </a:schemeClr>
+              </a:solidFill>
+            </a:endParaRPr>
+          </a:p>
+        </p:txBody>
+      </p:sp>
+    </p:spTree>
+    <p:extLst>
+      <p:ext uri="{BB962C8B-B14F-4D97-AF65-F5344CB8AC3E}">
+        <p14:creationId xmlns:p14="http://schemas.microsoft.com/office/powerpoint/2010/main" val="22105"/>
+      </p:ext>
+    </p:extLst>
+  </p:cSld>
+  <p:clrMapOvr>
+    <a:masterClrMapping/>
+  </p:clrMapOvr>
+  <p:timing>
+    <p:tnLst>
+      <p:par>
+        <p:cTn id="1" dur="indefinite" restart="never" nodeType="tmRoot"/>
+      </p:par>
+    </p:tnLst>
+  </p:timing>
+</p:sld>
+</file>
+
+<file path=ppt/slides/slide9.xml><?xml version="1.0" encoding="utf-8"?>
+<p:sld xmlns:a="http://schemas.openxmlformats.org/drawingml/2006/main" xmlns:r="http://schemas.openxmlformats.org/officeDocument/2006/relationships" xmlns:p="http://schemas.openxmlformats.org/presentationml/2006/main">
+  <p:cSld>
+    <p:spTree>
+      <p:nvGrpSpPr>
+        <p:cNvPr id="1" name=""/>
+        <p:cNvGrpSpPr/>
+        <p:nvPr/>
+      </p:nvGrpSpPr>
+      <p:grpSpPr>
+        <a:xfrm>
+          <a:off x="0" y="0"/>
+          <a:ext cx="0" cy="0"/>
+          <a:chOff x="0" y="0"/>
+          <a:chExt cx="0" cy="0"/>
+        </a:xfrm>
+      </p:grpSpPr>
       <p:sp>
         <p:nvSpPr>
           <p:cNvPr id="6" name="TextBox 5"/>
